--- a/Red_Black/Árvore rubro-negra.pptx
+++ b/Red_Black/Árvore rubro-negra.pptx
@@ -31,6 +31,15 @@
     <p:sldId id="276" r:id="rId26"/>
     <p:sldId id="277" r:id="rId27"/>
     <p:sldId id="278" r:id="rId28"/>
+    <p:sldId id="279" r:id="rId29"/>
+    <p:sldId id="280" r:id="rId30"/>
+    <p:sldId id="281" r:id="rId31"/>
+    <p:sldId id="282" r:id="rId32"/>
+    <p:sldId id="283" r:id="rId33"/>
+    <p:sldId id="284" r:id="rId34"/>
+    <p:sldId id="285" r:id="rId35"/>
+    <p:sldId id="286" r:id="rId36"/>
+    <p:sldId id="287" r:id="rId37"/>
   </p:sldIdLst>
   <p:sldSz cy="5143500" cx="9144000"/>
   <p:notesSz cx="6858000" cy="9144000"/>
@@ -812,7 +821,7 @@
   <p:cSld>
     <p:spTree>
       <p:nvGrpSpPr>
-        <p:cNvPr id="108" name="Shape 108"/>
+        <p:cNvPr id="109" name="Shape 109"/>
         <p:cNvGrpSpPr/>
         <p:nvPr/>
       </p:nvGrpSpPr>
@@ -826,7 +835,7 @@
       </p:grpSpPr>
       <p:sp>
         <p:nvSpPr>
-          <p:cNvPr id="109" name="Google Shape;109;g133d6f041ff_0_12:notes"/>
+          <p:cNvPr id="110" name="Google Shape;110;g1349b9eef91_0_29:notes"/>
           <p:cNvSpPr/>
           <p:nvPr>
             <p:ph idx="2" type="sldImg"/>
@@ -861,7 +870,7 @@
       </p:sp>
       <p:sp>
         <p:nvSpPr>
-          <p:cNvPr id="110" name="Google Shape;110;g133d6f041ff_0_12:notes"/>
+          <p:cNvPr id="111" name="Google Shape;111;g1349b9eef91_0_29:notes"/>
           <p:cNvSpPr txBox="1"/>
           <p:nvPr>
             <p:ph idx="1" type="body"/>
@@ -911,7 +920,7 @@
   <p:cSld>
     <p:spTree>
       <p:nvGrpSpPr>
-        <p:cNvPr id="114" name="Shape 114"/>
+        <p:cNvPr id="116" name="Shape 116"/>
         <p:cNvGrpSpPr/>
         <p:nvPr/>
       </p:nvGrpSpPr>
@@ -925,7 +934,7 @@
       </p:grpSpPr>
       <p:sp>
         <p:nvSpPr>
-          <p:cNvPr id="115" name="Google Shape;115;g133d6f041ff_0_17:notes"/>
+          <p:cNvPr id="117" name="Google Shape;117;g1349b9eef91_0_46:notes"/>
           <p:cNvSpPr/>
           <p:nvPr>
             <p:ph idx="2" type="sldImg"/>
@@ -960,7 +969,7 @@
       </p:sp>
       <p:sp>
         <p:nvSpPr>
-          <p:cNvPr id="116" name="Google Shape;116;g133d6f041ff_0_17:notes"/>
+          <p:cNvPr id="118" name="Google Shape;118;g1349b9eef91_0_46:notes"/>
           <p:cNvSpPr txBox="1"/>
           <p:nvPr>
             <p:ph idx="1" type="body"/>
@@ -1010,7 +1019,7 @@
   <p:cSld>
     <p:spTree>
       <p:nvGrpSpPr>
-        <p:cNvPr id="121" name="Shape 121"/>
+        <p:cNvPr id="122" name="Shape 122"/>
         <p:cNvGrpSpPr/>
         <p:nvPr/>
       </p:nvGrpSpPr>
@@ -1024,7 +1033,7 @@
       </p:grpSpPr>
       <p:sp>
         <p:nvSpPr>
-          <p:cNvPr id="122" name="Google Shape;122;g133d6f041ff_0_31:notes"/>
+          <p:cNvPr id="123" name="Google Shape;123;g1349b9eef91_0_56:notes"/>
           <p:cNvSpPr/>
           <p:nvPr>
             <p:ph idx="2" type="sldImg"/>
@@ -1059,7 +1068,7 @@
       </p:sp>
       <p:sp>
         <p:nvSpPr>
-          <p:cNvPr id="123" name="Google Shape;123;g133d6f041ff_0_31:notes"/>
+          <p:cNvPr id="124" name="Google Shape;124;g1349b9eef91_0_56:notes"/>
           <p:cNvSpPr txBox="1"/>
           <p:nvPr>
             <p:ph idx="1" type="body"/>
@@ -1123,7 +1132,7 @@
       </p:grpSpPr>
       <p:sp>
         <p:nvSpPr>
-          <p:cNvPr id="129" name="Google Shape;129;g133d6f041ff_0_22:notes"/>
+          <p:cNvPr id="129" name="Google Shape;129;g135cfea0ed3_0_27:notes"/>
           <p:cNvSpPr/>
           <p:nvPr>
             <p:ph idx="2" type="sldImg"/>
@@ -1158,7 +1167,7 @@
       </p:sp>
       <p:sp>
         <p:nvSpPr>
-          <p:cNvPr id="130" name="Google Shape;130;g133d6f041ff_0_22:notes"/>
+          <p:cNvPr id="130" name="Google Shape;130;g135cfea0ed3_0_27:notes"/>
           <p:cNvSpPr txBox="1"/>
           <p:nvPr>
             <p:ph idx="1" type="body"/>
@@ -1222,7 +1231,7 @@
       </p:grpSpPr>
       <p:sp>
         <p:nvSpPr>
-          <p:cNvPr id="136" name="Google Shape;136;g133d6f041ff_0_36:notes"/>
+          <p:cNvPr id="136" name="Google Shape;136;g133d6f041ff_0_12:notes"/>
           <p:cNvSpPr/>
           <p:nvPr>
             <p:ph idx="2" type="sldImg"/>
@@ -1257,7 +1266,7 @@
       </p:sp>
       <p:sp>
         <p:nvSpPr>
-          <p:cNvPr id="137" name="Google Shape;137;g133d6f041ff_0_36:notes"/>
+          <p:cNvPr id="137" name="Google Shape;137;g133d6f041ff_0_12:notes"/>
           <p:cNvSpPr txBox="1"/>
           <p:nvPr>
             <p:ph idx="1" type="body"/>
@@ -1307,7 +1316,7 @@
   <p:cSld>
     <p:spTree>
       <p:nvGrpSpPr>
-        <p:cNvPr id="143" name="Shape 143"/>
+        <p:cNvPr id="141" name="Shape 141"/>
         <p:cNvGrpSpPr/>
         <p:nvPr/>
       </p:nvGrpSpPr>
@@ -1321,7 +1330,7 @@
       </p:grpSpPr>
       <p:sp>
         <p:nvSpPr>
-          <p:cNvPr id="144" name="Google Shape;144;g133d6f041ff_0_41:notes"/>
+          <p:cNvPr id="142" name="Google Shape;142;g133d6f041ff_0_17:notes"/>
           <p:cNvSpPr/>
           <p:nvPr>
             <p:ph idx="2" type="sldImg"/>
@@ -1356,7 +1365,7 @@
       </p:sp>
       <p:sp>
         <p:nvSpPr>
-          <p:cNvPr id="145" name="Google Shape;145;g133d6f041ff_0_41:notes"/>
+          <p:cNvPr id="143" name="Google Shape;143;g133d6f041ff_0_17:notes"/>
           <p:cNvSpPr txBox="1"/>
           <p:nvPr>
             <p:ph idx="1" type="body"/>
@@ -1406,7 +1415,7 @@
   <p:cSld>
     <p:spTree>
       <p:nvGrpSpPr>
-        <p:cNvPr id="151" name="Shape 151"/>
+        <p:cNvPr id="148" name="Shape 148"/>
         <p:cNvGrpSpPr/>
         <p:nvPr/>
       </p:nvGrpSpPr>
@@ -1420,7 +1429,7 @@
       </p:grpSpPr>
       <p:sp>
         <p:nvSpPr>
-          <p:cNvPr id="152" name="Google Shape;152;g133d6f041ff_0_46:notes"/>
+          <p:cNvPr id="149" name="Google Shape;149;g133d6f041ff_0_31:notes"/>
           <p:cNvSpPr/>
           <p:nvPr>
             <p:ph idx="2" type="sldImg"/>
@@ -1455,7 +1464,7 @@
       </p:sp>
       <p:sp>
         <p:nvSpPr>
-          <p:cNvPr id="153" name="Google Shape;153;g133d6f041ff_0_46:notes"/>
+          <p:cNvPr id="150" name="Google Shape;150;g133d6f041ff_0_31:notes"/>
           <p:cNvSpPr txBox="1"/>
           <p:nvPr>
             <p:ph idx="1" type="body"/>
@@ -1505,7 +1514,7 @@
   <p:cSld>
     <p:spTree>
       <p:nvGrpSpPr>
-        <p:cNvPr id="159" name="Shape 159"/>
+        <p:cNvPr id="155" name="Shape 155"/>
         <p:cNvGrpSpPr/>
         <p:nvPr/>
       </p:nvGrpSpPr>
@@ -1519,7 +1528,7 @@
       </p:grpSpPr>
       <p:sp>
         <p:nvSpPr>
-          <p:cNvPr id="160" name="Google Shape;160;g133f2f1678d_0_8:notes"/>
+          <p:cNvPr id="156" name="Google Shape;156;g133d6f041ff_0_22:notes"/>
           <p:cNvSpPr/>
           <p:nvPr>
             <p:ph idx="2" type="sldImg"/>
@@ -1554,7 +1563,7 @@
       </p:sp>
       <p:sp>
         <p:nvSpPr>
-          <p:cNvPr id="161" name="Google Shape;161;g133f2f1678d_0_8:notes"/>
+          <p:cNvPr id="157" name="Google Shape;157;g133d6f041ff_0_22:notes"/>
           <p:cNvSpPr txBox="1"/>
           <p:nvPr>
             <p:ph idx="1" type="body"/>
@@ -1604,7 +1613,7 @@
   <p:cSld>
     <p:spTree>
       <p:nvGrpSpPr>
-        <p:cNvPr id="166" name="Shape 166"/>
+        <p:cNvPr id="162" name="Shape 162"/>
         <p:cNvGrpSpPr/>
         <p:nvPr/>
       </p:nvGrpSpPr>
@@ -1618,7 +1627,7 @@
       </p:grpSpPr>
       <p:sp>
         <p:nvSpPr>
-          <p:cNvPr id="167" name="Google Shape;167;g133f2f1678d_0_14:notes"/>
+          <p:cNvPr id="163" name="Google Shape;163;g1349b9eef91_0_93:notes"/>
           <p:cNvSpPr/>
           <p:nvPr>
             <p:ph idx="2" type="sldImg"/>
@@ -1653,7 +1662,7 @@
       </p:sp>
       <p:sp>
         <p:nvSpPr>
-          <p:cNvPr id="168" name="Google Shape;168;g133f2f1678d_0_14:notes"/>
+          <p:cNvPr id="164" name="Google Shape;164;g1349b9eef91_0_93:notes"/>
           <p:cNvSpPr txBox="1"/>
           <p:nvPr>
             <p:ph idx="1" type="body"/>
@@ -1703,7 +1712,7 @@
   <p:cSld>
     <p:spTree>
       <p:nvGrpSpPr>
-        <p:cNvPr id="172" name="Shape 172"/>
+        <p:cNvPr id="169" name="Shape 169"/>
         <p:cNvGrpSpPr/>
         <p:nvPr/>
       </p:nvGrpSpPr>
@@ -1717,7 +1726,7 @@
       </p:grpSpPr>
       <p:sp>
         <p:nvSpPr>
-          <p:cNvPr id="173" name="Google Shape;173;g133f2f1678d_0_26:notes"/>
+          <p:cNvPr id="170" name="Google Shape;170;g133d6f041ff_0_36:notes"/>
           <p:cNvSpPr/>
           <p:nvPr>
             <p:ph idx="2" type="sldImg"/>
@@ -1752,7 +1761,7 @@
       </p:sp>
       <p:sp>
         <p:nvSpPr>
-          <p:cNvPr id="174" name="Google Shape;174;g133f2f1678d_0_26:notes"/>
+          <p:cNvPr id="171" name="Google Shape;171;g133d6f041ff_0_36:notes"/>
           <p:cNvSpPr txBox="1"/>
           <p:nvPr>
             <p:ph idx="1" type="body"/>
@@ -1901,7 +1910,7 @@
   <p:cSld>
     <p:spTree>
       <p:nvGrpSpPr>
-        <p:cNvPr id="178" name="Shape 178"/>
+        <p:cNvPr id="177" name="Shape 177"/>
         <p:cNvGrpSpPr/>
         <p:nvPr/>
       </p:nvGrpSpPr>
@@ -1915,7 +1924,7 @@
       </p:grpSpPr>
       <p:sp>
         <p:nvSpPr>
-          <p:cNvPr id="179" name="Google Shape;179;g13469d10396_0_2:notes"/>
+          <p:cNvPr id="178" name="Google Shape;178;g133d6f041ff_0_41:notes"/>
           <p:cNvSpPr/>
           <p:nvPr>
             <p:ph idx="2" type="sldImg"/>
@@ -1950,7 +1959,7 @@
       </p:sp>
       <p:sp>
         <p:nvSpPr>
-          <p:cNvPr id="180" name="Google Shape;180;g13469d10396_0_2:notes"/>
+          <p:cNvPr id="179" name="Google Shape;179;g133d6f041ff_0_41:notes"/>
           <p:cNvSpPr txBox="1"/>
           <p:nvPr>
             <p:ph idx="1" type="body"/>
@@ -2000,7 +2009,7 @@
   <p:cSld>
     <p:spTree>
       <p:nvGrpSpPr>
-        <p:cNvPr id="184" name="Shape 184"/>
+        <p:cNvPr id="185" name="Shape 185"/>
         <p:cNvGrpSpPr/>
         <p:nvPr/>
       </p:nvGrpSpPr>
@@ -2014,7 +2023,7 @@
       </p:grpSpPr>
       <p:sp>
         <p:nvSpPr>
-          <p:cNvPr id="185" name="Google Shape;185;g13469d10396_0_7:notes"/>
+          <p:cNvPr id="186" name="Google Shape;186;g133d6f041ff_0_46:notes"/>
           <p:cNvSpPr/>
           <p:nvPr>
             <p:ph idx="2" type="sldImg"/>
@@ -2049,7 +2058,7 @@
       </p:sp>
       <p:sp>
         <p:nvSpPr>
-          <p:cNvPr id="186" name="Google Shape;186;g13469d10396_0_7:notes"/>
+          <p:cNvPr id="187" name="Google Shape;187;g133d6f041ff_0_46:notes"/>
           <p:cNvSpPr txBox="1"/>
           <p:nvPr>
             <p:ph idx="1" type="body"/>
@@ -2099,7 +2108,7 @@
   <p:cSld>
     <p:spTree>
       <p:nvGrpSpPr>
-        <p:cNvPr id="190" name="Shape 190"/>
+        <p:cNvPr id="193" name="Shape 193"/>
         <p:cNvGrpSpPr/>
         <p:nvPr/>
       </p:nvGrpSpPr>
@@ -2113,7 +2122,7 @@
       </p:grpSpPr>
       <p:sp>
         <p:nvSpPr>
-          <p:cNvPr id="191" name="Google Shape;191;g13469d10396_0_12:notes"/>
+          <p:cNvPr id="194" name="Google Shape;194;g133f2f1678d_0_8:notes"/>
           <p:cNvSpPr/>
           <p:nvPr>
             <p:ph idx="2" type="sldImg"/>
@@ -2148,7 +2157,7 @@
       </p:sp>
       <p:sp>
         <p:nvSpPr>
-          <p:cNvPr id="192" name="Google Shape;192;g13469d10396_0_12:notes"/>
+          <p:cNvPr id="195" name="Google Shape;195;g133f2f1678d_0_8:notes"/>
           <p:cNvSpPr txBox="1"/>
           <p:nvPr>
             <p:ph idx="1" type="body"/>
@@ -2198,7 +2207,7 @@
   <p:cSld>
     <p:spTree>
       <p:nvGrpSpPr>
-        <p:cNvPr id="196" name="Shape 196"/>
+        <p:cNvPr id="200" name="Shape 200"/>
         <p:cNvGrpSpPr/>
         <p:nvPr/>
       </p:nvGrpSpPr>
@@ -2212,7 +2221,7 @@
       </p:grpSpPr>
       <p:sp>
         <p:nvSpPr>
-          <p:cNvPr id="197" name="Google Shape;197;g13469d10396_0_17:notes"/>
+          <p:cNvPr id="201" name="Google Shape;201;g133f2f1678d_0_14:notes"/>
           <p:cNvSpPr/>
           <p:nvPr>
             <p:ph idx="2" type="sldImg"/>
@@ -2247,7 +2256,601 @@
       </p:sp>
       <p:sp>
         <p:nvSpPr>
-          <p:cNvPr id="198" name="Google Shape;198;g13469d10396_0_17:notes"/>
+          <p:cNvPr id="202" name="Google Shape;202;g133f2f1678d_0_14:notes"/>
+          <p:cNvSpPr txBox="1"/>
+          <p:nvPr>
+            <p:ph idx="1" type="body"/>
+          </p:nvPr>
+        </p:nvSpPr>
+        <p:spPr>
+          <a:xfrm>
+            <a:off x="685800" y="4343400"/>
+            <a:ext cx="5486400" cy="4114800"/>
+          </a:xfrm>
+          <a:prstGeom prst="rect">
+            <a:avLst/>
+          </a:prstGeom>
+        </p:spPr>
+        <p:txBody>
+          <a:bodyPr anchorCtr="0" anchor="t" bIns="91425" lIns="91425" spcFirstLastPara="1" rIns="91425" wrap="square" tIns="91425">
+            <a:noAutofit/>
+          </a:bodyPr>
+          <a:lstStyle/>
+          <a:p>
+            <a:pPr indent="0" lvl="0" marL="0" rtl="0" algn="l">
+              <a:spcBef>
+                <a:spcPts val="0"/>
+              </a:spcBef>
+              <a:spcAft>
+                <a:spcPts val="0"/>
+              </a:spcAft>
+              <a:buNone/>
+            </a:pPr>
+            <a:r>
+              <a:t/>
+            </a:r>
+            <a:endParaRPr/>
+          </a:p>
+        </p:txBody>
+      </p:sp>
+    </p:spTree>
+  </p:cSld>
+  <p:clrMapOvr>
+    <a:masterClrMapping/>
+  </p:clrMapOvr>
+</p:notes>
+</file>
+
+<file path=ppt/notesSlides/notesSlide24.xml><?xml version="1.0" encoding="utf-8"?>
+<p:notes xmlns:a="http://schemas.openxmlformats.org/drawingml/2006/main" xmlns:r="http://schemas.openxmlformats.org/officeDocument/2006/relationships" xmlns:mc="http://schemas.openxmlformats.org/markup-compatibility/2006" xmlns:mv="urn:schemas-microsoft-com:mac:vml" xmlns:p="http://schemas.openxmlformats.org/presentationml/2006/main" xmlns:c="http://schemas.openxmlformats.org/drawingml/2006/chart" xmlns:dgm="http://schemas.openxmlformats.org/drawingml/2006/diagram" xmlns:o="urn:schemas-microsoft-com:office:office" xmlns:v="urn:schemas-microsoft-com:vml" xmlns:pvml="urn:schemas-microsoft-com:office:powerpoint" xmlns:com="http://schemas.openxmlformats.org/drawingml/2006/compatibility" xmlns:p14="http://schemas.microsoft.com/office/powerpoint/2010/main" xmlns:p15="http://schemas.microsoft.com/office/powerpoint/2012/main" xmlns:ahyp="http://schemas.microsoft.com/office/drawing/2018/hyperlinkcolor" showMasterPhAnim="0" showMasterSp="0">
+  <p:cSld>
+    <p:spTree>
+      <p:nvGrpSpPr>
+        <p:cNvPr id="206" name="Shape 206"/>
+        <p:cNvGrpSpPr/>
+        <p:nvPr/>
+      </p:nvGrpSpPr>
+      <p:grpSpPr>
+        <a:xfrm>
+          <a:off x="0" y="0"/>
+          <a:ext cx="0" cy="0"/>
+          <a:chOff x="0" y="0"/>
+          <a:chExt cx="0" cy="0"/>
+        </a:xfrm>
+      </p:grpSpPr>
+      <p:sp>
+        <p:nvSpPr>
+          <p:cNvPr id="207" name="Google Shape;207;g133f2f1678d_0_26:notes"/>
+          <p:cNvSpPr/>
+          <p:nvPr>
+            <p:ph idx="2" type="sldImg"/>
+          </p:nvPr>
+        </p:nvSpPr>
+        <p:spPr>
+          <a:xfrm>
+            <a:off x="381300" y="685800"/>
+            <a:ext cx="6096000" cy="3429000"/>
+          </a:xfrm>
+          <a:custGeom>
+            <a:rect b="b" l="l" r="r" t="t"/>
+            <a:pathLst>
+              <a:path extrusionOk="0" h="120000" w="120000">
+                <a:moveTo>
+                  <a:pt x="0" y="0"/>
+                </a:moveTo>
+                <a:lnTo>
+                  <a:pt x="120000" y="0"/>
+                </a:lnTo>
+                <a:lnTo>
+                  <a:pt x="120000" y="120000"/>
+                </a:lnTo>
+                <a:lnTo>
+                  <a:pt x="0" y="120000"/>
+                </a:lnTo>
+                <a:close/>
+              </a:path>
+            </a:pathLst>
+          </a:custGeom>
+        </p:spPr>
+      </p:sp>
+      <p:sp>
+        <p:nvSpPr>
+          <p:cNvPr id="208" name="Google Shape;208;g133f2f1678d_0_26:notes"/>
+          <p:cNvSpPr txBox="1"/>
+          <p:nvPr>
+            <p:ph idx="1" type="body"/>
+          </p:nvPr>
+        </p:nvSpPr>
+        <p:spPr>
+          <a:xfrm>
+            <a:off x="685800" y="4343400"/>
+            <a:ext cx="5486400" cy="4114800"/>
+          </a:xfrm>
+          <a:prstGeom prst="rect">
+            <a:avLst/>
+          </a:prstGeom>
+        </p:spPr>
+        <p:txBody>
+          <a:bodyPr anchorCtr="0" anchor="t" bIns="91425" lIns="91425" spcFirstLastPara="1" rIns="91425" wrap="square" tIns="91425">
+            <a:noAutofit/>
+          </a:bodyPr>
+          <a:lstStyle/>
+          <a:p>
+            <a:pPr indent="0" lvl="0" marL="0" rtl="0" algn="l">
+              <a:spcBef>
+                <a:spcPts val="0"/>
+              </a:spcBef>
+              <a:spcAft>
+                <a:spcPts val="0"/>
+              </a:spcAft>
+              <a:buNone/>
+            </a:pPr>
+            <a:r>
+              <a:t/>
+            </a:r>
+            <a:endParaRPr/>
+          </a:p>
+        </p:txBody>
+      </p:sp>
+    </p:spTree>
+  </p:cSld>
+  <p:clrMapOvr>
+    <a:masterClrMapping/>
+  </p:clrMapOvr>
+</p:notes>
+</file>
+
+<file path=ppt/notesSlides/notesSlide25.xml><?xml version="1.0" encoding="utf-8"?>
+<p:notes xmlns:a="http://schemas.openxmlformats.org/drawingml/2006/main" xmlns:r="http://schemas.openxmlformats.org/officeDocument/2006/relationships" xmlns:mc="http://schemas.openxmlformats.org/markup-compatibility/2006" xmlns:mv="urn:schemas-microsoft-com:mac:vml" xmlns:p="http://schemas.openxmlformats.org/presentationml/2006/main" xmlns:c="http://schemas.openxmlformats.org/drawingml/2006/chart" xmlns:dgm="http://schemas.openxmlformats.org/drawingml/2006/diagram" xmlns:o="urn:schemas-microsoft-com:office:office" xmlns:v="urn:schemas-microsoft-com:vml" xmlns:pvml="urn:schemas-microsoft-com:office:powerpoint" xmlns:com="http://schemas.openxmlformats.org/drawingml/2006/compatibility" xmlns:p14="http://schemas.microsoft.com/office/powerpoint/2010/main" xmlns:p15="http://schemas.microsoft.com/office/powerpoint/2012/main" xmlns:ahyp="http://schemas.microsoft.com/office/drawing/2018/hyperlinkcolor" showMasterPhAnim="0" showMasterSp="0">
+  <p:cSld>
+    <p:spTree>
+      <p:nvGrpSpPr>
+        <p:cNvPr id="212" name="Shape 212"/>
+        <p:cNvGrpSpPr/>
+        <p:nvPr/>
+      </p:nvGrpSpPr>
+      <p:grpSpPr>
+        <a:xfrm>
+          <a:off x="0" y="0"/>
+          <a:ext cx="0" cy="0"/>
+          <a:chOff x="0" y="0"/>
+          <a:chExt cx="0" cy="0"/>
+        </a:xfrm>
+      </p:grpSpPr>
+      <p:sp>
+        <p:nvSpPr>
+          <p:cNvPr id="213" name="Google Shape;213;g13469d10396_0_2:notes"/>
+          <p:cNvSpPr/>
+          <p:nvPr>
+            <p:ph idx="2" type="sldImg"/>
+          </p:nvPr>
+        </p:nvSpPr>
+        <p:spPr>
+          <a:xfrm>
+            <a:off x="381300" y="685800"/>
+            <a:ext cx="6096000" cy="3429000"/>
+          </a:xfrm>
+          <a:custGeom>
+            <a:rect b="b" l="l" r="r" t="t"/>
+            <a:pathLst>
+              <a:path extrusionOk="0" h="120000" w="120000">
+                <a:moveTo>
+                  <a:pt x="0" y="0"/>
+                </a:moveTo>
+                <a:lnTo>
+                  <a:pt x="120000" y="0"/>
+                </a:lnTo>
+                <a:lnTo>
+                  <a:pt x="120000" y="120000"/>
+                </a:lnTo>
+                <a:lnTo>
+                  <a:pt x="0" y="120000"/>
+                </a:lnTo>
+                <a:close/>
+              </a:path>
+            </a:pathLst>
+          </a:custGeom>
+        </p:spPr>
+      </p:sp>
+      <p:sp>
+        <p:nvSpPr>
+          <p:cNvPr id="214" name="Google Shape;214;g13469d10396_0_2:notes"/>
+          <p:cNvSpPr txBox="1"/>
+          <p:nvPr>
+            <p:ph idx="1" type="body"/>
+          </p:nvPr>
+        </p:nvSpPr>
+        <p:spPr>
+          <a:xfrm>
+            <a:off x="685800" y="4343400"/>
+            <a:ext cx="5486400" cy="4114800"/>
+          </a:xfrm>
+          <a:prstGeom prst="rect">
+            <a:avLst/>
+          </a:prstGeom>
+        </p:spPr>
+        <p:txBody>
+          <a:bodyPr anchorCtr="0" anchor="t" bIns="91425" lIns="91425" spcFirstLastPara="1" rIns="91425" wrap="square" tIns="91425">
+            <a:noAutofit/>
+          </a:bodyPr>
+          <a:lstStyle/>
+          <a:p>
+            <a:pPr indent="0" lvl="0" marL="0" rtl="0" algn="l">
+              <a:spcBef>
+                <a:spcPts val="0"/>
+              </a:spcBef>
+              <a:spcAft>
+                <a:spcPts val="0"/>
+              </a:spcAft>
+              <a:buNone/>
+            </a:pPr>
+            <a:r>
+              <a:t/>
+            </a:r>
+            <a:endParaRPr/>
+          </a:p>
+        </p:txBody>
+      </p:sp>
+    </p:spTree>
+  </p:cSld>
+  <p:clrMapOvr>
+    <a:masterClrMapping/>
+  </p:clrMapOvr>
+</p:notes>
+</file>
+
+<file path=ppt/notesSlides/notesSlide26.xml><?xml version="1.0" encoding="utf-8"?>
+<p:notes xmlns:a="http://schemas.openxmlformats.org/drawingml/2006/main" xmlns:r="http://schemas.openxmlformats.org/officeDocument/2006/relationships" xmlns:mc="http://schemas.openxmlformats.org/markup-compatibility/2006" xmlns:mv="urn:schemas-microsoft-com:mac:vml" xmlns:p="http://schemas.openxmlformats.org/presentationml/2006/main" xmlns:c="http://schemas.openxmlformats.org/drawingml/2006/chart" xmlns:dgm="http://schemas.openxmlformats.org/drawingml/2006/diagram" xmlns:o="urn:schemas-microsoft-com:office:office" xmlns:v="urn:schemas-microsoft-com:vml" xmlns:pvml="urn:schemas-microsoft-com:office:powerpoint" xmlns:com="http://schemas.openxmlformats.org/drawingml/2006/compatibility" xmlns:p14="http://schemas.microsoft.com/office/powerpoint/2010/main" xmlns:p15="http://schemas.microsoft.com/office/powerpoint/2012/main" xmlns:ahyp="http://schemas.microsoft.com/office/drawing/2018/hyperlinkcolor" showMasterPhAnim="0" showMasterSp="0">
+  <p:cSld>
+    <p:spTree>
+      <p:nvGrpSpPr>
+        <p:cNvPr id="218" name="Shape 218"/>
+        <p:cNvGrpSpPr/>
+        <p:nvPr/>
+      </p:nvGrpSpPr>
+      <p:grpSpPr>
+        <a:xfrm>
+          <a:off x="0" y="0"/>
+          <a:ext cx="0" cy="0"/>
+          <a:chOff x="0" y="0"/>
+          <a:chExt cx="0" cy="0"/>
+        </a:xfrm>
+      </p:grpSpPr>
+      <p:sp>
+        <p:nvSpPr>
+          <p:cNvPr id="219" name="Google Shape;219;g13469d10396_0_7:notes"/>
+          <p:cNvSpPr/>
+          <p:nvPr>
+            <p:ph idx="2" type="sldImg"/>
+          </p:nvPr>
+        </p:nvSpPr>
+        <p:spPr>
+          <a:xfrm>
+            <a:off x="381300" y="685800"/>
+            <a:ext cx="6096000" cy="3429000"/>
+          </a:xfrm>
+          <a:custGeom>
+            <a:rect b="b" l="l" r="r" t="t"/>
+            <a:pathLst>
+              <a:path extrusionOk="0" h="120000" w="120000">
+                <a:moveTo>
+                  <a:pt x="0" y="0"/>
+                </a:moveTo>
+                <a:lnTo>
+                  <a:pt x="120000" y="0"/>
+                </a:lnTo>
+                <a:lnTo>
+                  <a:pt x="120000" y="120000"/>
+                </a:lnTo>
+                <a:lnTo>
+                  <a:pt x="0" y="120000"/>
+                </a:lnTo>
+                <a:close/>
+              </a:path>
+            </a:pathLst>
+          </a:custGeom>
+        </p:spPr>
+      </p:sp>
+      <p:sp>
+        <p:nvSpPr>
+          <p:cNvPr id="220" name="Google Shape;220;g13469d10396_0_7:notes"/>
+          <p:cNvSpPr txBox="1"/>
+          <p:nvPr>
+            <p:ph idx="1" type="body"/>
+          </p:nvPr>
+        </p:nvSpPr>
+        <p:spPr>
+          <a:xfrm>
+            <a:off x="685800" y="4343400"/>
+            <a:ext cx="5486400" cy="4114800"/>
+          </a:xfrm>
+          <a:prstGeom prst="rect">
+            <a:avLst/>
+          </a:prstGeom>
+        </p:spPr>
+        <p:txBody>
+          <a:bodyPr anchorCtr="0" anchor="t" bIns="91425" lIns="91425" spcFirstLastPara="1" rIns="91425" wrap="square" tIns="91425">
+            <a:noAutofit/>
+          </a:bodyPr>
+          <a:lstStyle/>
+          <a:p>
+            <a:pPr indent="0" lvl="0" marL="0" rtl="0" algn="l">
+              <a:spcBef>
+                <a:spcPts val="0"/>
+              </a:spcBef>
+              <a:spcAft>
+                <a:spcPts val="0"/>
+              </a:spcAft>
+              <a:buNone/>
+            </a:pPr>
+            <a:r>
+              <a:t/>
+            </a:r>
+            <a:endParaRPr/>
+          </a:p>
+        </p:txBody>
+      </p:sp>
+    </p:spTree>
+  </p:cSld>
+  <p:clrMapOvr>
+    <a:masterClrMapping/>
+  </p:clrMapOvr>
+</p:notes>
+</file>
+
+<file path=ppt/notesSlides/notesSlide27.xml><?xml version="1.0" encoding="utf-8"?>
+<p:notes xmlns:a="http://schemas.openxmlformats.org/drawingml/2006/main" xmlns:r="http://schemas.openxmlformats.org/officeDocument/2006/relationships" xmlns:mc="http://schemas.openxmlformats.org/markup-compatibility/2006" xmlns:mv="urn:schemas-microsoft-com:mac:vml" xmlns:p="http://schemas.openxmlformats.org/presentationml/2006/main" xmlns:c="http://schemas.openxmlformats.org/drawingml/2006/chart" xmlns:dgm="http://schemas.openxmlformats.org/drawingml/2006/diagram" xmlns:o="urn:schemas-microsoft-com:office:office" xmlns:v="urn:schemas-microsoft-com:vml" xmlns:pvml="urn:schemas-microsoft-com:office:powerpoint" xmlns:com="http://schemas.openxmlformats.org/drawingml/2006/compatibility" xmlns:p14="http://schemas.microsoft.com/office/powerpoint/2010/main" xmlns:p15="http://schemas.microsoft.com/office/powerpoint/2012/main" xmlns:ahyp="http://schemas.microsoft.com/office/drawing/2018/hyperlinkcolor" showMasterPhAnim="0" showMasterSp="0">
+  <p:cSld>
+    <p:spTree>
+      <p:nvGrpSpPr>
+        <p:cNvPr id="224" name="Shape 224"/>
+        <p:cNvGrpSpPr/>
+        <p:nvPr/>
+      </p:nvGrpSpPr>
+      <p:grpSpPr>
+        <a:xfrm>
+          <a:off x="0" y="0"/>
+          <a:ext cx="0" cy="0"/>
+          <a:chOff x="0" y="0"/>
+          <a:chExt cx="0" cy="0"/>
+        </a:xfrm>
+      </p:grpSpPr>
+      <p:sp>
+        <p:nvSpPr>
+          <p:cNvPr id="225" name="Google Shape;225;g13469d10396_0_12:notes"/>
+          <p:cNvSpPr/>
+          <p:nvPr>
+            <p:ph idx="2" type="sldImg"/>
+          </p:nvPr>
+        </p:nvSpPr>
+        <p:spPr>
+          <a:xfrm>
+            <a:off x="381300" y="685800"/>
+            <a:ext cx="6096000" cy="3429000"/>
+          </a:xfrm>
+          <a:custGeom>
+            <a:rect b="b" l="l" r="r" t="t"/>
+            <a:pathLst>
+              <a:path extrusionOk="0" h="120000" w="120000">
+                <a:moveTo>
+                  <a:pt x="0" y="0"/>
+                </a:moveTo>
+                <a:lnTo>
+                  <a:pt x="120000" y="0"/>
+                </a:lnTo>
+                <a:lnTo>
+                  <a:pt x="120000" y="120000"/>
+                </a:lnTo>
+                <a:lnTo>
+                  <a:pt x="0" y="120000"/>
+                </a:lnTo>
+                <a:close/>
+              </a:path>
+            </a:pathLst>
+          </a:custGeom>
+        </p:spPr>
+      </p:sp>
+      <p:sp>
+        <p:nvSpPr>
+          <p:cNvPr id="226" name="Google Shape;226;g13469d10396_0_12:notes"/>
+          <p:cNvSpPr txBox="1"/>
+          <p:nvPr>
+            <p:ph idx="1" type="body"/>
+          </p:nvPr>
+        </p:nvSpPr>
+        <p:spPr>
+          <a:xfrm>
+            <a:off x="685800" y="4343400"/>
+            <a:ext cx="5486400" cy="4114800"/>
+          </a:xfrm>
+          <a:prstGeom prst="rect">
+            <a:avLst/>
+          </a:prstGeom>
+        </p:spPr>
+        <p:txBody>
+          <a:bodyPr anchorCtr="0" anchor="t" bIns="91425" lIns="91425" spcFirstLastPara="1" rIns="91425" wrap="square" tIns="91425">
+            <a:noAutofit/>
+          </a:bodyPr>
+          <a:lstStyle/>
+          <a:p>
+            <a:pPr indent="0" lvl="0" marL="0" rtl="0" algn="l">
+              <a:spcBef>
+                <a:spcPts val="0"/>
+              </a:spcBef>
+              <a:spcAft>
+                <a:spcPts val="0"/>
+              </a:spcAft>
+              <a:buNone/>
+            </a:pPr>
+            <a:r>
+              <a:t/>
+            </a:r>
+            <a:endParaRPr/>
+          </a:p>
+        </p:txBody>
+      </p:sp>
+    </p:spTree>
+  </p:cSld>
+  <p:clrMapOvr>
+    <a:masterClrMapping/>
+  </p:clrMapOvr>
+</p:notes>
+</file>
+
+<file path=ppt/notesSlides/notesSlide28.xml><?xml version="1.0" encoding="utf-8"?>
+<p:notes xmlns:a="http://schemas.openxmlformats.org/drawingml/2006/main" xmlns:r="http://schemas.openxmlformats.org/officeDocument/2006/relationships" xmlns:mc="http://schemas.openxmlformats.org/markup-compatibility/2006" xmlns:mv="urn:schemas-microsoft-com:mac:vml" xmlns:p="http://schemas.openxmlformats.org/presentationml/2006/main" xmlns:c="http://schemas.openxmlformats.org/drawingml/2006/chart" xmlns:dgm="http://schemas.openxmlformats.org/drawingml/2006/diagram" xmlns:o="urn:schemas-microsoft-com:office:office" xmlns:v="urn:schemas-microsoft-com:vml" xmlns:pvml="urn:schemas-microsoft-com:office:powerpoint" xmlns:com="http://schemas.openxmlformats.org/drawingml/2006/compatibility" xmlns:p14="http://schemas.microsoft.com/office/powerpoint/2010/main" xmlns:p15="http://schemas.microsoft.com/office/powerpoint/2012/main" xmlns:ahyp="http://schemas.microsoft.com/office/drawing/2018/hyperlinkcolor" showMasterPhAnim="0" showMasterSp="0">
+  <p:cSld>
+    <p:spTree>
+      <p:nvGrpSpPr>
+        <p:cNvPr id="232" name="Shape 232"/>
+        <p:cNvGrpSpPr/>
+        <p:nvPr/>
+      </p:nvGrpSpPr>
+      <p:grpSpPr>
+        <a:xfrm>
+          <a:off x="0" y="0"/>
+          <a:ext cx="0" cy="0"/>
+          <a:chOff x="0" y="0"/>
+          <a:chExt cx="0" cy="0"/>
+        </a:xfrm>
+      </p:grpSpPr>
+      <p:sp>
+        <p:nvSpPr>
+          <p:cNvPr id="233" name="Google Shape;233;g13469d10396_0_17:notes"/>
+          <p:cNvSpPr/>
+          <p:nvPr>
+            <p:ph idx="2" type="sldImg"/>
+          </p:nvPr>
+        </p:nvSpPr>
+        <p:spPr>
+          <a:xfrm>
+            <a:off x="381300" y="685800"/>
+            <a:ext cx="6096000" cy="3429000"/>
+          </a:xfrm>
+          <a:custGeom>
+            <a:rect b="b" l="l" r="r" t="t"/>
+            <a:pathLst>
+              <a:path extrusionOk="0" h="120000" w="120000">
+                <a:moveTo>
+                  <a:pt x="0" y="0"/>
+                </a:moveTo>
+                <a:lnTo>
+                  <a:pt x="120000" y="0"/>
+                </a:lnTo>
+                <a:lnTo>
+                  <a:pt x="120000" y="120000"/>
+                </a:lnTo>
+                <a:lnTo>
+                  <a:pt x="0" y="120000"/>
+                </a:lnTo>
+                <a:close/>
+              </a:path>
+            </a:pathLst>
+          </a:custGeom>
+        </p:spPr>
+      </p:sp>
+      <p:sp>
+        <p:nvSpPr>
+          <p:cNvPr id="234" name="Google Shape;234;g13469d10396_0_17:notes"/>
+          <p:cNvSpPr txBox="1"/>
+          <p:nvPr>
+            <p:ph idx="1" type="body"/>
+          </p:nvPr>
+        </p:nvSpPr>
+        <p:spPr>
+          <a:xfrm>
+            <a:off x="685800" y="4343400"/>
+            <a:ext cx="5486400" cy="4114800"/>
+          </a:xfrm>
+          <a:prstGeom prst="rect">
+            <a:avLst/>
+          </a:prstGeom>
+        </p:spPr>
+        <p:txBody>
+          <a:bodyPr anchorCtr="0" anchor="t" bIns="91425" lIns="91425" spcFirstLastPara="1" rIns="91425" wrap="square" tIns="91425">
+            <a:noAutofit/>
+          </a:bodyPr>
+          <a:lstStyle/>
+          <a:p>
+            <a:pPr indent="0" lvl="0" marL="0" rtl="0" algn="l">
+              <a:spcBef>
+                <a:spcPts val="0"/>
+              </a:spcBef>
+              <a:spcAft>
+                <a:spcPts val="0"/>
+              </a:spcAft>
+              <a:buNone/>
+            </a:pPr>
+            <a:r>
+              <a:t/>
+            </a:r>
+            <a:endParaRPr/>
+          </a:p>
+        </p:txBody>
+      </p:sp>
+    </p:spTree>
+  </p:cSld>
+  <p:clrMapOvr>
+    <a:masterClrMapping/>
+  </p:clrMapOvr>
+</p:notes>
+</file>
+
+<file path=ppt/notesSlides/notesSlide29.xml><?xml version="1.0" encoding="utf-8"?>
+<p:notes xmlns:a="http://schemas.openxmlformats.org/drawingml/2006/main" xmlns:r="http://schemas.openxmlformats.org/officeDocument/2006/relationships" xmlns:mc="http://schemas.openxmlformats.org/markup-compatibility/2006" xmlns:mv="urn:schemas-microsoft-com:mac:vml" xmlns:p="http://schemas.openxmlformats.org/presentationml/2006/main" xmlns:c="http://schemas.openxmlformats.org/drawingml/2006/chart" xmlns:dgm="http://schemas.openxmlformats.org/drawingml/2006/diagram" xmlns:o="urn:schemas-microsoft-com:office:office" xmlns:v="urn:schemas-microsoft-com:vml" xmlns:pvml="urn:schemas-microsoft-com:office:powerpoint" xmlns:com="http://schemas.openxmlformats.org/drawingml/2006/compatibility" xmlns:p14="http://schemas.microsoft.com/office/powerpoint/2010/main" xmlns:p15="http://schemas.microsoft.com/office/powerpoint/2012/main" xmlns:ahyp="http://schemas.microsoft.com/office/drawing/2018/hyperlinkcolor" showMasterPhAnim="0" showMasterSp="0">
+  <p:cSld>
+    <p:spTree>
+      <p:nvGrpSpPr>
+        <p:cNvPr id="238" name="Shape 238"/>
+        <p:cNvGrpSpPr/>
+        <p:nvPr/>
+      </p:nvGrpSpPr>
+      <p:grpSpPr>
+        <a:xfrm>
+          <a:off x="0" y="0"/>
+          <a:ext cx="0" cy="0"/>
+          <a:chOff x="0" y="0"/>
+          <a:chExt cx="0" cy="0"/>
+        </a:xfrm>
+      </p:grpSpPr>
+      <p:sp>
+        <p:nvSpPr>
+          <p:cNvPr id="239" name="Google Shape;239;g1349b9eef91_0_66:notes"/>
+          <p:cNvSpPr/>
+          <p:nvPr>
+            <p:ph idx="2" type="sldImg"/>
+          </p:nvPr>
+        </p:nvSpPr>
+        <p:spPr>
+          <a:xfrm>
+            <a:off x="381300" y="685800"/>
+            <a:ext cx="6096000" cy="3429000"/>
+          </a:xfrm>
+          <a:custGeom>
+            <a:rect b="b" l="l" r="r" t="t"/>
+            <a:pathLst>
+              <a:path extrusionOk="0" h="120000" w="120000">
+                <a:moveTo>
+                  <a:pt x="0" y="0"/>
+                </a:moveTo>
+                <a:lnTo>
+                  <a:pt x="120000" y="0"/>
+                </a:lnTo>
+                <a:lnTo>
+                  <a:pt x="120000" y="120000"/>
+                </a:lnTo>
+                <a:lnTo>
+                  <a:pt x="0" y="120000"/>
+                </a:lnTo>
+                <a:close/>
+              </a:path>
+            </a:pathLst>
+          </a:custGeom>
+        </p:spPr>
+      </p:sp>
+      <p:sp>
+        <p:nvSpPr>
+          <p:cNvPr id="240" name="Google Shape;240;g1349b9eef91_0_66:notes"/>
           <p:cNvSpPr txBox="1"/>
           <p:nvPr>
             <p:ph idx="1" type="body"/>
@@ -2391,6 +2994,303 @@
 </p:notes>
 </file>
 
+<file path=ppt/notesSlides/notesSlide30.xml><?xml version="1.0" encoding="utf-8"?>
+<p:notes xmlns:a="http://schemas.openxmlformats.org/drawingml/2006/main" xmlns:r="http://schemas.openxmlformats.org/officeDocument/2006/relationships" xmlns:mc="http://schemas.openxmlformats.org/markup-compatibility/2006" xmlns:mv="urn:schemas-microsoft-com:mac:vml" xmlns:p="http://schemas.openxmlformats.org/presentationml/2006/main" xmlns:c="http://schemas.openxmlformats.org/drawingml/2006/chart" xmlns:dgm="http://schemas.openxmlformats.org/drawingml/2006/diagram" xmlns:o="urn:schemas-microsoft-com:office:office" xmlns:v="urn:schemas-microsoft-com:vml" xmlns:pvml="urn:schemas-microsoft-com:office:powerpoint" xmlns:com="http://schemas.openxmlformats.org/drawingml/2006/compatibility" xmlns:p14="http://schemas.microsoft.com/office/powerpoint/2010/main" xmlns:p15="http://schemas.microsoft.com/office/powerpoint/2012/main" xmlns:ahyp="http://schemas.microsoft.com/office/drawing/2018/hyperlinkcolor" showMasterPhAnim="0" showMasterSp="0">
+  <p:cSld>
+    <p:spTree>
+      <p:nvGrpSpPr>
+        <p:cNvPr id="245" name="Shape 245"/>
+        <p:cNvGrpSpPr/>
+        <p:nvPr/>
+      </p:nvGrpSpPr>
+      <p:grpSpPr>
+        <a:xfrm>
+          <a:off x="0" y="0"/>
+          <a:ext cx="0" cy="0"/>
+          <a:chOff x="0" y="0"/>
+          <a:chExt cx="0" cy="0"/>
+        </a:xfrm>
+      </p:grpSpPr>
+      <p:sp>
+        <p:nvSpPr>
+          <p:cNvPr id="246" name="Google Shape;246;g1349b9eef91_0_73:notes"/>
+          <p:cNvSpPr/>
+          <p:nvPr>
+            <p:ph idx="2" type="sldImg"/>
+          </p:nvPr>
+        </p:nvSpPr>
+        <p:spPr>
+          <a:xfrm>
+            <a:off x="381300" y="685800"/>
+            <a:ext cx="6096000" cy="3429000"/>
+          </a:xfrm>
+          <a:custGeom>
+            <a:rect b="b" l="l" r="r" t="t"/>
+            <a:pathLst>
+              <a:path extrusionOk="0" h="120000" w="120000">
+                <a:moveTo>
+                  <a:pt x="0" y="0"/>
+                </a:moveTo>
+                <a:lnTo>
+                  <a:pt x="120000" y="0"/>
+                </a:lnTo>
+                <a:lnTo>
+                  <a:pt x="120000" y="120000"/>
+                </a:lnTo>
+                <a:lnTo>
+                  <a:pt x="0" y="120000"/>
+                </a:lnTo>
+                <a:close/>
+              </a:path>
+            </a:pathLst>
+          </a:custGeom>
+        </p:spPr>
+      </p:sp>
+      <p:sp>
+        <p:nvSpPr>
+          <p:cNvPr id="247" name="Google Shape;247;g1349b9eef91_0_73:notes"/>
+          <p:cNvSpPr txBox="1"/>
+          <p:nvPr>
+            <p:ph idx="1" type="body"/>
+          </p:nvPr>
+        </p:nvSpPr>
+        <p:spPr>
+          <a:xfrm>
+            <a:off x="685800" y="4343400"/>
+            <a:ext cx="5486400" cy="4114800"/>
+          </a:xfrm>
+          <a:prstGeom prst="rect">
+            <a:avLst/>
+          </a:prstGeom>
+        </p:spPr>
+        <p:txBody>
+          <a:bodyPr anchorCtr="0" anchor="t" bIns="91425" lIns="91425" spcFirstLastPara="1" rIns="91425" wrap="square" tIns="91425">
+            <a:noAutofit/>
+          </a:bodyPr>
+          <a:lstStyle/>
+          <a:p>
+            <a:pPr indent="0" lvl="0" marL="0" rtl="0" algn="l">
+              <a:spcBef>
+                <a:spcPts val="0"/>
+              </a:spcBef>
+              <a:spcAft>
+                <a:spcPts val="0"/>
+              </a:spcAft>
+              <a:buNone/>
+            </a:pPr>
+            <a:r>
+              <a:t/>
+            </a:r>
+            <a:endParaRPr/>
+          </a:p>
+        </p:txBody>
+      </p:sp>
+    </p:spTree>
+  </p:cSld>
+  <p:clrMapOvr>
+    <a:masterClrMapping/>
+  </p:clrMapOvr>
+</p:notes>
+</file>
+
+<file path=ppt/notesSlides/notesSlide31.xml><?xml version="1.0" encoding="utf-8"?>
+<p:notes xmlns:a="http://schemas.openxmlformats.org/drawingml/2006/main" xmlns:r="http://schemas.openxmlformats.org/officeDocument/2006/relationships" xmlns:mc="http://schemas.openxmlformats.org/markup-compatibility/2006" xmlns:mv="urn:schemas-microsoft-com:mac:vml" xmlns:p="http://schemas.openxmlformats.org/presentationml/2006/main" xmlns:c="http://schemas.openxmlformats.org/drawingml/2006/chart" xmlns:dgm="http://schemas.openxmlformats.org/drawingml/2006/diagram" xmlns:o="urn:schemas-microsoft-com:office:office" xmlns:v="urn:schemas-microsoft-com:vml" xmlns:pvml="urn:schemas-microsoft-com:office:powerpoint" xmlns:com="http://schemas.openxmlformats.org/drawingml/2006/compatibility" xmlns:p14="http://schemas.microsoft.com/office/powerpoint/2010/main" xmlns:p15="http://schemas.microsoft.com/office/powerpoint/2012/main" xmlns:ahyp="http://schemas.microsoft.com/office/drawing/2018/hyperlinkcolor" showMasterPhAnim="0" showMasterSp="0">
+  <p:cSld>
+    <p:spTree>
+      <p:nvGrpSpPr>
+        <p:cNvPr id="251" name="Shape 251"/>
+        <p:cNvGrpSpPr/>
+        <p:nvPr/>
+      </p:nvGrpSpPr>
+      <p:grpSpPr>
+        <a:xfrm>
+          <a:off x="0" y="0"/>
+          <a:ext cx="0" cy="0"/>
+          <a:chOff x="0" y="0"/>
+          <a:chExt cx="0" cy="0"/>
+        </a:xfrm>
+      </p:grpSpPr>
+      <p:sp>
+        <p:nvSpPr>
+          <p:cNvPr id="252" name="Google Shape;252;g1349b9eef91_0_80:notes"/>
+          <p:cNvSpPr/>
+          <p:nvPr>
+            <p:ph idx="2" type="sldImg"/>
+          </p:nvPr>
+        </p:nvSpPr>
+        <p:spPr>
+          <a:xfrm>
+            <a:off x="381300" y="685800"/>
+            <a:ext cx="6096000" cy="3429000"/>
+          </a:xfrm>
+          <a:custGeom>
+            <a:rect b="b" l="l" r="r" t="t"/>
+            <a:pathLst>
+              <a:path extrusionOk="0" h="120000" w="120000">
+                <a:moveTo>
+                  <a:pt x="0" y="0"/>
+                </a:moveTo>
+                <a:lnTo>
+                  <a:pt x="120000" y="0"/>
+                </a:lnTo>
+                <a:lnTo>
+                  <a:pt x="120000" y="120000"/>
+                </a:lnTo>
+                <a:lnTo>
+                  <a:pt x="0" y="120000"/>
+                </a:lnTo>
+                <a:close/>
+              </a:path>
+            </a:pathLst>
+          </a:custGeom>
+        </p:spPr>
+      </p:sp>
+      <p:sp>
+        <p:nvSpPr>
+          <p:cNvPr id="253" name="Google Shape;253;g1349b9eef91_0_80:notes"/>
+          <p:cNvSpPr txBox="1"/>
+          <p:nvPr>
+            <p:ph idx="1" type="body"/>
+          </p:nvPr>
+        </p:nvSpPr>
+        <p:spPr>
+          <a:xfrm>
+            <a:off x="685800" y="4343400"/>
+            <a:ext cx="5486400" cy="4114800"/>
+          </a:xfrm>
+          <a:prstGeom prst="rect">
+            <a:avLst/>
+          </a:prstGeom>
+        </p:spPr>
+        <p:txBody>
+          <a:bodyPr anchorCtr="0" anchor="t" bIns="91425" lIns="91425" spcFirstLastPara="1" rIns="91425" wrap="square" tIns="91425">
+            <a:noAutofit/>
+          </a:bodyPr>
+          <a:lstStyle/>
+          <a:p>
+            <a:pPr indent="0" lvl="0" marL="0" rtl="0" algn="l">
+              <a:spcBef>
+                <a:spcPts val="0"/>
+              </a:spcBef>
+              <a:spcAft>
+                <a:spcPts val="0"/>
+              </a:spcAft>
+              <a:buNone/>
+            </a:pPr>
+            <a:r>
+              <a:t/>
+            </a:r>
+            <a:endParaRPr/>
+          </a:p>
+        </p:txBody>
+      </p:sp>
+    </p:spTree>
+  </p:cSld>
+  <p:clrMapOvr>
+    <a:masterClrMapping/>
+  </p:clrMapOvr>
+</p:notes>
+</file>
+
+<file path=ppt/notesSlides/notesSlide32.xml><?xml version="1.0" encoding="utf-8"?>
+<p:notes xmlns:a="http://schemas.openxmlformats.org/drawingml/2006/main" xmlns:r="http://schemas.openxmlformats.org/officeDocument/2006/relationships" xmlns:mc="http://schemas.openxmlformats.org/markup-compatibility/2006" xmlns:mv="urn:schemas-microsoft-com:mac:vml" xmlns:p="http://schemas.openxmlformats.org/presentationml/2006/main" xmlns:c="http://schemas.openxmlformats.org/drawingml/2006/chart" xmlns:dgm="http://schemas.openxmlformats.org/drawingml/2006/diagram" xmlns:o="urn:schemas-microsoft-com:office:office" xmlns:v="urn:schemas-microsoft-com:vml" xmlns:pvml="urn:schemas-microsoft-com:office:powerpoint" xmlns:com="http://schemas.openxmlformats.org/drawingml/2006/compatibility" xmlns:p14="http://schemas.microsoft.com/office/powerpoint/2010/main" xmlns:p15="http://schemas.microsoft.com/office/powerpoint/2012/main" xmlns:ahyp="http://schemas.microsoft.com/office/drawing/2018/hyperlinkcolor" showMasterPhAnim="0" showMasterSp="0">
+  <p:cSld>
+    <p:spTree>
+      <p:nvGrpSpPr>
+        <p:cNvPr id="258" name="Shape 258"/>
+        <p:cNvGrpSpPr/>
+        <p:nvPr/>
+      </p:nvGrpSpPr>
+      <p:grpSpPr>
+        <a:xfrm>
+          <a:off x="0" y="0"/>
+          <a:ext cx="0" cy="0"/>
+          <a:chOff x="0" y="0"/>
+          <a:chExt cx="0" cy="0"/>
+        </a:xfrm>
+      </p:grpSpPr>
+      <p:sp>
+        <p:nvSpPr>
+          <p:cNvPr id="259" name="Google Shape;259;g1349b9eef91_0_102:notes"/>
+          <p:cNvSpPr/>
+          <p:nvPr>
+            <p:ph idx="2" type="sldImg"/>
+          </p:nvPr>
+        </p:nvSpPr>
+        <p:spPr>
+          <a:xfrm>
+            <a:off x="381300" y="685800"/>
+            <a:ext cx="6096000" cy="3429000"/>
+          </a:xfrm>
+          <a:custGeom>
+            <a:rect b="b" l="l" r="r" t="t"/>
+            <a:pathLst>
+              <a:path extrusionOk="0" h="120000" w="120000">
+                <a:moveTo>
+                  <a:pt x="0" y="0"/>
+                </a:moveTo>
+                <a:lnTo>
+                  <a:pt x="120000" y="0"/>
+                </a:lnTo>
+                <a:lnTo>
+                  <a:pt x="120000" y="120000"/>
+                </a:lnTo>
+                <a:lnTo>
+                  <a:pt x="0" y="120000"/>
+                </a:lnTo>
+                <a:close/>
+              </a:path>
+            </a:pathLst>
+          </a:custGeom>
+        </p:spPr>
+      </p:sp>
+      <p:sp>
+        <p:nvSpPr>
+          <p:cNvPr id="260" name="Google Shape;260;g1349b9eef91_0_102:notes"/>
+          <p:cNvSpPr txBox="1"/>
+          <p:nvPr>
+            <p:ph idx="1" type="body"/>
+          </p:nvPr>
+        </p:nvSpPr>
+        <p:spPr>
+          <a:xfrm>
+            <a:off x="685800" y="4343400"/>
+            <a:ext cx="5486400" cy="4114800"/>
+          </a:xfrm>
+          <a:prstGeom prst="rect">
+            <a:avLst/>
+          </a:prstGeom>
+        </p:spPr>
+        <p:txBody>
+          <a:bodyPr anchorCtr="0" anchor="t" bIns="91425" lIns="91425" spcFirstLastPara="1" rIns="91425" wrap="square" tIns="91425">
+            <a:noAutofit/>
+          </a:bodyPr>
+          <a:lstStyle/>
+          <a:p>
+            <a:pPr indent="0" lvl="0" marL="0" rtl="0" algn="l">
+              <a:spcBef>
+                <a:spcPts val="0"/>
+              </a:spcBef>
+              <a:spcAft>
+                <a:spcPts val="0"/>
+              </a:spcAft>
+              <a:buNone/>
+            </a:pPr>
+            <a:r>
+              <a:t/>
+            </a:r>
+            <a:endParaRPr/>
+          </a:p>
+        </p:txBody>
+      </p:sp>
+    </p:spTree>
+  </p:cSld>
+  <p:clrMapOvr>
+    <a:masterClrMapping/>
+  </p:clrMapOvr>
+</p:notes>
+</file>
+
 <file path=ppt/notesSlides/notesSlide4.xml><?xml version="1.0" encoding="utf-8"?>
 <p:notes xmlns:a="http://schemas.openxmlformats.org/drawingml/2006/main" xmlns:r="http://schemas.openxmlformats.org/officeDocument/2006/relationships" xmlns:mc="http://schemas.openxmlformats.org/markup-compatibility/2006" xmlns:mv="urn:schemas-microsoft-com:mac:vml" xmlns:p="http://schemas.openxmlformats.org/presentationml/2006/main" xmlns:c="http://schemas.openxmlformats.org/drawingml/2006/chart" xmlns:dgm="http://schemas.openxmlformats.org/drawingml/2006/diagram" xmlns:o="urn:schemas-microsoft-com:office:office" xmlns:v="urn:schemas-microsoft-com:vml" xmlns:pvml="urn:schemas-microsoft-com:office:powerpoint" xmlns:com="http://schemas.openxmlformats.org/drawingml/2006/compatibility" xmlns:p14="http://schemas.microsoft.com/office/powerpoint/2010/main" xmlns:p15="http://schemas.microsoft.com/office/powerpoint/2012/main" xmlns:ahyp="http://schemas.microsoft.com/office/drawing/2018/hyperlinkcolor" showMasterPhAnim="0" showMasterSp="0">
   <p:cSld>
@@ -2905,7 +3805,7 @@
       </p:grpSpPr>
       <p:sp>
         <p:nvSpPr>
-          <p:cNvPr id="103" name="Google Shape;103;g135cfea0ed3_0_27:notes"/>
+          <p:cNvPr id="103" name="Google Shape;103;g1349b9eef91_0_16:notes"/>
           <p:cNvSpPr/>
           <p:nvPr>
             <p:ph idx="2" type="sldImg"/>
@@ -2940,7 +3840,7 @@
       </p:sp>
       <p:sp>
         <p:nvSpPr>
-          <p:cNvPr id="104" name="Google Shape;104;g135cfea0ed3_0_27:notes"/>
+          <p:cNvPr id="104" name="Google Shape;104;g1349b9eef91_0_16:notes"/>
           <p:cNvSpPr txBox="1"/>
           <p:nvPr>
             <p:ph idx="1" type="body"/>
@@ -7934,7 +8834,7 @@
     </p:bg>
     <p:spTree>
       <p:nvGrpSpPr>
-        <p:cNvPr id="111" name="Shape 111"/>
+        <p:cNvPr id="112" name="Shape 112"/>
         <p:cNvGrpSpPr/>
         <p:nvPr/>
       </p:nvGrpSpPr>
@@ -7946,81 +8846,6 @@
           <a:chExt cx="0" cy="0"/>
         </a:xfrm>
       </p:grpSpPr>
-      <p:sp>
-        <p:nvSpPr>
-          <p:cNvPr id="112" name="Google Shape;112;p22"/>
-          <p:cNvSpPr txBox="1"/>
-          <p:nvPr>
-            <p:ph idx="1" type="body"/>
-          </p:nvPr>
-        </p:nvSpPr>
-        <p:spPr>
-          <a:xfrm>
-            <a:off x="311700" y="1275700"/>
-            <a:ext cx="8520600" cy="3333900"/>
-          </a:xfrm>
-          <a:prstGeom prst="rect">
-            <a:avLst/>
-          </a:prstGeom>
-        </p:spPr>
-        <p:txBody>
-          <a:bodyPr anchorCtr="0" anchor="t" bIns="91425" lIns="91425" spcFirstLastPara="1" rIns="91425" wrap="square" tIns="91425">
-            <a:normAutofit/>
-          </a:bodyPr>
-          <a:lstStyle/>
-          <a:p>
-            <a:pPr indent="0" lvl="0" marL="0" rtl="0" algn="ctr">
-              <a:spcBef>
-                <a:spcPts val="0"/>
-              </a:spcBef>
-              <a:spcAft>
-                <a:spcPts val="0"/>
-              </a:spcAft>
-              <a:buNone/>
-            </a:pPr>
-            <a:r>
-              <a:t/>
-            </a:r>
-            <a:endParaRPr sz="3000">
-              <a:solidFill>
-                <a:schemeClr val="dk1"/>
-              </a:solidFill>
-            </a:endParaRPr>
-          </a:p>
-          <a:p>
-            <a:pPr indent="457200" lvl="0" marL="0" rtl="0" algn="ctr">
-              <a:spcBef>
-                <a:spcPts val="1200"/>
-              </a:spcBef>
-              <a:spcAft>
-                <a:spcPts val="1200"/>
-              </a:spcAft>
-              <a:buNone/>
-            </a:pPr>
-            <a:r>
-              <a:rPr b="1" lang="pt-BR" sz="4000">
-                <a:solidFill>
-                  <a:schemeClr val="dk1"/>
-                </a:solidFill>
-              </a:rPr>
-              <a:t>Árvore </a:t>
-            </a:r>
-            <a:r>
-              <a:rPr b="1" lang="pt-BR" sz="4000">
-                <a:solidFill>
-                  <a:schemeClr val="dk1"/>
-                </a:solidFill>
-              </a:rPr>
-              <a:t>rubro-negra</a:t>
-            </a:r>
-            <a:endParaRPr b="1" sz="4000">
-              <a:solidFill>
-                <a:schemeClr val="dk1"/>
-              </a:solidFill>
-            </a:endParaRPr>
-          </a:p>
-        </p:txBody>
-      </p:sp>
       <p:pic>
         <p:nvPicPr>
           <p:cNvPr id="113" name="Google Shape;113;p22"/>
@@ -8029,6 +8854,62 @@
         </p:nvPicPr>
         <p:blipFill>
           <a:blip r:embed="rId3">
+            <a:alphaModFix/>
+          </a:blip>
+          <a:stretch>
+            <a:fillRect/>
+          </a:stretch>
+        </p:blipFill>
+        <p:spPr>
+          <a:xfrm>
+            <a:off x="1" y="381000"/>
+            <a:ext cx="4572000" cy="3873172"/>
+          </a:xfrm>
+          <a:prstGeom prst="rect">
+            <a:avLst/>
+          </a:prstGeom>
+          <a:noFill/>
+          <a:ln>
+            <a:noFill/>
+          </a:ln>
+        </p:spPr>
+      </p:pic>
+      <p:pic>
+        <p:nvPicPr>
+          <p:cNvPr id="114" name="Google Shape;114;p22"/>
+          <p:cNvPicPr preferRelativeResize="0"/>
+          <p:nvPr/>
+        </p:nvPicPr>
+        <p:blipFill>
+          <a:blip r:embed="rId4">
+            <a:alphaModFix/>
+          </a:blip>
+          <a:stretch>
+            <a:fillRect/>
+          </a:stretch>
+        </p:blipFill>
+        <p:spPr>
+          <a:xfrm>
+            <a:off x="4250000" y="489400"/>
+            <a:ext cx="4572001" cy="3943153"/>
+          </a:xfrm>
+          <a:prstGeom prst="rect">
+            <a:avLst/>
+          </a:prstGeom>
+          <a:noFill/>
+          <a:ln>
+            <a:noFill/>
+          </a:ln>
+        </p:spPr>
+      </p:pic>
+      <p:pic>
+        <p:nvPicPr>
+          <p:cNvPr id="115" name="Google Shape;115;p22"/>
+          <p:cNvPicPr preferRelativeResize="0"/>
+          <p:nvPr/>
+        </p:nvPicPr>
+        <p:blipFill>
+          <a:blip r:embed="rId5">
             <a:alphaModFix/>
           </a:blip>
           <a:stretch>
@@ -8069,7 +8950,95 @@
     </p:bg>
     <p:spTree>
       <p:nvGrpSpPr>
-        <p:cNvPr id="117" name="Shape 117"/>
+        <p:cNvPr id="119" name="Shape 119"/>
+        <p:cNvGrpSpPr/>
+        <p:nvPr/>
+      </p:nvGrpSpPr>
+      <p:grpSpPr>
+        <a:xfrm>
+          <a:off x="0" y="0"/>
+          <a:ext cx="0" cy="0"/>
+          <a:chOff x="0" y="0"/>
+          <a:chExt cx="0" cy="0"/>
+        </a:xfrm>
+      </p:grpSpPr>
+      <p:pic>
+        <p:nvPicPr>
+          <p:cNvPr id="120" name="Google Shape;120;p23"/>
+          <p:cNvPicPr preferRelativeResize="0"/>
+          <p:nvPr/>
+        </p:nvPicPr>
+        <p:blipFill>
+          <a:blip r:embed="rId3">
+            <a:alphaModFix/>
+          </a:blip>
+          <a:stretch>
+            <a:fillRect/>
+          </a:stretch>
+        </p:blipFill>
+        <p:spPr>
+          <a:xfrm>
+            <a:off x="1040850" y="514600"/>
+            <a:ext cx="7062301" cy="4114275"/>
+          </a:xfrm>
+          <a:prstGeom prst="rect">
+            <a:avLst/>
+          </a:prstGeom>
+          <a:noFill/>
+          <a:ln>
+            <a:noFill/>
+          </a:ln>
+        </p:spPr>
+      </p:pic>
+      <p:pic>
+        <p:nvPicPr>
+          <p:cNvPr id="121" name="Google Shape;121;p23"/>
+          <p:cNvPicPr preferRelativeResize="0"/>
+          <p:nvPr/>
+        </p:nvPicPr>
+        <p:blipFill>
+          <a:blip r:embed="rId4">
+            <a:alphaModFix/>
+          </a:blip>
+          <a:stretch>
+            <a:fillRect/>
+          </a:stretch>
+        </p:blipFill>
+        <p:spPr>
+          <a:xfrm>
+            <a:off x="8185025" y="4495184"/>
+            <a:ext cx="958975" cy="648316"/>
+          </a:xfrm>
+          <a:prstGeom prst="rect">
+            <a:avLst/>
+          </a:prstGeom>
+          <a:noFill/>
+          <a:ln>
+            <a:noFill/>
+          </a:ln>
+        </p:spPr>
+      </p:pic>
+    </p:spTree>
+  </p:cSld>
+  <p:clrMapOvr>
+    <a:masterClrMapping/>
+  </p:clrMapOvr>
+</p:sld>
+</file>
+
+<file path=ppt/slides/slide12.xml><?xml version="1.0" encoding="utf-8"?>
+<p:sld xmlns:a="http://schemas.openxmlformats.org/drawingml/2006/main" xmlns:r="http://schemas.openxmlformats.org/officeDocument/2006/relationships" xmlns:mc="http://schemas.openxmlformats.org/markup-compatibility/2006" xmlns:mv="urn:schemas-microsoft-com:mac:vml" xmlns:p="http://schemas.openxmlformats.org/presentationml/2006/main" xmlns:c="http://schemas.openxmlformats.org/drawingml/2006/chart" xmlns:dgm="http://schemas.openxmlformats.org/drawingml/2006/diagram" xmlns:o="urn:schemas-microsoft-com:office:office" xmlns:v="urn:schemas-microsoft-com:vml" xmlns:pvml="urn:schemas-microsoft-com:office:powerpoint" xmlns:com="http://schemas.openxmlformats.org/drawingml/2006/compatibility" xmlns:p14="http://schemas.microsoft.com/office/powerpoint/2010/main" xmlns:p15="http://schemas.microsoft.com/office/powerpoint/2012/main" xmlns:ahyp="http://schemas.microsoft.com/office/drawing/2018/hyperlinkcolor">
+  <p:cSld>
+    <p:bg>
+      <p:bgPr>
+        <a:solidFill>
+          <a:schemeClr val="lt1"/>
+        </a:solidFill>
+      </p:bgPr>
+    </p:bg>
+    <p:spTree>
+      <p:nvGrpSpPr>
+        <p:cNvPr id="125" name="Shape 125"/>
         <p:cNvGrpSpPr/>
         <p:nvPr/>
       </p:nvGrpSpPr>
@@ -8083,7 +9052,476 @@
       </p:grpSpPr>
       <p:sp>
         <p:nvSpPr>
-          <p:cNvPr id="118" name="Google Shape;118;p23"/>
+          <p:cNvPr id="126" name="Google Shape;126;p24"/>
+          <p:cNvSpPr txBox="1"/>
+          <p:nvPr>
+            <p:ph idx="1" type="body"/>
+          </p:nvPr>
+        </p:nvSpPr>
+        <p:spPr>
+          <a:xfrm>
+            <a:off x="237525" y="1960975"/>
+            <a:ext cx="8520600" cy="1518300"/>
+          </a:xfrm>
+          <a:prstGeom prst="rect">
+            <a:avLst/>
+          </a:prstGeom>
+        </p:spPr>
+        <p:txBody>
+          <a:bodyPr anchorCtr="0" anchor="t" bIns="91425" lIns="91425" spcFirstLastPara="1" rIns="91425" wrap="square" tIns="91425">
+            <a:normAutofit/>
+          </a:bodyPr>
+          <a:lstStyle/>
+          <a:p>
+            <a:pPr indent="0" lvl="0" marL="0" rtl="0" algn="ctr">
+              <a:spcBef>
+                <a:spcPts val="0"/>
+              </a:spcBef>
+              <a:spcAft>
+                <a:spcPts val="1200"/>
+              </a:spcAft>
+              <a:buNone/>
+            </a:pPr>
+            <a:r>
+              <a:rPr b="1" lang="pt-BR" sz="3500">
+                <a:solidFill>
+                  <a:srgbClr val="000000"/>
+                </a:solidFill>
+              </a:rPr>
+              <a:t>Muitas rotações!</a:t>
+            </a:r>
+            <a:endParaRPr b="1" sz="3500">
+              <a:solidFill>
+                <a:srgbClr val="000000"/>
+              </a:solidFill>
+            </a:endParaRPr>
+          </a:p>
+        </p:txBody>
+      </p:sp>
+      <p:pic>
+        <p:nvPicPr>
+          <p:cNvPr id="127" name="Google Shape;127;p24"/>
+          <p:cNvPicPr preferRelativeResize="0"/>
+          <p:nvPr/>
+        </p:nvPicPr>
+        <p:blipFill>
+          <a:blip r:embed="rId3">
+            <a:alphaModFix/>
+          </a:blip>
+          <a:stretch>
+            <a:fillRect/>
+          </a:stretch>
+        </p:blipFill>
+        <p:spPr>
+          <a:xfrm>
+            <a:off x="8185025" y="4495184"/>
+            <a:ext cx="958975" cy="648316"/>
+          </a:xfrm>
+          <a:prstGeom prst="rect">
+            <a:avLst/>
+          </a:prstGeom>
+          <a:noFill/>
+          <a:ln>
+            <a:noFill/>
+          </a:ln>
+        </p:spPr>
+      </p:pic>
+    </p:spTree>
+  </p:cSld>
+  <p:clrMapOvr>
+    <a:masterClrMapping/>
+  </p:clrMapOvr>
+</p:sld>
+</file>
+
+<file path=ppt/slides/slide13.xml><?xml version="1.0" encoding="utf-8"?>
+<p:sld xmlns:a="http://schemas.openxmlformats.org/drawingml/2006/main" xmlns:r="http://schemas.openxmlformats.org/officeDocument/2006/relationships" xmlns:mc="http://schemas.openxmlformats.org/markup-compatibility/2006" xmlns:mv="urn:schemas-microsoft-com:mac:vml" xmlns:p="http://schemas.openxmlformats.org/presentationml/2006/main" xmlns:c="http://schemas.openxmlformats.org/drawingml/2006/chart" xmlns:dgm="http://schemas.openxmlformats.org/drawingml/2006/diagram" xmlns:o="urn:schemas-microsoft-com:office:office" xmlns:v="urn:schemas-microsoft-com:vml" xmlns:pvml="urn:schemas-microsoft-com:office:powerpoint" xmlns:com="http://schemas.openxmlformats.org/drawingml/2006/compatibility" xmlns:p14="http://schemas.microsoft.com/office/powerpoint/2010/main" xmlns:p15="http://schemas.microsoft.com/office/powerpoint/2012/main" xmlns:ahyp="http://schemas.microsoft.com/office/drawing/2018/hyperlinkcolor">
+  <p:cSld>
+    <p:bg>
+      <p:bgPr>
+        <a:solidFill>
+          <a:schemeClr val="lt1"/>
+        </a:solidFill>
+      </p:bgPr>
+    </p:bg>
+    <p:spTree>
+      <p:nvGrpSpPr>
+        <p:cNvPr id="131" name="Shape 131"/>
+        <p:cNvGrpSpPr/>
+        <p:nvPr/>
+      </p:nvGrpSpPr>
+      <p:grpSpPr>
+        <a:xfrm>
+          <a:off x="0" y="0"/>
+          <a:ext cx="0" cy="0"/>
+          <a:chOff x="0" y="0"/>
+          <a:chExt cx="0" cy="0"/>
+        </a:xfrm>
+      </p:grpSpPr>
+      <p:sp>
+        <p:nvSpPr>
+          <p:cNvPr id="132" name="Google Shape;132;p25"/>
+          <p:cNvSpPr txBox="1"/>
+          <p:nvPr>
+            <p:ph type="title"/>
+          </p:nvPr>
+        </p:nvSpPr>
+        <p:spPr>
+          <a:xfrm>
+            <a:off x="311700" y="445025"/>
+            <a:ext cx="8520600" cy="572700"/>
+          </a:xfrm>
+          <a:prstGeom prst="rect">
+            <a:avLst/>
+          </a:prstGeom>
+        </p:spPr>
+        <p:txBody>
+          <a:bodyPr anchorCtr="0" anchor="t" bIns="91425" lIns="91425" spcFirstLastPara="1" rIns="91425" wrap="square" tIns="91425">
+            <a:noAutofit/>
+          </a:bodyPr>
+          <a:lstStyle/>
+          <a:p>
+            <a:pPr indent="0" lvl="0" marL="0" rtl="0" algn="l">
+              <a:spcBef>
+                <a:spcPts val="0"/>
+              </a:spcBef>
+              <a:spcAft>
+                <a:spcPts val="0"/>
+              </a:spcAft>
+              <a:buSzPts val="990"/>
+              <a:buNone/>
+            </a:pPr>
+            <a:r>
+              <a:rPr b="1" lang="pt-BR" sz="2000"/>
+              <a:t>Motivação:</a:t>
+            </a:r>
+            <a:endParaRPr b="1" sz="2000"/>
+          </a:p>
+        </p:txBody>
+      </p:sp>
+      <p:sp>
+        <p:nvSpPr>
+          <p:cNvPr id="133" name="Google Shape;133;p25"/>
+          <p:cNvSpPr txBox="1"/>
+          <p:nvPr>
+            <p:ph idx="1" type="body"/>
+          </p:nvPr>
+        </p:nvSpPr>
+        <p:spPr>
+          <a:xfrm>
+            <a:off x="311700" y="1619725"/>
+            <a:ext cx="8520600" cy="2188500"/>
+          </a:xfrm>
+          <a:prstGeom prst="rect">
+            <a:avLst/>
+          </a:prstGeom>
+        </p:spPr>
+        <p:txBody>
+          <a:bodyPr anchorCtr="0" anchor="t" bIns="91425" lIns="91425" spcFirstLastPara="1" rIns="91425" wrap="square" tIns="91425">
+            <a:normAutofit/>
+          </a:bodyPr>
+          <a:lstStyle/>
+          <a:p>
+            <a:pPr indent="-330200" lvl="0" marL="457200" rtl="0" algn="l">
+              <a:spcBef>
+                <a:spcPts val="0"/>
+              </a:spcBef>
+              <a:spcAft>
+                <a:spcPts val="0"/>
+              </a:spcAft>
+              <a:buClr>
+                <a:schemeClr val="dk1"/>
+              </a:buClr>
+              <a:buSzPts val="1600"/>
+              <a:buChar char="●"/>
+            </a:pPr>
+            <a:r>
+              <a:rPr b="1" lang="pt-BR" sz="1600">
+                <a:solidFill>
+                  <a:schemeClr val="dk1"/>
+                </a:solidFill>
+              </a:rPr>
+              <a:t>Encontrar uma estrutura que seja mais eficiente na </a:t>
+            </a:r>
+            <a:r>
+              <a:rPr b="1" lang="pt-BR" sz="1600">
+                <a:solidFill>
+                  <a:schemeClr val="dk1"/>
+                </a:solidFill>
+              </a:rPr>
+              <a:t>inserção</a:t>
+            </a:r>
+            <a:r>
+              <a:rPr b="1" lang="pt-BR" sz="1600">
+                <a:solidFill>
+                  <a:schemeClr val="dk1"/>
+                </a:solidFill>
+              </a:rPr>
+              <a:t> e remoção.</a:t>
+            </a:r>
+            <a:endParaRPr b="1" sz="1600">
+              <a:solidFill>
+                <a:schemeClr val="dk1"/>
+              </a:solidFill>
+            </a:endParaRPr>
+          </a:p>
+          <a:p>
+            <a:pPr indent="0" lvl="0" marL="457200" rtl="0" algn="l">
+              <a:spcBef>
+                <a:spcPts val="1200"/>
+              </a:spcBef>
+              <a:spcAft>
+                <a:spcPts val="0"/>
+              </a:spcAft>
+              <a:buNone/>
+            </a:pPr>
+            <a:r>
+              <a:t/>
+            </a:r>
+            <a:endParaRPr b="1" sz="1600">
+              <a:solidFill>
+                <a:schemeClr val="dk1"/>
+              </a:solidFill>
+            </a:endParaRPr>
+          </a:p>
+          <a:p>
+            <a:pPr indent="0" lvl="0" marL="914400" rtl="0" algn="l">
+              <a:spcBef>
+                <a:spcPts val="1200"/>
+              </a:spcBef>
+              <a:spcAft>
+                <a:spcPts val="0"/>
+              </a:spcAft>
+              <a:buNone/>
+            </a:pPr>
+            <a:r>
+              <a:t/>
+            </a:r>
+            <a:endParaRPr b="1" sz="1600">
+              <a:solidFill>
+                <a:schemeClr val="dk1"/>
+              </a:solidFill>
+            </a:endParaRPr>
+          </a:p>
+          <a:p>
+            <a:pPr indent="0" lvl="0" marL="914400" rtl="0" algn="l">
+              <a:spcBef>
+                <a:spcPts val="1200"/>
+              </a:spcBef>
+              <a:spcAft>
+                <a:spcPts val="1200"/>
+              </a:spcAft>
+              <a:buNone/>
+            </a:pPr>
+            <a:r>
+              <a:t/>
+            </a:r>
+            <a:endParaRPr b="1" sz="1600">
+              <a:solidFill>
+                <a:schemeClr val="dk1"/>
+              </a:solidFill>
+            </a:endParaRPr>
+          </a:p>
+        </p:txBody>
+      </p:sp>
+      <p:pic>
+        <p:nvPicPr>
+          <p:cNvPr id="134" name="Google Shape;134;p25"/>
+          <p:cNvPicPr preferRelativeResize="0"/>
+          <p:nvPr/>
+        </p:nvPicPr>
+        <p:blipFill>
+          <a:blip r:embed="rId3">
+            <a:alphaModFix/>
+          </a:blip>
+          <a:stretch>
+            <a:fillRect/>
+          </a:stretch>
+        </p:blipFill>
+        <p:spPr>
+          <a:xfrm>
+            <a:off x="8185025" y="4495184"/>
+            <a:ext cx="958975" cy="648316"/>
+          </a:xfrm>
+          <a:prstGeom prst="rect">
+            <a:avLst/>
+          </a:prstGeom>
+          <a:noFill/>
+          <a:ln>
+            <a:noFill/>
+          </a:ln>
+        </p:spPr>
+      </p:pic>
+    </p:spTree>
+  </p:cSld>
+  <p:clrMapOvr>
+    <a:masterClrMapping/>
+  </p:clrMapOvr>
+</p:sld>
+</file>
+
+<file path=ppt/slides/slide14.xml><?xml version="1.0" encoding="utf-8"?>
+<p:sld xmlns:a="http://schemas.openxmlformats.org/drawingml/2006/main" xmlns:r="http://schemas.openxmlformats.org/officeDocument/2006/relationships" xmlns:mc="http://schemas.openxmlformats.org/markup-compatibility/2006" xmlns:mv="urn:schemas-microsoft-com:mac:vml" xmlns:p="http://schemas.openxmlformats.org/presentationml/2006/main" xmlns:c="http://schemas.openxmlformats.org/drawingml/2006/chart" xmlns:dgm="http://schemas.openxmlformats.org/drawingml/2006/diagram" xmlns:o="urn:schemas-microsoft-com:office:office" xmlns:v="urn:schemas-microsoft-com:vml" xmlns:pvml="urn:schemas-microsoft-com:office:powerpoint" xmlns:com="http://schemas.openxmlformats.org/drawingml/2006/compatibility" xmlns:p14="http://schemas.microsoft.com/office/powerpoint/2010/main" xmlns:p15="http://schemas.microsoft.com/office/powerpoint/2012/main" xmlns:ahyp="http://schemas.microsoft.com/office/drawing/2018/hyperlinkcolor">
+  <p:cSld>
+    <p:bg>
+      <p:bgPr>
+        <a:solidFill>
+          <a:schemeClr val="lt1"/>
+        </a:solidFill>
+      </p:bgPr>
+    </p:bg>
+    <p:spTree>
+      <p:nvGrpSpPr>
+        <p:cNvPr id="138" name="Shape 138"/>
+        <p:cNvGrpSpPr/>
+        <p:nvPr/>
+      </p:nvGrpSpPr>
+      <p:grpSpPr>
+        <a:xfrm>
+          <a:off x="0" y="0"/>
+          <a:ext cx="0" cy="0"/>
+          <a:chOff x="0" y="0"/>
+          <a:chExt cx="0" cy="0"/>
+        </a:xfrm>
+      </p:grpSpPr>
+      <p:sp>
+        <p:nvSpPr>
+          <p:cNvPr id="139" name="Google Shape;139;p26"/>
+          <p:cNvSpPr txBox="1"/>
+          <p:nvPr>
+            <p:ph idx="1" type="body"/>
+          </p:nvPr>
+        </p:nvSpPr>
+        <p:spPr>
+          <a:xfrm>
+            <a:off x="311700" y="1275700"/>
+            <a:ext cx="8520600" cy="3333900"/>
+          </a:xfrm>
+          <a:prstGeom prst="rect">
+            <a:avLst/>
+          </a:prstGeom>
+        </p:spPr>
+        <p:txBody>
+          <a:bodyPr anchorCtr="0" anchor="t" bIns="91425" lIns="91425" spcFirstLastPara="1" rIns="91425" wrap="square" tIns="91425">
+            <a:normAutofit/>
+          </a:bodyPr>
+          <a:lstStyle/>
+          <a:p>
+            <a:pPr indent="0" lvl="0" marL="0" rtl="0" algn="ctr">
+              <a:spcBef>
+                <a:spcPts val="0"/>
+              </a:spcBef>
+              <a:spcAft>
+                <a:spcPts val="0"/>
+              </a:spcAft>
+              <a:buNone/>
+            </a:pPr>
+            <a:r>
+              <a:t/>
+            </a:r>
+            <a:endParaRPr sz="3500">
+              <a:solidFill>
+                <a:schemeClr val="dk1"/>
+              </a:solidFill>
+            </a:endParaRPr>
+          </a:p>
+          <a:p>
+            <a:pPr indent="457200" lvl="0" marL="0" rtl="0" algn="ctr">
+              <a:spcBef>
+                <a:spcPts val="1200"/>
+              </a:spcBef>
+              <a:spcAft>
+                <a:spcPts val="1200"/>
+              </a:spcAft>
+              <a:buNone/>
+            </a:pPr>
+            <a:r>
+              <a:rPr b="1" lang="pt-BR" sz="3500">
+                <a:solidFill>
+                  <a:schemeClr val="dk1"/>
+                </a:solidFill>
+              </a:rPr>
+              <a:t>Árvore </a:t>
+            </a:r>
+            <a:r>
+              <a:rPr b="1" lang="pt-BR" sz="3500">
+                <a:solidFill>
+                  <a:schemeClr val="dk1"/>
+                </a:solidFill>
+              </a:rPr>
+              <a:t>rubro-negra</a:t>
+            </a:r>
+            <a:endParaRPr b="1" sz="3500">
+              <a:solidFill>
+                <a:schemeClr val="dk1"/>
+              </a:solidFill>
+            </a:endParaRPr>
+          </a:p>
+        </p:txBody>
+      </p:sp>
+      <p:pic>
+        <p:nvPicPr>
+          <p:cNvPr id="140" name="Google Shape;140;p26"/>
+          <p:cNvPicPr preferRelativeResize="0"/>
+          <p:nvPr/>
+        </p:nvPicPr>
+        <p:blipFill>
+          <a:blip r:embed="rId3">
+            <a:alphaModFix/>
+          </a:blip>
+          <a:stretch>
+            <a:fillRect/>
+          </a:stretch>
+        </p:blipFill>
+        <p:spPr>
+          <a:xfrm>
+            <a:off x="8185025" y="4495184"/>
+            <a:ext cx="958975" cy="648316"/>
+          </a:xfrm>
+          <a:prstGeom prst="rect">
+            <a:avLst/>
+          </a:prstGeom>
+          <a:noFill/>
+          <a:ln>
+            <a:noFill/>
+          </a:ln>
+        </p:spPr>
+      </p:pic>
+    </p:spTree>
+  </p:cSld>
+  <p:clrMapOvr>
+    <a:masterClrMapping/>
+  </p:clrMapOvr>
+</p:sld>
+</file>
+
+<file path=ppt/slides/slide15.xml><?xml version="1.0" encoding="utf-8"?>
+<p:sld xmlns:a="http://schemas.openxmlformats.org/drawingml/2006/main" xmlns:r="http://schemas.openxmlformats.org/officeDocument/2006/relationships" xmlns:mc="http://schemas.openxmlformats.org/markup-compatibility/2006" xmlns:mv="urn:schemas-microsoft-com:mac:vml" xmlns:p="http://schemas.openxmlformats.org/presentationml/2006/main" xmlns:c="http://schemas.openxmlformats.org/drawingml/2006/chart" xmlns:dgm="http://schemas.openxmlformats.org/drawingml/2006/diagram" xmlns:o="urn:schemas-microsoft-com:office:office" xmlns:v="urn:schemas-microsoft-com:vml" xmlns:pvml="urn:schemas-microsoft-com:office:powerpoint" xmlns:com="http://schemas.openxmlformats.org/drawingml/2006/compatibility" xmlns:p14="http://schemas.microsoft.com/office/powerpoint/2010/main" xmlns:p15="http://schemas.microsoft.com/office/powerpoint/2012/main" xmlns:ahyp="http://schemas.microsoft.com/office/drawing/2018/hyperlinkcolor">
+  <p:cSld>
+    <p:bg>
+      <p:bgPr>
+        <a:solidFill>
+          <a:schemeClr val="lt1"/>
+        </a:solidFill>
+      </p:bgPr>
+    </p:bg>
+    <p:spTree>
+      <p:nvGrpSpPr>
+        <p:cNvPr id="144" name="Shape 144"/>
+        <p:cNvGrpSpPr/>
+        <p:nvPr/>
+      </p:nvGrpSpPr>
+      <p:grpSpPr>
+        <a:xfrm>
+          <a:off x="0" y="0"/>
+          <a:ext cx="0" cy="0"/>
+          <a:chOff x="0" y="0"/>
+          <a:chExt cx="0" cy="0"/>
+        </a:xfrm>
+      </p:grpSpPr>
+      <p:sp>
+        <p:nvSpPr>
+          <p:cNvPr id="145" name="Google Shape;145;p27"/>
           <p:cNvSpPr txBox="1"/>
           <p:nvPr>
             <p:ph type="title"/>
@@ -8128,7 +9566,7 @@
       </p:sp>
       <p:sp>
         <p:nvSpPr>
-          <p:cNvPr id="119" name="Google Shape;119;p23"/>
+          <p:cNvPr id="146" name="Google Shape;146;p27"/>
           <p:cNvSpPr txBox="1"/>
           <p:nvPr>
             <p:ph idx="1" type="body"/>
@@ -8376,7 +9814,7 @@
       </p:sp>
       <p:pic>
         <p:nvPicPr>
-          <p:cNvPr id="120" name="Google Shape;120;p23"/>
+          <p:cNvPr id="147" name="Google Shape;147;p27"/>
           <p:cNvPicPr preferRelativeResize="0"/>
           <p:nvPr/>
         </p:nvPicPr>
@@ -8410,7 +9848,7 @@
 </p:sld>
 </file>
 
-<file path=ppt/slides/slide12.xml><?xml version="1.0" encoding="utf-8"?>
+<file path=ppt/slides/slide16.xml><?xml version="1.0" encoding="utf-8"?>
 <p:sld xmlns:a="http://schemas.openxmlformats.org/drawingml/2006/main" xmlns:r="http://schemas.openxmlformats.org/officeDocument/2006/relationships" xmlns:mc="http://schemas.openxmlformats.org/markup-compatibility/2006" xmlns:mv="urn:schemas-microsoft-com:mac:vml" xmlns:p="http://schemas.openxmlformats.org/presentationml/2006/main" xmlns:c="http://schemas.openxmlformats.org/drawingml/2006/chart" xmlns:dgm="http://schemas.openxmlformats.org/drawingml/2006/diagram" xmlns:o="urn:schemas-microsoft-com:office:office" xmlns:v="urn:schemas-microsoft-com:vml" xmlns:pvml="urn:schemas-microsoft-com:office:powerpoint" xmlns:com="http://schemas.openxmlformats.org/drawingml/2006/compatibility" xmlns:p14="http://schemas.microsoft.com/office/powerpoint/2010/main" xmlns:p15="http://schemas.microsoft.com/office/powerpoint/2012/main" xmlns:ahyp="http://schemas.microsoft.com/office/drawing/2018/hyperlinkcolor">
   <p:cSld>
     <p:bg>
@@ -8422,7 +9860,7 @@
     </p:bg>
     <p:spTree>
       <p:nvGrpSpPr>
-        <p:cNvPr id="124" name="Shape 124"/>
+        <p:cNvPr id="151" name="Shape 151"/>
         <p:cNvGrpSpPr/>
         <p:nvPr/>
       </p:nvGrpSpPr>
@@ -8436,7 +9874,7 @@
       </p:grpSpPr>
       <p:sp>
         <p:nvSpPr>
-          <p:cNvPr id="125" name="Google Shape;125;p24"/>
+          <p:cNvPr id="152" name="Google Shape;152;p28"/>
           <p:cNvSpPr txBox="1"/>
           <p:nvPr>
             <p:ph type="title"/>
@@ -8472,26 +9910,16 @@
               <a:buNone/>
             </a:pPr>
             <a:r>
-              <a:rPr b="1" lang="pt-BR" sz="2242">
-                <a:latin typeface="Times New Roman"/>
-                <a:ea typeface="Times New Roman"/>
-                <a:cs typeface="Times New Roman"/>
-                <a:sym typeface="Times New Roman"/>
-              </a:rPr>
+              <a:rPr b="1" lang="pt-BR" sz="2242"/>
               <a:t>Propriedades:</a:t>
             </a:r>
-            <a:endParaRPr sz="3022">
-              <a:latin typeface="Times New Roman"/>
-              <a:ea typeface="Times New Roman"/>
-              <a:cs typeface="Times New Roman"/>
-              <a:sym typeface="Times New Roman"/>
-            </a:endParaRPr>
+            <a:endParaRPr sz="3022"/>
           </a:p>
         </p:txBody>
       </p:sp>
       <p:sp>
         <p:nvSpPr>
-          <p:cNvPr id="126" name="Google Shape;126;p24"/>
+          <p:cNvPr id="153" name="Google Shape;153;p28"/>
           <p:cNvSpPr txBox="1"/>
           <p:nvPr>
             <p:ph idx="1" type="body"/>
@@ -8735,7 +10163,7 @@
       </p:sp>
       <p:pic>
         <p:nvPicPr>
-          <p:cNvPr id="127" name="Google Shape;127;p24"/>
+          <p:cNvPr id="154" name="Google Shape;154;p28"/>
           <p:cNvPicPr preferRelativeResize="0"/>
           <p:nvPr/>
         </p:nvPicPr>
@@ -8769,7 +10197,7 @@
 </p:sld>
 </file>
 
-<file path=ppt/slides/slide13.xml><?xml version="1.0" encoding="utf-8"?>
+<file path=ppt/slides/slide17.xml><?xml version="1.0" encoding="utf-8"?>
 <p:sld xmlns:a="http://schemas.openxmlformats.org/drawingml/2006/main" xmlns:r="http://schemas.openxmlformats.org/officeDocument/2006/relationships" xmlns:mc="http://schemas.openxmlformats.org/markup-compatibility/2006" xmlns:mv="urn:schemas-microsoft-com:mac:vml" xmlns:p="http://schemas.openxmlformats.org/presentationml/2006/main" xmlns:c="http://schemas.openxmlformats.org/drawingml/2006/chart" xmlns:dgm="http://schemas.openxmlformats.org/drawingml/2006/diagram" xmlns:o="urn:schemas-microsoft-com:office:office" xmlns:v="urn:schemas-microsoft-com:vml" xmlns:pvml="urn:schemas-microsoft-com:office:powerpoint" xmlns:com="http://schemas.openxmlformats.org/drawingml/2006/compatibility" xmlns:p14="http://schemas.microsoft.com/office/powerpoint/2010/main" xmlns:p15="http://schemas.microsoft.com/office/powerpoint/2012/main" xmlns:ahyp="http://schemas.microsoft.com/office/drawing/2018/hyperlinkcolor">
   <p:cSld>
     <p:bg>
@@ -8781,7 +10209,7 @@
     </p:bg>
     <p:spTree>
       <p:nvGrpSpPr>
-        <p:cNvPr id="131" name="Shape 131"/>
+        <p:cNvPr id="158" name="Shape 158"/>
         <p:cNvGrpSpPr/>
         <p:nvPr/>
       </p:nvGrpSpPr>
@@ -8795,7 +10223,7 @@
       </p:grpSpPr>
       <p:sp>
         <p:nvSpPr>
-          <p:cNvPr id="132" name="Google Shape;132;p25"/>
+          <p:cNvPr id="159" name="Google Shape;159;p29"/>
           <p:cNvSpPr txBox="1"/>
           <p:nvPr>
             <p:ph type="title"/>
@@ -8803,7 +10231,7 @@
         </p:nvSpPr>
         <p:spPr>
           <a:xfrm>
-            <a:off x="311700" y="445025"/>
+            <a:off x="311700" y="299700"/>
             <a:ext cx="8520600" cy="572700"/>
           </a:xfrm>
           <a:prstGeom prst="rect">
@@ -8832,7 +10260,7 @@
             </a:pPr>
             <a:r>
               <a:rPr b="1" lang="pt-BR" sz="2020"/>
-              <a:t>Árvore rubro-negra</a:t>
+              <a:t>Exemplo de árvore rubro-negra</a:t>
             </a:r>
             <a:endParaRPr/>
           </a:p>
@@ -8840,7 +10268,7 @@
       </p:sp>
       <p:pic>
         <p:nvPicPr>
-          <p:cNvPr id="133" name="Google Shape;133;p25"/>
+          <p:cNvPr id="160" name="Google Shape;160;p29"/>
           <p:cNvPicPr preferRelativeResize="0"/>
           <p:nvPr/>
         </p:nvPicPr>
@@ -8854,8 +10282,8 @@
         </p:blipFill>
         <p:spPr>
           <a:xfrm>
-            <a:off x="2575775" y="445025"/>
-            <a:ext cx="6387700" cy="4573525"/>
+            <a:off x="3099100" y="754225"/>
+            <a:ext cx="5733200" cy="4104899"/>
           </a:xfrm>
           <a:prstGeom prst="rect">
             <a:avLst/>
@@ -8868,7 +10296,7 @@
       </p:pic>
       <p:pic>
         <p:nvPicPr>
-          <p:cNvPr id="134" name="Google Shape;134;p25"/>
+          <p:cNvPr id="161" name="Google Shape;161;p29"/>
           <p:cNvPicPr preferRelativeResize="0"/>
           <p:nvPr/>
         </p:nvPicPr>
@@ -8902,7 +10330,7 @@
 </p:sld>
 </file>
 
-<file path=ppt/slides/slide14.xml><?xml version="1.0" encoding="utf-8"?>
+<file path=ppt/slides/slide18.xml><?xml version="1.0" encoding="utf-8"?>
 <p:sld xmlns:a="http://schemas.openxmlformats.org/drawingml/2006/main" xmlns:r="http://schemas.openxmlformats.org/officeDocument/2006/relationships" xmlns:mc="http://schemas.openxmlformats.org/markup-compatibility/2006" xmlns:mv="urn:schemas-microsoft-com:mac:vml" xmlns:p="http://schemas.openxmlformats.org/presentationml/2006/main" xmlns:c="http://schemas.openxmlformats.org/drawingml/2006/chart" xmlns:dgm="http://schemas.openxmlformats.org/drawingml/2006/diagram" xmlns:o="urn:schemas-microsoft-com:office:office" xmlns:v="urn:schemas-microsoft-com:vml" xmlns:pvml="urn:schemas-microsoft-com:office:powerpoint" xmlns:com="http://schemas.openxmlformats.org/drawingml/2006/compatibility" xmlns:p14="http://schemas.microsoft.com/office/powerpoint/2010/main" xmlns:p15="http://schemas.microsoft.com/office/powerpoint/2012/main" xmlns:ahyp="http://schemas.microsoft.com/office/drawing/2018/hyperlinkcolor">
   <p:cSld>
     <p:bg>
@@ -8914,7 +10342,7 @@
     </p:bg>
     <p:spTree>
       <p:nvGrpSpPr>
-        <p:cNvPr id="138" name="Shape 138"/>
+        <p:cNvPr id="165" name="Shape 165"/>
         <p:cNvGrpSpPr/>
         <p:nvPr/>
       </p:nvGrpSpPr>
@@ -8928,7 +10356,398 @@
       </p:grpSpPr>
       <p:sp>
         <p:nvSpPr>
-          <p:cNvPr id="139" name="Google Shape;139;p26"/>
+          <p:cNvPr id="166" name="Google Shape;166;p30"/>
+          <p:cNvSpPr txBox="1"/>
+          <p:nvPr>
+            <p:ph type="title"/>
+          </p:nvPr>
+        </p:nvSpPr>
+        <p:spPr>
+          <a:xfrm>
+            <a:off x="311700" y="445025"/>
+            <a:ext cx="8520600" cy="572700"/>
+          </a:xfrm>
+          <a:prstGeom prst="rect">
+            <a:avLst/>
+          </a:prstGeom>
+        </p:spPr>
+        <p:txBody>
+          <a:bodyPr anchorCtr="0" anchor="t" bIns="91425" lIns="91425" spcFirstLastPara="1" rIns="91425" wrap="square" tIns="91425">
+            <a:noAutofit/>
+          </a:bodyPr>
+          <a:lstStyle/>
+          <a:p>
+            <a:pPr indent="0" lvl="0" marL="0" rtl="0" algn="l">
+              <a:spcBef>
+                <a:spcPts val="0"/>
+              </a:spcBef>
+              <a:spcAft>
+                <a:spcPts val="0"/>
+              </a:spcAft>
+              <a:buSzPts val="990"/>
+              <a:buNone/>
+            </a:pPr>
+            <a:r>
+              <a:rPr b="1" lang="pt-BR" sz="2000"/>
+              <a:t>Complexidade</a:t>
+            </a:r>
+            <a:endParaRPr b="1" sz="2000"/>
+          </a:p>
+        </p:txBody>
+      </p:sp>
+      <p:sp>
+        <p:nvSpPr>
+          <p:cNvPr id="167" name="Google Shape;167;p30"/>
+          <p:cNvSpPr txBox="1"/>
+          <p:nvPr>
+            <p:ph idx="1" type="body"/>
+          </p:nvPr>
+        </p:nvSpPr>
+        <p:spPr>
+          <a:xfrm>
+            <a:off x="311700" y="1152475"/>
+            <a:ext cx="8520600" cy="3416400"/>
+          </a:xfrm>
+          <a:prstGeom prst="rect">
+            <a:avLst/>
+          </a:prstGeom>
+        </p:spPr>
+        <p:txBody>
+          <a:bodyPr anchorCtr="0" anchor="t" bIns="91425" lIns="91425" spcFirstLastPara="1" rIns="91425" wrap="square" tIns="91425">
+            <a:normAutofit fontScale="92500" lnSpcReduction="20000"/>
+          </a:bodyPr>
+          <a:lstStyle/>
+          <a:p>
+            <a:pPr indent="0" lvl="0" marL="0" rtl="0" algn="l">
+              <a:spcBef>
+                <a:spcPts val="0"/>
+              </a:spcBef>
+              <a:spcAft>
+                <a:spcPts val="0"/>
+              </a:spcAft>
+              <a:buNone/>
+            </a:pPr>
+            <a:r>
+              <a:rPr lang="pt-BR"/>
+              <a:t>			</a:t>
+            </a:r>
+            <a:endParaRPr sz="1600">
+              <a:solidFill>
+                <a:schemeClr val="dk1"/>
+              </a:solidFill>
+            </a:endParaRPr>
+          </a:p>
+          <a:p>
+            <a:pPr indent="0" lvl="0" marL="1371600" rtl="0" algn="l">
+              <a:spcBef>
+                <a:spcPts val="1200"/>
+              </a:spcBef>
+              <a:spcAft>
+                <a:spcPts val="0"/>
+              </a:spcAft>
+              <a:buNone/>
+            </a:pPr>
+            <a:r>
+              <a:rPr lang="pt-BR" sz="1600">
+                <a:solidFill>
+                  <a:schemeClr val="dk1"/>
+                </a:solidFill>
+              </a:rPr>
+              <a:t>				</a:t>
+            </a:r>
+            <a:r>
+              <a:rPr b="1" lang="pt-BR" sz="1600">
+                <a:solidFill>
+                  <a:schemeClr val="dk1"/>
+                </a:solidFill>
+              </a:rPr>
+              <a:t>busca      </a:t>
+            </a:r>
+            <a:r>
+              <a:rPr lang="pt-BR" sz="1600">
+                <a:solidFill>
+                  <a:schemeClr val="dk1"/>
+                </a:solidFill>
+              </a:rPr>
+              <a:t>O(log n)</a:t>
+            </a:r>
+            <a:endParaRPr sz="1600">
+              <a:solidFill>
+                <a:schemeClr val="dk1"/>
+              </a:solidFill>
+            </a:endParaRPr>
+          </a:p>
+          <a:p>
+            <a:pPr indent="0" lvl="0" marL="1371600" rtl="0" algn="l">
+              <a:spcBef>
+                <a:spcPts val="1200"/>
+              </a:spcBef>
+              <a:spcAft>
+                <a:spcPts val="0"/>
+              </a:spcAft>
+              <a:buNone/>
+            </a:pPr>
+            <a:r>
+              <a:rPr lang="pt-BR" sz="1600">
+                <a:solidFill>
+                  <a:schemeClr val="dk1"/>
+                </a:solidFill>
+              </a:rPr>
+              <a:t>				</a:t>
+            </a:r>
+            <a:endParaRPr sz="1600">
+              <a:solidFill>
+                <a:schemeClr val="dk1"/>
+              </a:solidFill>
+            </a:endParaRPr>
+          </a:p>
+          <a:p>
+            <a:pPr indent="0" lvl="0" marL="1371600" rtl="0" algn="l">
+              <a:spcBef>
+                <a:spcPts val="1200"/>
+              </a:spcBef>
+              <a:spcAft>
+                <a:spcPts val="0"/>
+              </a:spcAft>
+              <a:buNone/>
+            </a:pPr>
+            <a:r>
+              <a:rPr lang="pt-BR" sz="1600">
+                <a:solidFill>
+                  <a:schemeClr val="dk1"/>
+                </a:solidFill>
+              </a:rPr>
+              <a:t>				</a:t>
+            </a:r>
+            <a:r>
+              <a:rPr b="1" lang="pt-BR" sz="1600">
+                <a:solidFill>
+                  <a:schemeClr val="dk1"/>
+                </a:solidFill>
+              </a:rPr>
+              <a:t>inserção	</a:t>
+            </a:r>
+            <a:r>
+              <a:rPr lang="pt-BR" sz="1600">
+                <a:solidFill>
+                  <a:schemeClr val="dk1"/>
+                </a:solidFill>
+              </a:rPr>
+              <a:t>O(log n)</a:t>
+            </a:r>
+            <a:endParaRPr sz="1600">
+              <a:solidFill>
+                <a:schemeClr val="dk1"/>
+              </a:solidFill>
+            </a:endParaRPr>
+          </a:p>
+          <a:p>
+            <a:pPr indent="0" lvl="0" marL="1371600" rtl="0" algn="l">
+              <a:spcBef>
+                <a:spcPts val="1200"/>
+              </a:spcBef>
+              <a:spcAft>
+                <a:spcPts val="0"/>
+              </a:spcAft>
+              <a:buNone/>
+            </a:pPr>
+            <a:r>
+              <a:t/>
+            </a:r>
+            <a:endParaRPr sz="1600">
+              <a:solidFill>
+                <a:schemeClr val="dk1"/>
+              </a:solidFill>
+            </a:endParaRPr>
+          </a:p>
+          <a:p>
+            <a:pPr indent="0" lvl="0" marL="1371600" rtl="0" algn="l">
+              <a:spcBef>
+                <a:spcPts val="1200"/>
+              </a:spcBef>
+              <a:spcAft>
+                <a:spcPts val="0"/>
+              </a:spcAft>
+              <a:buNone/>
+            </a:pPr>
+            <a:r>
+              <a:rPr lang="pt-BR" sz="1600">
+                <a:solidFill>
+                  <a:schemeClr val="dk1"/>
+                </a:solidFill>
+              </a:rPr>
+              <a:t>				</a:t>
+            </a:r>
+            <a:r>
+              <a:rPr b="1" lang="pt-BR" sz="1600">
+                <a:solidFill>
+                  <a:schemeClr val="dk1"/>
+                </a:solidFill>
+              </a:rPr>
+              <a:t>remoção</a:t>
+            </a:r>
+            <a:r>
+              <a:rPr lang="pt-BR" sz="1600">
+                <a:solidFill>
+                  <a:schemeClr val="dk1"/>
+                </a:solidFill>
+              </a:rPr>
+              <a:t>  O(log n)</a:t>
+            </a:r>
+            <a:endParaRPr sz="1600">
+              <a:solidFill>
+                <a:schemeClr val="dk1"/>
+              </a:solidFill>
+            </a:endParaRPr>
+          </a:p>
+          <a:p>
+            <a:pPr indent="0" lvl="0" marL="1371600" rtl="0" algn="l">
+              <a:spcBef>
+                <a:spcPts val="1200"/>
+              </a:spcBef>
+              <a:spcAft>
+                <a:spcPts val="0"/>
+              </a:spcAft>
+              <a:buNone/>
+            </a:pPr>
+            <a:r>
+              <a:t/>
+            </a:r>
+            <a:endParaRPr sz="1600">
+              <a:solidFill>
+                <a:schemeClr val="dk1"/>
+              </a:solidFill>
+            </a:endParaRPr>
+          </a:p>
+          <a:p>
+            <a:pPr indent="0" lvl="0" marL="1371600" rtl="0" algn="l">
+              <a:spcBef>
+                <a:spcPts val="1200"/>
+              </a:spcBef>
+              <a:spcAft>
+                <a:spcPts val="0"/>
+              </a:spcAft>
+              <a:buNone/>
+            </a:pPr>
+            <a:r>
+              <a:rPr lang="pt-BR" sz="1600">
+                <a:solidFill>
+                  <a:schemeClr val="dk1"/>
+                </a:solidFill>
+              </a:rPr>
+              <a:t>				</a:t>
+            </a:r>
+            <a:r>
+              <a:rPr b="1" lang="pt-BR" sz="1600">
+                <a:solidFill>
+                  <a:schemeClr val="dk1"/>
+                </a:solidFill>
+              </a:rPr>
+              <a:t>rotações</a:t>
+            </a:r>
+            <a:r>
+              <a:rPr lang="pt-BR" sz="1600">
+                <a:solidFill>
+                  <a:schemeClr val="dk1"/>
+                </a:solidFill>
+              </a:rPr>
+              <a:t>  O(1)</a:t>
+            </a:r>
+            <a:endParaRPr sz="1600">
+              <a:solidFill>
+                <a:schemeClr val="dk1"/>
+              </a:solidFill>
+            </a:endParaRPr>
+          </a:p>
+          <a:p>
+            <a:pPr indent="0" lvl="0" marL="0" rtl="0" algn="l">
+              <a:spcBef>
+                <a:spcPts val="1200"/>
+              </a:spcBef>
+              <a:spcAft>
+                <a:spcPts val="1200"/>
+              </a:spcAft>
+              <a:buNone/>
+            </a:pPr>
+            <a:r>
+              <a:rPr lang="pt-BR" sz="1600">
+                <a:solidFill>
+                  <a:schemeClr val="dk1"/>
+                </a:solidFill>
+              </a:rPr>
+              <a:t>				</a:t>
+            </a:r>
+            <a:endParaRPr b="1" sz="1600">
+              <a:solidFill>
+                <a:schemeClr val="dk1"/>
+              </a:solidFill>
+            </a:endParaRPr>
+          </a:p>
+        </p:txBody>
+      </p:sp>
+      <p:pic>
+        <p:nvPicPr>
+          <p:cNvPr id="168" name="Google Shape;168;p30"/>
+          <p:cNvPicPr preferRelativeResize="0"/>
+          <p:nvPr/>
+        </p:nvPicPr>
+        <p:blipFill>
+          <a:blip r:embed="rId3">
+            <a:alphaModFix/>
+          </a:blip>
+          <a:stretch>
+            <a:fillRect/>
+          </a:stretch>
+        </p:blipFill>
+        <p:spPr>
+          <a:xfrm>
+            <a:off x="8185025" y="4495184"/>
+            <a:ext cx="958975" cy="648316"/>
+          </a:xfrm>
+          <a:prstGeom prst="rect">
+            <a:avLst/>
+          </a:prstGeom>
+          <a:noFill/>
+          <a:ln>
+            <a:noFill/>
+          </a:ln>
+        </p:spPr>
+      </p:pic>
+    </p:spTree>
+  </p:cSld>
+  <p:clrMapOvr>
+    <a:masterClrMapping/>
+  </p:clrMapOvr>
+</p:sld>
+</file>
+
+<file path=ppt/slides/slide19.xml><?xml version="1.0" encoding="utf-8"?>
+<p:sld xmlns:a="http://schemas.openxmlformats.org/drawingml/2006/main" xmlns:r="http://schemas.openxmlformats.org/officeDocument/2006/relationships" xmlns:mc="http://schemas.openxmlformats.org/markup-compatibility/2006" xmlns:mv="urn:schemas-microsoft-com:mac:vml" xmlns:p="http://schemas.openxmlformats.org/presentationml/2006/main" xmlns:c="http://schemas.openxmlformats.org/drawingml/2006/chart" xmlns:dgm="http://schemas.openxmlformats.org/drawingml/2006/diagram" xmlns:o="urn:schemas-microsoft-com:office:office" xmlns:v="urn:schemas-microsoft-com:vml" xmlns:pvml="urn:schemas-microsoft-com:office:powerpoint" xmlns:com="http://schemas.openxmlformats.org/drawingml/2006/compatibility" xmlns:p14="http://schemas.microsoft.com/office/powerpoint/2010/main" xmlns:p15="http://schemas.microsoft.com/office/powerpoint/2012/main" xmlns:ahyp="http://schemas.microsoft.com/office/drawing/2018/hyperlinkcolor">
+  <p:cSld>
+    <p:bg>
+      <p:bgPr>
+        <a:solidFill>
+          <a:schemeClr val="lt1"/>
+        </a:solidFill>
+      </p:bgPr>
+    </p:bg>
+    <p:spTree>
+      <p:nvGrpSpPr>
+        <p:cNvPr id="172" name="Shape 172"/>
+        <p:cNvGrpSpPr/>
+        <p:nvPr/>
+      </p:nvGrpSpPr>
+      <p:grpSpPr>
+        <a:xfrm>
+          <a:off x="0" y="0"/>
+          <a:ext cx="0" cy="0"/>
+          <a:chOff x="0" y="0"/>
+          <a:chExt cx="0" cy="0"/>
+        </a:xfrm>
+      </p:grpSpPr>
+      <p:sp>
+        <p:nvSpPr>
+          <p:cNvPr id="173" name="Google Shape;173;p31"/>
           <p:cNvSpPr txBox="1"/>
           <p:nvPr>
             <p:ph type="title"/>
@@ -8969,7 +10788,7 @@
       </p:sp>
       <p:sp>
         <p:nvSpPr>
-          <p:cNvPr id="140" name="Google Shape;140;p26"/>
+          <p:cNvPr id="174" name="Google Shape;174;p31"/>
           <p:cNvSpPr txBox="1"/>
           <p:nvPr>
             <p:ph idx="1" type="body"/>
@@ -8977,7 +10796,7 @@
         </p:nvSpPr>
         <p:spPr>
           <a:xfrm>
-            <a:off x="311700" y="1152475"/>
+            <a:off x="311700" y="1140125"/>
             <a:ext cx="8520600" cy="3416400"/>
           </a:xfrm>
           <a:prstGeom prst="rect">
@@ -9468,7 +11287,7 @@
       </p:sp>
       <p:pic>
         <p:nvPicPr>
-          <p:cNvPr id="141" name="Google Shape;141;p26"/>
+          <p:cNvPr id="175" name="Google Shape;175;p31"/>
           <p:cNvPicPr preferRelativeResize="0"/>
           <p:nvPr/>
         </p:nvPicPr>
@@ -9482,8 +11301,8 @@
         </p:blipFill>
         <p:spPr>
           <a:xfrm>
-            <a:off x="4511596" y="1967850"/>
-            <a:ext cx="3765850" cy="2877100"/>
+            <a:off x="4055376" y="1446600"/>
+            <a:ext cx="4345700" cy="3320100"/>
           </a:xfrm>
           <a:prstGeom prst="rect">
             <a:avLst/>
@@ -9496,802 +11315,7 @@
       </p:pic>
       <p:pic>
         <p:nvPicPr>
-          <p:cNvPr id="142" name="Google Shape;142;p26"/>
-          <p:cNvPicPr preferRelativeResize="0"/>
-          <p:nvPr/>
-        </p:nvPicPr>
-        <p:blipFill>
-          <a:blip r:embed="rId4">
-            <a:alphaModFix/>
-          </a:blip>
-          <a:stretch>
-            <a:fillRect/>
-          </a:stretch>
-        </p:blipFill>
-        <p:spPr>
-          <a:xfrm>
-            <a:off x="8185025" y="4495184"/>
-            <a:ext cx="958975" cy="648316"/>
-          </a:xfrm>
-          <a:prstGeom prst="rect">
-            <a:avLst/>
-          </a:prstGeom>
-          <a:noFill/>
-          <a:ln>
-            <a:noFill/>
-          </a:ln>
-        </p:spPr>
-      </p:pic>
-    </p:spTree>
-  </p:cSld>
-  <p:clrMapOvr>
-    <a:masterClrMapping/>
-  </p:clrMapOvr>
-</p:sld>
-</file>
-
-<file path=ppt/slides/slide15.xml><?xml version="1.0" encoding="utf-8"?>
-<p:sld xmlns:a="http://schemas.openxmlformats.org/drawingml/2006/main" xmlns:r="http://schemas.openxmlformats.org/officeDocument/2006/relationships" xmlns:mc="http://schemas.openxmlformats.org/markup-compatibility/2006" xmlns:mv="urn:schemas-microsoft-com:mac:vml" xmlns:p="http://schemas.openxmlformats.org/presentationml/2006/main" xmlns:c="http://schemas.openxmlformats.org/drawingml/2006/chart" xmlns:dgm="http://schemas.openxmlformats.org/drawingml/2006/diagram" xmlns:o="urn:schemas-microsoft-com:office:office" xmlns:v="urn:schemas-microsoft-com:vml" xmlns:pvml="urn:schemas-microsoft-com:office:powerpoint" xmlns:com="http://schemas.openxmlformats.org/drawingml/2006/compatibility" xmlns:p14="http://schemas.microsoft.com/office/powerpoint/2010/main" xmlns:p15="http://schemas.microsoft.com/office/powerpoint/2012/main" xmlns:ahyp="http://schemas.microsoft.com/office/drawing/2018/hyperlinkcolor">
-  <p:cSld>
-    <p:bg>
-      <p:bgPr>
-        <a:solidFill>
-          <a:schemeClr val="lt1"/>
-        </a:solidFill>
-      </p:bgPr>
-    </p:bg>
-    <p:spTree>
-      <p:nvGrpSpPr>
-        <p:cNvPr id="146" name="Shape 146"/>
-        <p:cNvGrpSpPr/>
-        <p:nvPr/>
-      </p:nvGrpSpPr>
-      <p:grpSpPr>
-        <a:xfrm>
-          <a:off x="0" y="0"/>
-          <a:ext cx="0" cy="0"/>
-          <a:chOff x="0" y="0"/>
-          <a:chExt cx="0" cy="0"/>
-        </a:xfrm>
-      </p:grpSpPr>
-      <p:sp>
-        <p:nvSpPr>
-          <p:cNvPr id="147" name="Google Shape;147;p27"/>
-          <p:cNvSpPr txBox="1"/>
-          <p:nvPr>
-            <p:ph type="title"/>
-          </p:nvPr>
-        </p:nvSpPr>
-        <p:spPr>
-          <a:xfrm>
-            <a:off x="311700" y="445025"/>
-            <a:ext cx="8520600" cy="572700"/>
-          </a:xfrm>
-          <a:prstGeom prst="rect">
-            <a:avLst/>
-          </a:prstGeom>
-        </p:spPr>
-        <p:txBody>
-          <a:bodyPr anchorCtr="0" anchor="t" bIns="91425" lIns="91425" spcFirstLastPara="1" rIns="91425" wrap="square" tIns="91425">
-            <a:noAutofit/>
-          </a:bodyPr>
-          <a:lstStyle/>
-          <a:p>
-            <a:pPr indent="0" lvl="0" marL="0" rtl="0" algn="l">
-              <a:spcBef>
-                <a:spcPts val="0"/>
-              </a:spcBef>
-              <a:spcAft>
-                <a:spcPts val="0"/>
-              </a:spcAft>
-              <a:buSzPts val="990"/>
-              <a:buNone/>
-            </a:pPr>
-            <a:r>
-              <a:rPr b="1" lang="pt-BR" sz="2000">
-                <a:latin typeface="Times New Roman"/>
-                <a:ea typeface="Times New Roman"/>
-                <a:cs typeface="Times New Roman"/>
-                <a:sym typeface="Times New Roman"/>
-              </a:rPr>
-              <a:t>Códigos</a:t>
-            </a:r>
-            <a:endParaRPr b="1" sz="2000">
-              <a:latin typeface="Times New Roman"/>
-              <a:ea typeface="Times New Roman"/>
-              <a:cs typeface="Times New Roman"/>
-              <a:sym typeface="Times New Roman"/>
-            </a:endParaRPr>
-          </a:p>
-        </p:txBody>
-      </p:sp>
-      <p:pic>
-        <p:nvPicPr>
-          <p:cNvPr id="148" name="Google Shape;148;p27"/>
-          <p:cNvPicPr preferRelativeResize="0"/>
-          <p:nvPr/>
-        </p:nvPicPr>
-        <p:blipFill rotWithShape="1">
-          <a:blip r:embed="rId3">
-            <a:alphaModFix/>
-          </a:blip>
-          <a:srcRect b="0" l="-1324" r="16936" t="0"/>
-          <a:stretch/>
-        </p:blipFill>
-        <p:spPr>
-          <a:xfrm>
-            <a:off x="3500613" y="1017725"/>
-            <a:ext cx="4944825" cy="3820975"/>
-          </a:xfrm>
-          <a:prstGeom prst="rect">
-            <a:avLst/>
-          </a:prstGeom>
-          <a:noFill/>
-          <a:ln>
-            <a:noFill/>
-          </a:ln>
-        </p:spPr>
-      </p:pic>
-      <p:pic>
-        <p:nvPicPr>
-          <p:cNvPr id="149" name="Google Shape;149;p27"/>
-          <p:cNvPicPr preferRelativeResize="0"/>
-          <p:nvPr/>
-        </p:nvPicPr>
-        <p:blipFill>
-          <a:blip r:embed="rId4">
-            <a:alphaModFix/>
-          </a:blip>
-          <a:stretch>
-            <a:fillRect/>
-          </a:stretch>
-        </p:blipFill>
-        <p:spPr>
-          <a:xfrm>
-            <a:off x="698563" y="1017725"/>
-            <a:ext cx="2802048" cy="3820975"/>
-          </a:xfrm>
-          <a:prstGeom prst="rect">
-            <a:avLst/>
-          </a:prstGeom>
-          <a:noFill/>
-          <a:ln>
-            <a:noFill/>
-          </a:ln>
-        </p:spPr>
-      </p:pic>
-      <p:pic>
-        <p:nvPicPr>
-          <p:cNvPr id="150" name="Google Shape;150;p27"/>
-          <p:cNvPicPr preferRelativeResize="0"/>
-          <p:nvPr/>
-        </p:nvPicPr>
-        <p:blipFill>
-          <a:blip r:embed="rId5">
-            <a:alphaModFix/>
-          </a:blip>
-          <a:stretch>
-            <a:fillRect/>
-          </a:stretch>
-        </p:blipFill>
-        <p:spPr>
-          <a:xfrm>
-            <a:off x="8185025" y="4495184"/>
-            <a:ext cx="958975" cy="648316"/>
-          </a:xfrm>
-          <a:prstGeom prst="rect">
-            <a:avLst/>
-          </a:prstGeom>
-          <a:noFill/>
-          <a:ln>
-            <a:noFill/>
-          </a:ln>
-        </p:spPr>
-      </p:pic>
-    </p:spTree>
-  </p:cSld>
-  <p:clrMapOvr>
-    <a:masterClrMapping/>
-  </p:clrMapOvr>
-</p:sld>
-</file>
-
-<file path=ppt/slides/slide16.xml><?xml version="1.0" encoding="utf-8"?>
-<p:sld xmlns:a="http://schemas.openxmlformats.org/drawingml/2006/main" xmlns:r="http://schemas.openxmlformats.org/officeDocument/2006/relationships" xmlns:mc="http://schemas.openxmlformats.org/markup-compatibility/2006" xmlns:mv="urn:schemas-microsoft-com:mac:vml" xmlns:p="http://schemas.openxmlformats.org/presentationml/2006/main" xmlns:c="http://schemas.openxmlformats.org/drawingml/2006/chart" xmlns:dgm="http://schemas.openxmlformats.org/drawingml/2006/diagram" xmlns:o="urn:schemas-microsoft-com:office:office" xmlns:v="urn:schemas-microsoft-com:vml" xmlns:pvml="urn:schemas-microsoft-com:office:powerpoint" xmlns:com="http://schemas.openxmlformats.org/drawingml/2006/compatibility" xmlns:p14="http://schemas.microsoft.com/office/powerpoint/2010/main" xmlns:p15="http://schemas.microsoft.com/office/powerpoint/2012/main" xmlns:ahyp="http://schemas.microsoft.com/office/drawing/2018/hyperlinkcolor">
-  <p:cSld>
-    <p:bg>
-      <p:bgPr>
-        <a:solidFill>
-          <a:schemeClr val="lt1"/>
-        </a:solidFill>
-      </p:bgPr>
-    </p:bg>
-    <p:spTree>
-      <p:nvGrpSpPr>
-        <p:cNvPr id="154" name="Shape 154"/>
-        <p:cNvGrpSpPr/>
-        <p:nvPr/>
-      </p:nvGrpSpPr>
-      <p:grpSpPr>
-        <a:xfrm>
-          <a:off x="0" y="0"/>
-          <a:ext cx="0" cy="0"/>
-          <a:chOff x="0" y="0"/>
-          <a:chExt cx="0" cy="0"/>
-        </a:xfrm>
-      </p:grpSpPr>
-      <p:sp>
-        <p:nvSpPr>
-          <p:cNvPr id="155" name="Google Shape;155;p28"/>
-          <p:cNvSpPr txBox="1"/>
-          <p:nvPr>
-            <p:ph type="title"/>
-          </p:nvPr>
-        </p:nvSpPr>
-        <p:spPr>
-          <a:xfrm>
-            <a:off x="311700" y="445025"/>
-            <a:ext cx="8520600" cy="572700"/>
-          </a:xfrm>
-          <a:prstGeom prst="rect">
-            <a:avLst/>
-          </a:prstGeom>
-        </p:spPr>
-        <p:txBody>
-          <a:bodyPr anchorCtr="0" anchor="t" bIns="91425" lIns="91425" spcFirstLastPara="1" rIns="91425" wrap="square" tIns="91425">
-            <a:noAutofit/>
-          </a:bodyPr>
-          <a:lstStyle/>
-          <a:p>
-            <a:pPr indent="0" lvl="0" marL="0" rtl="0" algn="l">
-              <a:spcBef>
-                <a:spcPts val="0"/>
-              </a:spcBef>
-              <a:spcAft>
-                <a:spcPts val="0"/>
-              </a:spcAft>
-              <a:buSzPts val="990"/>
-              <a:buNone/>
-            </a:pPr>
-            <a:r>
-              <a:rPr b="1" lang="pt-BR" sz="2000">
-                <a:latin typeface="Times New Roman"/>
-                <a:ea typeface="Times New Roman"/>
-                <a:cs typeface="Times New Roman"/>
-                <a:sym typeface="Times New Roman"/>
-              </a:rPr>
-              <a:t>Códigos</a:t>
-            </a:r>
-            <a:endParaRPr b="1" sz="2000">
-              <a:latin typeface="Times New Roman"/>
-              <a:ea typeface="Times New Roman"/>
-              <a:cs typeface="Times New Roman"/>
-              <a:sym typeface="Times New Roman"/>
-            </a:endParaRPr>
-          </a:p>
-        </p:txBody>
-      </p:sp>
-      <p:pic>
-        <p:nvPicPr>
-          <p:cNvPr id="156" name="Google Shape;156;p28"/>
-          <p:cNvPicPr preferRelativeResize="0"/>
-          <p:nvPr/>
-        </p:nvPicPr>
-        <p:blipFill>
-          <a:blip r:embed="rId3">
-            <a:alphaModFix/>
-          </a:blip>
-          <a:stretch>
-            <a:fillRect/>
-          </a:stretch>
-        </p:blipFill>
-        <p:spPr>
-          <a:xfrm>
-            <a:off x="8185025" y="4495184"/>
-            <a:ext cx="958975" cy="648316"/>
-          </a:xfrm>
-          <a:prstGeom prst="rect">
-            <a:avLst/>
-          </a:prstGeom>
-          <a:noFill/>
-          <a:ln>
-            <a:noFill/>
-          </a:ln>
-        </p:spPr>
-      </p:pic>
-      <p:pic>
-        <p:nvPicPr>
-          <p:cNvPr id="157" name="Google Shape;157;p28"/>
-          <p:cNvPicPr preferRelativeResize="0"/>
-          <p:nvPr/>
-        </p:nvPicPr>
-        <p:blipFill>
-          <a:blip r:embed="rId4">
-            <a:alphaModFix/>
-          </a:blip>
-          <a:stretch>
-            <a:fillRect/>
-          </a:stretch>
-        </p:blipFill>
-        <p:spPr>
-          <a:xfrm>
-            <a:off x="1217863" y="1017725"/>
-            <a:ext cx="2942229" cy="3820975"/>
-          </a:xfrm>
-          <a:prstGeom prst="rect">
-            <a:avLst/>
-          </a:prstGeom>
-          <a:noFill/>
-          <a:ln>
-            <a:noFill/>
-          </a:ln>
-        </p:spPr>
-      </p:pic>
-      <p:pic>
-        <p:nvPicPr>
-          <p:cNvPr id="158" name="Google Shape;158;p28"/>
-          <p:cNvPicPr preferRelativeResize="0"/>
-          <p:nvPr/>
-        </p:nvPicPr>
-        <p:blipFill>
-          <a:blip r:embed="rId5">
-            <a:alphaModFix/>
-          </a:blip>
-          <a:stretch>
-            <a:fillRect/>
-          </a:stretch>
-        </p:blipFill>
-        <p:spPr>
-          <a:xfrm>
-            <a:off x="4160092" y="1017725"/>
-            <a:ext cx="3766054" cy="3820975"/>
-          </a:xfrm>
-          <a:prstGeom prst="rect">
-            <a:avLst/>
-          </a:prstGeom>
-          <a:noFill/>
-          <a:ln>
-            <a:noFill/>
-          </a:ln>
-        </p:spPr>
-      </p:pic>
-    </p:spTree>
-  </p:cSld>
-  <p:clrMapOvr>
-    <a:masterClrMapping/>
-  </p:clrMapOvr>
-</p:sld>
-</file>
-
-<file path=ppt/slides/slide17.xml><?xml version="1.0" encoding="utf-8"?>
-<p:sld xmlns:a="http://schemas.openxmlformats.org/drawingml/2006/main" xmlns:r="http://schemas.openxmlformats.org/officeDocument/2006/relationships" xmlns:mc="http://schemas.openxmlformats.org/markup-compatibility/2006" xmlns:mv="urn:schemas-microsoft-com:mac:vml" xmlns:p="http://schemas.openxmlformats.org/presentationml/2006/main" xmlns:c="http://schemas.openxmlformats.org/drawingml/2006/chart" xmlns:dgm="http://schemas.openxmlformats.org/drawingml/2006/diagram" xmlns:o="urn:schemas-microsoft-com:office:office" xmlns:v="urn:schemas-microsoft-com:vml" xmlns:pvml="urn:schemas-microsoft-com:office:powerpoint" xmlns:com="http://schemas.openxmlformats.org/drawingml/2006/compatibility" xmlns:p14="http://schemas.microsoft.com/office/powerpoint/2010/main" xmlns:p15="http://schemas.microsoft.com/office/powerpoint/2012/main" xmlns:ahyp="http://schemas.microsoft.com/office/drawing/2018/hyperlinkcolor">
-  <p:cSld>
-    <p:bg>
-      <p:bgPr>
-        <a:solidFill>
-          <a:schemeClr val="lt1"/>
-        </a:solidFill>
-      </p:bgPr>
-    </p:bg>
-    <p:spTree>
-      <p:nvGrpSpPr>
-        <p:cNvPr id="162" name="Shape 162"/>
-        <p:cNvGrpSpPr/>
-        <p:nvPr/>
-      </p:nvGrpSpPr>
-      <p:grpSpPr>
-        <a:xfrm>
-          <a:off x="0" y="0"/>
-          <a:ext cx="0" cy="0"/>
-          <a:chOff x="0" y="0"/>
-          <a:chExt cx="0" cy="0"/>
-        </a:xfrm>
-      </p:grpSpPr>
-      <p:sp>
-        <p:nvSpPr>
-          <p:cNvPr id="163" name="Google Shape;163;p29"/>
-          <p:cNvSpPr txBox="1"/>
-          <p:nvPr>
-            <p:ph idx="1" type="body"/>
-          </p:nvPr>
-        </p:nvSpPr>
-        <p:spPr>
-          <a:xfrm>
-            <a:off x="311700" y="297450"/>
-            <a:ext cx="8520600" cy="850500"/>
-          </a:xfrm>
-          <a:prstGeom prst="rect">
-            <a:avLst/>
-          </a:prstGeom>
-        </p:spPr>
-        <p:txBody>
-          <a:bodyPr anchorCtr="0" anchor="t" bIns="91425" lIns="91425" spcFirstLastPara="1" rIns="91425" wrap="square" tIns="91425">
-            <a:noAutofit/>
-          </a:bodyPr>
-          <a:lstStyle/>
-          <a:p>
-            <a:pPr indent="0" lvl="0" marL="0" rtl="0" algn="l">
-              <a:lnSpc>
-                <a:spcPct val="95000"/>
-              </a:lnSpc>
-              <a:spcBef>
-                <a:spcPts val="0"/>
-              </a:spcBef>
-              <a:spcAft>
-                <a:spcPts val="0"/>
-              </a:spcAft>
-              <a:buSzPts val="688"/>
-              <a:buNone/>
-            </a:pPr>
-            <a:r>
-              <a:rPr b="1" lang="pt-BR" sz="2025">
-                <a:solidFill>
-                  <a:schemeClr val="dk1"/>
-                </a:solidFill>
-                <a:latin typeface="Times New Roman"/>
-                <a:ea typeface="Times New Roman"/>
-                <a:cs typeface="Times New Roman"/>
-                <a:sym typeface="Times New Roman"/>
-              </a:rPr>
-              <a:t>Executando:</a:t>
-            </a:r>
-            <a:endParaRPr b="1" sz="2025">
-              <a:solidFill>
-                <a:schemeClr val="dk1"/>
-              </a:solidFill>
-              <a:latin typeface="Times New Roman"/>
-              <a:ea typeface="Times New Roman"/>
-              <a:cs typeface="Times New Roman"/>
-              <a:sym typeface="Times New Roman"/>
-            </a:endParaRPr>
-          </a:p>
-          <a:p>
-            <a:pPr indent="0" lvl="0" marL="0" rtl="0" algn="l">
-              <a:spcBef>
-                <a:spcPts val="1200"/>
-              </a:spcBef>
-              <a:spcAft>
-                <a:spcPts val="0"/>
-              </a:spcAft>
-              <a:buClr>
-                <a:schemeClr val="dk1"/>
-              </a:buClr>
-              <a:buSzPts val="1100"/>
-              <a:buFont typeface="Arial"/>
-              <a:buNone/>
-            </a:pPr>
-            <a:r>
-              <a:rPr lang="pt-BR" sz="1600">
-                <a:solidFill>
-                  <a:schemeClr val="dk1"/>
-                </a:solidFill>
-              </a:rPr>
-              <a:t>Adicione os nós 9, 11 e 13 nessa árvore rubro-negra </a:t>
-            </a:r>
-            <a:endParaRPr b="1" sz="1600">
-              <a:solidFill>
-                <a:schemeClr val="dk1"/>
-              </a:solidFill>
-            </a:endParaRPr>
-          </a:p>
-          <a:p>
-            <a:pPr indent="0" lvl="0" marL="0" rtl="0" algn="l">
-              <a:lnSpc>
-                <a:spcPct val="95000"/>
-              </a:lnSpc>
-              <a:spcBef>
-                <a:spcPts val="1200"/>
-              </a:spcBef>
-              <a:spcAft>
-                <a:spcPts val="0"/>
-              </a:spcAft>
-              <a:buSzPts val="688"/>
-              <a:buNone/>
-            </a:pPr>
-            <a:r>
-              <a:t/>
-            </a:r>
-            <a:endParaRPr b="1" sz="2025">
-              <a:solidFill>
-                <a:schemeClr val="dk1"/>
-              </a:solidFill>
-              <a:latin typeface="Times New Roman"/>
-              <a:ea typeface="Times New Roman"/>
-              <a:cs typeface="Times New Roman"/>
-              <a:sym typeface="Times New Roman"/>
-            </a:endParaRPr>
-          </a:p>
-          <a:p>
-            <a:pPr indent="0" lvl="0" marL="0" rtl="0" algn="l">
-              <a:lnSpc>
-                <a:spcPct val="95000"/>
-              </a:lnSpc>
-              <a:spcBef>
-                <a:spcPts val="1200"/>
-              </a:spcBef>
-              <a:spcAft>
-                <a:spcPts val="0"/>
-              </a:spcAft>
-              <a:buSzPts val="688"/>
-              <a:buNone/>
-            </a:pPr>
-            <a:r>
-              <a:t/>
-            </a:r>
-            <a:endParaRPr b="1" sz="2025">
-              <a:solidFill>
-                <a:schemeClr val="dk1"/>
-              </a:solidFill>
-              <a:latin typeface="Times New Roman"/>
-              <a:ea typeface="Times New Roman"/>
-              <a:cs typeface="Times New Roman"/>
-              <a:sym typeface="Times New Roman"/>
-            </a:endParaRPr>
-          </a:p>
-          <a:p>
-            <a:pPr indent="0" lvl="0" marL="0" rtl="0" algn="l">
-              <a:lnSpc>
-                <a:spcPct val="95000"/>
-              </a:lnSpc>
-              <a:spcBef>
-                <a:spcPts val="1200"/>
-              </a:spcBef>
-              <a:spcAft>
-                <a:spcPts val="0"/>
-              </a:spcAft>
-              <a:buClr>
-                <a:srgbClr val="000000"/>
-              </a:buClr>
-              <a:buSzPts val="688"/>
-              <a:buFont typeface="Arial"/>
-              <a:buNone/>
-            </a:pPr>
-            <a:r>
-              <a:t/>
-            </a:r>
-            <a:endParaRPr b="1" sz="2025">
-              <a:solidFill>
-                <a:schemeClr val="dk1"/>
-              </a:solidFill>
-              <a:latin typeface="Times New Roman"/>
-              <a:ea typeface="Times New Roman"/>
-              <a:cs typeface="Times New Roman"/>
-              <a:sym typeface="Times New Roman"/>
-            </a:endParaRPr>
-          </a:p>
-          <a:p>
-            <a:pPr indent="0" lvl="0" marL="0" rtl="0" algn="ctr">
-              <a:lnSpc>
-                <a:spcPct val="95000"/>
-              </a:lnSpc>
-              <a:spcBef>
-                <a:spcPts val="1200"/>
-              </a:spcBef>
-              <a:spcAft>
-                <a:spcPts val="1200"/>
-              </a:spcAft>
-              <a:buSzPts val="688"/>
-              <a:buNone/>
-            </a:pPr>
-            <a:r>
-              <a:t/>
-            </a:r>
-            <a:endParaRPr b="1" sz="2025">
-              <a:latin typeface="Times New Roman"/>
-              <a:ea typeface="Times New Roman"/>
-              <a:cs typeface="Times New Roman"/>
-              <a:sym typeface="Times New Roman"/>
-            </a:endParaRPr>
-          </a:p>
-        </p:txBody>
-      </p:sp>
-      <p:pic>
-        <p:nvPicPr>
-          <p:cNvPr id="164" name="Google Shape;164;p29"/>
-          <p:cNvPicPr preferRelativeResize="0"/>
-          <p:nvPr/>
-        </p:nvPicPr>
-        <p:blipFill>
-          <a:blip r:embed="rId3">
-            <a:alphaModFix/>
-          </a:blip>
-          <a:stretch>
-            <a:fillRect/>
-          </a:stretch>
-        </p:blipFill>
-        <p:spPr>
-          <a:xfrm>
-            <a:off x="2587075" y="1148000"/>
-            <a:ext cx="5511894" cy="3876750"/>
-          </a:xfrm>
-          <a:prstGeom prst="rect">
-            <a:avLst/>
-          </a:prstGeom>
-          <a:noFill/>
-          <a:ln>
-            <a:noFill/>
-          </a:ln>
-        </p:spPr>
-      </p:pic>
-      <p:pic>
-        <p:nvPicPr>
-          <p:cNvPr id="165" name="Google Shape;165;p29"/>
-          <p:cNvPicPr preferRelativeResize="0"/>
-          <p:nvPr/>
-        </p:nvPicPr>
-        <p:blipFill>
-          <a:blip r:embed="rId4">
-            <a:alphaModFix/>
-          </a:blip>
-          <a:stretch>
-            <a:fillRect/>
-          </a:stretch>
-        </p:blipFill>
-        <p:spPr>
-          <a:xfrm>
-            <a:off x="8185025" y="4495184"/>
-            <a:ext cx="958975" cy="648316"/>
-          </a:xfrm>
-          <a:prstGeom prst="rect">
-            <a:avLst/>
-          </a:prstGeom>
-          <a:noFill/>
-          <a:ln>
-            <a:noFill/>
-          </a:ln>
-        </p:spPr>
-      </p:pic>
-    </p:spTree>
-  </p:cSld>
-  <p:clrMapOvr>
-    <a:masterClrMapping/>
-  </p:clrMapOvr>
-</p:sld>
-</file>
-
-<file path=ppt/slides/slide18.xml><?xml version="1.0" encoding="utf-8"?>
-<p:sld xmlns:a="http://schemas.openxmlformats.org/drawingml/2006/main" xmlns:r="http://schemas.openxmlformats.org/officeDocument/2006/relationships" xmlns:mc="http://schemas.openxmlformats.org/markup-compatibility/2006" xmlns:mv="urn:schemas-microsoft-com:mac:vml" xmlns:p="http://schemas.openxmlformats.org/presentationml/2006/main" xmlns:c="http://schemas.openxmlformats.org/drawingml/2006/chart" xmlns:dgm="http://schemas.openxmlformats.org/drawingml/2006/diagram" xmlns:o="urn:schemas-microsoft-com:office:office" xmlns:v="urn:schemas-microsoft-com:vml" xmlns:pvml="urn:schemas-microsoft-com:office:powerpoint" xmlns:com="http://schemas.openxmlformats.org/drawingml/2006/compatibility" xmlns:p14="http://schemas.microsoft.com/office/powerpoint/2010/main" xmlns:p15="http://schemas.microsoft.com/office/powerpoint/2012/main" xmlns:ahyp="http://schemas.microsoft.com/office/drawing/2018/hyperlinkcolor">
-  <p:cSld>
-    <p:bg>
-      <p:bgPr>
-        <a:solidFill>
-          <a:schemeClr val="lt1"/>
-        </a:solidFill>
-      </p:bgPr>
-    </p:bg>
-    <p:spTree>
-      <p:nvGrpSpPr>
-        <p:cNvPr id="169" name="Shape 169"/>
-        <p:cNvGrpSpPr/>
-        <p:nvPr/>
-      </p:nvGrpSpPr>
-      <p:grpSpPr>
-        <a:xfrm>
-          <a:off x="0" y="0"/>
-          <a:ext cx="0" cy="0"/>
-          <a:chOff x="0" y="0"/>
-          <a:chExt cx="0" cy="0"/>
-        </a:xfrm>
-      </p:grpSpPr>
-      <p:pic>
-        <p:nvPicPr>
-          <p:cNvPr id="170" name="Google Shape;170;p30"/>
-          <p:cNvPicPr preferRelativeResize="0"/>
-          <p:nvPr/>
-        </p:nvPicPr>
-        <p:blipFill>
-          <a:blip r:embed="rId3">
-            <a:alphaModFix/>
-          </a:blip>
-          <a:stretch>
-            <a:fillRect/>
-          </a:stretch>
-        </p:blipFill>
-        <p:spPr>
-          <a:xfrm>
-            <a:off x="1706000" y="152400"/>
-            <a:ext cx="5731998" cy="4838700"/>
-          </a:xfrm>
-          <a:prstGeom prst="rect">
-            <a:avLst/>
-          </a:prstGeom>
-          <a:noFill/>
-          <a:ln>
-            <a:noFill/>
-          </a:ln>
-        </p:spPr>
-      </p:pic>
-      <p:pic>
-        <p:nvPicPr>
-          <p:cNvPr id="171" name="Google Shape;171;p30"/>
-          <p:cNvPicPr preferRelativeResize="0"/>
-          <p:nvPr/>
-        </p:nvPicPr>
-        <p:blipFill>
-          <a:blip r:embed="rId4">
-            <a:alphaModFix/>
-          </a:blip>
-          <a:stretch>
-            <a:fillRect/>
-          </a:stretch>
-        </p:blipFill>
-        <p:spPr>
-          <a:xfrm>
-            <a:off x="8185025" y="4495184"/>
-            <a:ext cx="958975" cy="648316"/>
-          </a:xfrm>
-          <a:prstGeom prst="rect">
-            <a:avLst/>
-          </a:prstGeom>
-          <a:noFill/>
-          <a:ln>
-            <a:noFill/>
-          </a:ln>
-        </p:spPr>
-      </p:pic>
-    </p:spTree>
-  </p:cSld>
-  <p:clrMapOvr>
-    <a:masterClrMapping/>
-  </p:clrMapOvr>
-</p:sld>
-</file>
-
-<file path=ppt/slides/slide19.xml><?xml version="1.0" encoding="utf-8"?>
-<p:sld xmlns:a="http://schemas.openxmlformats.org/drawingml/2006/main" xmlns:r="http://schemas.openxmlformats.org/officeDocument/2006/relationships" xmlns:mc="http://schemas.openxmlformats.org/markup-compatibility/2006" xmlns:mv="urn:schemas-microsoft-com:mac:vml" xmlns:p="http://schemas.openxmlformats.org/presentationml/2006/main" xmlns:c="http://schemas.openxmlformats.org/drawingml/2006/chart" xmlns:dgm="http://schemas.openxmlformats.org/drawingml/2006/diagram" xmlns:o="urn:schemas-microsoft-com:office:office" xmlns:v="urn:schemas-microsoft-com:vml" xmlns:pvml="urn:schemas-microsoft-com:office:powerpoint" xmlns:com="http://schemas.openxmlformats.org/drawingml/2006/compatibility" xmlns:p14="http://schemas.microsoft.com/office/powerpoint/2010/main" xmlns:p15="http://schemas.microsoft.com/office/powerpoint/2012/main" xmlns:ahyp="http://schemas.microsoft.com/office/drawing/2018/hyperlinkcolor">
-  <p:cSld>
-    <p:bg>
-      <p:bgPr>
-        <a:solidFill>
-          <a:schemeClr val="lt1"/>
-        </a:solidFill>
-      </p:bgPr>
-    </p:bg>
-    <p:spTree>
-      <p:nvGrpSpPr>
-        <p:cNvPr id="175" name="Shape 175"/>
-        <p:cNvGrpSpPr/>
-        <p:nvPr/>
-      </p:nvGrpSpPr>
-      <p:grpSpPr>
-        <a:xfrm>
-          <a:off x="0" y="0"/>
-          <a:ext cx="0" cy="0"/>
-          <a:chOff x="0" y="0"/>
-          <a:chExt cx="0" cy="0"/>
-        </a:xfrm>
-      </p:grpSpPr>
-      <p:pic>
-        <p:nvPicPr>
           <p:cNvPr id="176" name="Google Shape;176;p31"/>
-          <p:cNvPicPr preferRelativeResize="0"/>
-          <p:nvPr/>
-        </p:nvPicPr>
-        <p:blipFill>
-          <a:blip r:embed="rId3">
-            <a:alphaModFix/>
-          </a:blip>
-          <a:stretch>
-            <a:fillRect/>
-          </a:stretch>
-        </p:blipFill>
-        <p:spPr>
-          <a:xfrm>
-            <a:off x="1640600" y="152400"/>
-            <a:ext cx="5862799" cy="4838699"/>
-          </a:xfrm>
-          <a:prstGeom prst="rect">
-            <a:avLst/>
-          </a:prstGeom>
-          <a:noFill/>
-          <a:ln>
-            <a:noFill/>
-          </a:ln>
-        </p:spPr>
-      </p:pic>
-      <p:pic>
-        <p:nvPicPr>
-          <p:cNvPr id="177" name="Google Shape;177;p31"/>
           <p:cNvPicPr preferRelativeResize="0"/>
           <p:nvPr/>
         </p:nvPicPr>
@@ -10587,7 +11611,7 @@
     </p:bg>
     <p:spTree>
       <p:nvGrpSpPr>
-        <p:cNvPr id="181" name="Shape 181"/>
+        <p:cNvPr id="180" name="Shape 180"/>
         <p:cNvGrpSpPr/>
         <p:nvPr/>
       </p:nvGrpSpPr>
@@ -10599,24 +11623,74 @@
           <a:chExt cx="0" cy="0"/>
         </a:xfrm>
       </p:grpSpPr>
+      <p:sp>
+        <p:nvSpPr>
+          <p:cNvPr id="181" name="Google Shape;181;p32"/>
+          <p:cNvSpPr txBox="1"/>
+          <p:nvPr>
+            <p:ph type="title"/>
+          </p:nvPr>
+        </p:nvSpPr>
+        <p:spPr>
+          <a:xfrm>
+            <a:off x="311700" y="445025"/>
+            <a:ext cx="8520600" cy="572700"/>
+          </a:xfrm>
+          <a:prstGeom prst="rect">
+            <a:avLst/>
+          </a:prstGeom>
+        </p:spPr>
+        <p:txBody>
+          <a:bodyPr anchorCtr="0" anchor="t" bIns="91425" lIns="91425" spcFirstLastPara="1" rIns="91425" wrap="square" tIns="91425">
+            <a:noAutofit/>
+          </a:bodyPr>
+          <a:lstStyle/>
+          <a:p>
+            <a:pPr indent="0" lvl="0" marL="0" rtl="0" algn="l">
+              <a:spcBef>
+                <a:spcPts val="0"/>
+              </a:spcBef>
+              <a:spcAft>
+                <a:spcPts val="0"/>
+              </a:spcAft>
+              <a:buSzPts val="990"/>
+              <a:buNone/>
+            </a:pPr>
+            <a:r>
+              <a:rPr b="1" lang="pt-BR" sz="2000">
+                <a:latin typeface="Times New Roman"/>
+                <a:ea typeface="Times New Roman"/>
+                <a:cs typeface="Times New Roman"/>
+                <a:sym typeface="Times New Roman"/>
+              </a:rPr>
+              <a:t>Códigos</a:t>
+            </a:r>
+            <a:endParaRPr b="1" sz="2000">
+              <a:latin typeface="Times New Roman"/>
+              <a:ea typeface="Times New Roman"/>
+              <a:cs typeface="Times New Roman"/>
+              <a:sym typeface="Times New Roman"/>
+            </a:endParaRPr>
+          </a:p>
+        </p:txBody>
+      </p:sp>
       <p:pic>
         <p:nvPicPr>
           <p:cNvPr id="182" name="Google Shape;182;p32"/>
           <p:cNvPicPr preferRelativeResize="0"/>
           <p:nvPr/>
         </p:nvPicPr>
-        <p:blipFill>
+        <p:blipFill rotWithShape="1">
           <a:blip r:embed="rId3">
             <a:alphaModFix/>
           </a:blip>
-          <a:stretch>
-            <a:fillRect/>
-          </a:stretch>
+          <a:srcRect b="0" l="-1324" r="16936" t="0"/>
+          <a:stretch/>
         </p:blipFill>
         <p:spPr>
           <a:xfrm>
-            <a:off x="1994313" y="152400"/>
-            <a:ext cx="5155369" cy="4838700"/>
+            <a:off x="3500613" y="1017725"/>
+            <a:ext cx="4944825" cy="3820975"/>
           </a:xfrm>
           <a:prstGeom prst="rect">
             <a:avLst/>
@@ -10635,6 +11709,34 @@
         </p:nvPicPr>
         <p:blipFill>
           <a:blip r:embed="rId4">
+            <a:alphaModFix/>
+          </a:blip>
+          <a:stretch>
+            <a:fillRect/>
+          </a:stretch>
+        </p:blipFill>
+        <p:spPr>
+          <a:xfrm>
+            <a:off x="698563" y="1017725"/>
+            <a:ext cx="2802048" cy="3820975"/>
+          </a:xfrm>
+          <a:prstGeom prst="rect">
+            <a:avLst/>
+          </a:prstGeom>
+          <a:noFill/>
+          <a:ln>
+            <a:noFill/>
+          </a:ln>
+        </p:spPr>
+      </p:pic>
+      <p:pic>
+        <p:nvPicPr>
+          <p:cNvPr id="184" name="Google Shape;184;p32"/>
+          <p:cNvPicPr preferRelativeResize="0"/>
+          <p:nvPr/>
+        </p:nvPicPr>
+        <p:blipFill>
+          <a:blip r:embed="rId5">
             <a:alphaModFix/>
           </a:blip>
           <a:stretch>
@@ -10675,7 +11777,7 @@
     </p:bg>
     <p:spTree>
       <p:nvGrpSpPr>
-        <p:cNvPr id="187" name="Shape 187"/>
+        <p:cNvPr id="188" name="Shape 188"/>
         <p:cNvGrpSpPr/>
         <p:nvPr/>
       </p:nvGrpSpPr>
@@ -10687,9 +11789,60 @@
           <a:chExt cx="0" cy="0"/>
         </a:xfrm>
       </p:grpSpPr>
+      <p:sp>
+        <p:nvSpPr>
+          <p:cNvPr id="189" name="Google Shape;189;p33"/>
+          <p:cNvSpPr txBox="1"/>
+          <p:nvPr>
+            <p:ph type="title"/>
+          </p:nvPr>
+        </p:nvSpPr>
+        <p:spPr>
+          <a:xfrm>
+            <a:off x="311700" y="445025"/>
+            <a:ext cx="8520600" cy="572700"/>
+          </a:xfrm>
+          <a:prstGeom prst="rect">
+            <a:avLst/>
+          </a:prstGeom>
+        </p:spPr>
+        <p:txBody>
+          <a:bodyPr anchorCtr="0" anchor="t" bIns="91425" lIns="91425" spcFirstLastPara="1" rIns="91425" wrap="square" tIns="91425">
+            <a:noAutofit/>
+          </a:bodyPr>
+          <a:lstStyle/>
+          <a:p>
+            <a:pPr indent="0" lvl="0" marL="0" rtl="0" algn="l">
+              <a:spcBef>
+                <a:spcPts val="0"/>
+              </a:spcBef>
+              <a:spcAft>
+                <a:spcPts val="0"/>
+              </a:spcAft>
+              <a:buSzPts val="990"/>
+              <a:buNone/>
+            </a:pPr>
+            <a:r>
+              <a:rPr b="1" lang="pt-BR" sz="2000">
+                <a:latin typeface="Times New Roman"/>
+                <a:ea typeface="Times New Roman"/>
+                <a:cs typeface="Times New Roman"/>
+                <a:sym typeface="Times New Roman"/>
+              </a:rPr>
+              <a:t>Códigos</a:t>
+            </a:r>
+            <a:endParaRPr b="1" sz="2000">
+              <a:latin typeface="Times New Roman"/>
+              <a:ea typeface="Times New Roman"/>
+              <a:cs typeface="Times New Roman"/>
+              <a:sym typeface="Times New Roman"/>
+            </a:endParaRPr>
+          </a:p>
+        </p:txBody>
+      </p:sp>
       <p:pic>
         <p:nvPicPr>
-          <p:cNvPr id="188" name="Google Shape;188;p33"/>
+          <p:cNvPr id="190" name="Google Shape;190;p33"/>
           <p:cNvPicPr preferRelativeResize="0"/>
           <p:nvPr/>
         </p:nvPicPr>
@@ -10703,8 +11856,8 @@
         </p:blipFill>
         <p:spPr>
           <a:xfrm>
-            <a:off x="1583138" y="152400"/>
-            <a:ext cx="5977721" cy="4838700"/>
+            <a:off x="8185025" y="4495184"/>
+            <a:ext cx="958975" cy="648316"/>
           </a:xfrm>
           <a:prstGeom prst="rect">
             <a:avLst/>
@@ -10717,7 +11870,7 @@
       </p:pic>
       <p:pic>
         <p:nvPicPr>
-          <p:cNvPr id="189" name="Google Shape;189;p33"/>
+          <p:cNvPr id="191" name="Google Shape;191;p33"/>
           <p:cNvPicPr preferRelativeResize="0"/>
           <p:nvPr/>
         </p:nvPicPr>
@@ -10731,8 +11884,36 @@
         </p:blipFill>
         <p:spPr>
           <a:xfrm>
-            <a:off x="8185025" y="4495184"/>
-            <a:ext cx="958975" cy="648316"/>
+            <a:off x="1217863" y="1017725"/>
+            <a:ext cx="2942229" cy="3820975"/>
+          </a:xfrm>
+          <a:prstGeom prst="rect">
+            <a:avLst/>
+          </a:prstGeom>
+          <a:noFill/>
+          <a:ln>
+            <a:noFill/>
+          </a:ln>
+        </p:spPr>
+      </p:pic>
+      <p:pic>
+        <p:nvPicPr>
+          <p:cNvPr id="192" name="Google Shape;192;p33"/>
+          <p:cNvPicPr preferRelativeResize="0"/>
+          <p:nvPr/>
+        </p:nvPicPr>
+        <p:blipFill>
+          <a:blip r:embed="rId5">
+            <a:alphaModFix/>
+          </a:blip>
+          <a:stretch>
+            <a:fillRect/>
+          </a:stretch>
+        </p:blipFill>
+        <p:spPr>
+          <a:xfrm>
+            <a:off x="4160092" y="1017725"/>
+            <a:ext cx="3766054" cy="3820975"/>
           </a:xfrm>
           <a:prstGeom prst="rect">
             <a:avLst/>
@@ -10763,7 +11944,7 @@
     </p:bg>
     <p:spTree>
       <p:nvGrpSpPr>
-        <p:cNvPr id="193" name="Shape 193"/>
+        <p:cNvPr id="196" name="Shape 196"/>
         <p:cNvGrpSpPr/>
         <p:nvPr/>
       </p:nvGrpSpPr>
@@ -10775,9 +11956,207 @@
           <a:chExt cx="0" cy="0"/>
         </a:xfrm>
       </p:grpSpPr>
+      <p:sp>
+        <p:nvSpPr>
+          <p:cNvPr id="197" name="Google Shape;197;p34"/>
+          <p:cNvSpPr txBox="1"/>
+          <p:nvPr>
+            <p:ph idx="1" type="body"/>
+          </p:nvPr>
+        </p:nvSpPr>
+        <p:spPr>
+          <a:xfrm>
+            <a:off x="311700" y="297450"/>
+            <a:ext cx="8520600" cy="850500"/>
+          </a:xfrm>
+          <a:prstGeom prst="rect">
+            <a:avLst/>
+          </a:prstGeom>
+        </p:spPr>
+        <p:txBody>
+          <a:bodyPr anchorCtr="0" anchor="t" bIns="91425" lIns="91425" spcFirstLastPara="1" rIns="91425" wrap="square" tIns="91425">
+            <a:noAutofit/>
+          </a:bodyPr>
+          <a:lstStyle/>
+          <a:p>
+            <a:pPr indent="0" lvl="0" marL="0" rtl="0" algn="l">
+              <a:lnSpc>
+                <a:spcPct val="95000"/>
+              </a:lnSpc>
+              <a:spcBef>
+                <a:spcPts val="0"/>
+              </a:spcBef>
+              <a:spcAft>
+                <a:spcPts val="0"/>
+              </a:spcAft>
+              <a:buSzPts val="688"/>
+              <a:buNone/>
+            </a:pPr>
+            <a:r>
+              <a:rPr b="1" lang="pt-BR" sz="2025">
+                <a:solidFill>
+                  <a:schemeClr val="dk1"/>
+                </a:solidFill>
+                <a:latin typeface="Times New Roman"/>
+                <a:ea typeface="Times New Roman"/>
+                <a:cs typeface="Times New Roman"/>
+                <a:sym typeface="Times New Roman"/>
+              </a:rPr>
+              <a:t>Executando:</a:t>
+            </a:r>
+            <a:endParaRPr b="1" sz="2025">
+              <a:solidFill>
+                <a:schemeClr val="dk1"/>
+              </a:solidFill>
+              <a:latin typeface="Times New Roman"/>
+              <a:ea typeface="Times New Roman"/>
+              <a:cs typeface="Times New Roman"/>
+              <a:sym typeface="Times New Roman"/>
+            </a:endParaRPr>
+          </a:p>
+          <a:p>
+            <a:pPr indent="0" lvl="0" marL="0" rtl="0" algn="l">
+              <a:spcBef>
+                <a:spcPts val="1200"/>
+              </a:spcBef>
+              <a:spcAft>
+                <a:spcPts val="0"/>
+              </a:spcAft>
+              <a:buClr>
+                <a:schemeClr val="dk1"/>
+              </a:buClr>
+              <a:buSzPts val="1100"/>
+              <a:buFont typeface="Arial"/>
+              <a:buNone/>
+            </a:pPr>
+            <a:r>
+              <a:rPr lang="pt-BR" sz="1600">
+                <a:solidFill>
+                  <a:schemeClr val="dk1"/>
+                </a:solidFill>
+              </a:rPr>
+              <a:t>Adicione os nós 9, 11 e 13 nessa árvore rubro-negra </a:t>
+            </a:r>
+            <a:endParaRPr b="1" sz="1600">
+              <a:solidFill>
+                <a:schemeClr val="dk1"/>
+              </a:solidFill>
+            </a:endParaRPr>
+          </a:p>
+          <a:p>
+            <a:pPr indent="0" lvl="0" marL="0" rtl="0" algn="l">
+              <a:lnSpc>
+                <a:spcPct val="95000"/>
+              </a:lnSpc>
+              <a:spcBef>
+                <a:spcPts val="1200"/>
+              </a:spcBef>
+              <a:spcAft>
+                <a:spcPts val="0"/>
+              </a:spcAft>
+              <a:buSzPts val="688"/>
+              <a:buNone/>
+            </a:pPr>
+            <a:r>
+              <a:t/>
+            </a:r>
+            <a:endParaRPr b="1" sz="2025">
+              <a:solidFill>
+                <a:schemeClr val="dk1"/>
+              </a:solidFill>
+              <a:latin typeface="Times New Roman"/>
+              <a:ea typeface="Times New Roman"/>
+              <a:cs typeface="Times New Roman"/>
+              <a:sym typeface="Times New Roman"/>
+            </a:endParaRPr>
+          </a:p>
+          <a:p>
+            <a:pPr indent="0" lvl="0" marL="0" rtl="0" algn="l">
+              <a:lnSpc>
+                <a:spcPct val="95000"/>
+              </a:lnSpc>
+              <a:spcBef>
+                <a:spcPts val="1200"/>
+              </a:spcBef>
+              <a:spcAft>
+                <a:spcPts val="0"/>
+              </a:spcAft>
+              <a:buSzPts val="688"/>
+              <a:buNone/>
+            </a:pPr>
+            <a:r>
+              <a:t/>
+            </a:r>
+            <a:endParaRPr b="1" sz="2025">
+              <a:solidFill>
+                <a:schemeClr val="dk1"/>
+              </a:solidFill>
+              <a:latin typeface="Times New Roman"/>
+              <a:ea typeface="Times New Roman"/>
+              <a:cs typeface="Times New Roman"/>
+              <a:sym typeface="Times New Roman"/>
+            </a:endParaRPr>
+          </a:p>
+          <a:p>
+            <a:pPr indent="0" lvl="0" marL="0" rtl="0" algn="l">
+              <a:lnSpc>
+                <a:spcPct val="95000"/>
+              </a:lnSpc>
+              <a:spcBef>
+                <a:spcPts val="1200"/>
+              </a:spcBef>
+              <a:spcAft>
+                <a:spcPts val="0"/>
+              </a:spcAft>
+              <a:buClr>
+                <a:srgbClr val="000000"/>
+              </a:buClr>
+              <a:buSzPts val="688"/>
+              <a:buFont typeface="Arial"/>
+              <a:buNone/>
+            </a:pPr>
+            <a:r>
+              <a:t/>
+            </a:r>
+            <a:endParaRPr b="1" sz="2025">
+              <a:solidFill>
+                <a:schemeClr val="dk1"/>
+              </a:solidFill>
+              <a:latin typeface="Times New Roman"/>
+              <a:ea typeface="Times New Roman"/>
+              <a:cs typeface="Times New Roman"/>
+              <a:sym typeface="Times New Roman"/>
+            </a:endParaRPr>
+          </a:p>
+          <a:p>
+            <a:pPr indent="0" lvl="0" marL="0" rtl="0" algn="ctr">
+              <a:lnSpc>
+                <a:spcPct val="95000"/>
+              </a:lnSpc>
+              <a:spcBef>
+                <a:spcPts val="1200"/>
+              </a:spcBef>
+              <a:spcAft>
+                <a:spcPts val="1200"/>
+              </a:spcAft>
+              <a:buSzPts val="688"/>
+              <a:buNone/>
+            </a:pPr>
+            <a:r>
+              <a:t/>
+            </a:r>
+            <a:endParaRPr b="1" sz="2025">
+              <a:latin typeface="Times New Roman"/>
+              <a:ea typeface="Times New Roman"/>
+              <a:cs typeface="Times New Roman"/>
+              <a:sym typeface="Times New Roman"/>
+            </a:endParaRPr>
+          </a:p>
+        </p:txBody>
+      </p:sp>
       <p:pic>
         <p:nvPicPr>
-          <p:cNvPr id="194" name="Google Shape;194;p34"/>
+          <p:cNvPr id="198" name="Google Shape;198;p34"/>
           <p:cNvPicPr preferRelativeResize="0"/>
           <p:nvPr/>
         </p:nvPicPr>
@@ -10791,8 +12170,8 @@
         </p:blipFill>
         <p:spPr>
           <a:xfrm>
-            <a:off x="1883475" y="152400"/>
-            <a:ext cx="5377046" cy="4838701"/>
+            <a:off x="2587075" y="1148000"/>
+            <a:ext cx="5511894" cy="3876750"/>
           </a:xfrm>
           <a:prstGeom prst="rect">
             <a:avLst/>
@@ -10805,7 +12184,7 @@
       </p:pic>
       <p:pic>
         <p:nvPicPr>
-          <p:cNvPr id="195" name="Google Shape;195;p34"/>
+          <p:cNvPr id="199" name="Google Shape;199;p34"/>
           <p:cNvPicPr preferRelativeResize="0"/>
           <p:nvPr/>
         </p:nvPicPr>
@@ -10851,7 +12230,7 @@
     </p:bg>
     <p:spTree>
       <p:nvGrpSpPr>
-        <p:cNvPr id="199" name="Shape 199"/>
+        <p:cNvPr id="203" name="Shape 203"/>
         <p:cNvGrpSpPr/>
         <p:nvPr/>
       </p:nvGrpSpPr>
@@ -10865,7 +12244,7 @@
       </p:grpSpPr>
       <p:pic>
         <p:nvPicPr>
-          <p:cNvPr id="200" name="Google Shape;200;p35"/>
+          <p:cNvPr id="204" name="Google Shape;204;p35"/>
           <p:cNvPicPr preferRelativeResize="0"/>
           <p:nvPr/>
         </p:nvPicPr>
@@ -10879,8 +12258,8 @@
         </p:blipFill>
         <p:spPr>
           <a:xfrm>
-            <a:off x="1396025" y="152400"/>
-            <a:ext cx="6351961" cy="4838700"/>
+            <a:off x="1706000" y="152400"/>
+            <a:ext cx="5731998" cy="4838700"/>
           </a:xfrm>
           <a:prstGeom prst="rect">
             <a:avLst/>
@@ -10893,7 +12272,7 @@
       </p:pic>
       <p:pic>
         <p:nvPicPr>
-          <p:cNvPr id="201" name="Google Shape;201;p35"/>
+          <p:cNvPr id="205" name="Google Shape;205;p35"/>
           <p:cNvPicPr preferRelativeResize="0"/>
           <p:nvPr/>
         </p:nvPicPr>
@@ -10909,6 +12288,651 @@
           <a:xfrm>
             <a:off x="8185025" y="4495184"/>
             <a:ext cx="958975" cy="648316"/>
+          </a:xfrm>
+          <a:prstGeom prst="rect">
+            <a:avLst/>
+          </a:prstGeom>
+          <a:noFill/>
+          <a:ln>
+            <a:noFill/>
+          </a:ln>
+        </p:spPr>
+      </p:pic>
+    </p:spTree>
+  </p:cSld>
+  <p:clrMapOvr>
+    <a:masterClrMapping/>
+  </p:clrMapOvr>
+</p:sld>
+</file>
+
+<file path=ppt/slides/slide24.xml><?xml version="1.0" encoding="utf-8"?>
+<p:sld xmlns:a="http://schemas.openxmlformats.org/drawingml/2006/main" xmlns:r="http://schemas.openxmlformats.org/officeDocument/2006/relationships" xmlns:mc="http://schemas.openxmlformats.org/markup-compatibility/2006" xmlns:mv="urn:schemas-microsoft-com:mac:vml" xmlns:p="http://schemas.openxmlformats.org/presentationml/2006/main" xmlns:c="http://schemas.openxmlformats.org/drawingml/2006/chart" xmlns:dgm="http://schemas.openxmlformats.org/drawingml/2006/diagram" xmlns:o="urn:schemas-microsoft-com:office:office" xmlns:v="urn:schemas-microsoft-com:vml" xmlns:pvml="urn:schemas-microsoft-com:office:powerpoint" xmlns:com="http://schemas.openxmlformats.org/drawingml/2006/compatibility" xmlns:p14="http://schemas.microsoft.com/office/powerpoint/2010/main" xmlns:p15="http://schemas.microsoft.com/office/powerpoint/2012/main" xmlns:ahyp="http://schemas.microsoft.com/office/drawing/2018/hyperlinkcolor">
+  <p:cSld>
+    <p:bg>
+      <p:bgPr>
+        <a:solidFill>
+          <a:schemeClr val="lt1"/>
+        </a:solidFill>
+      </p:bgPr>
+    </p:bg>
+    <p:spTree>
+      <p:nvGrpSpPr>
+        <p:cNvPr id="209" name="Shape 209"/>
+        <p:cNvGrpSpPr/>
+        <p:nvPr/>
+      </p:nvGrpSpPr>
+      <p:grpSpPr>
+        <a:xfrm>
+          <a:off x="0" y="0"/>
+          <a:ext cx="0" cy="0"/>
+          <a:chOff x="0" y="0"/>
+          <a:chExt cx="0" cy="0"/>
+        </a:xfrm>
+      </p:grpSpPr>
+      <p:pic>
+        <p:nvPicPr>
+          <p:cNvPr id="210" name="Google Shape;210;p36"/>
+          <p:cNvPicPr preferRelativeResize="0"/>
+          <p:nvPr/>
+        </p:nvPicPr>
+        <p:blipFill>
+          <a:blip r:embed="rId3">
+            <a:alphaModFix/>
+          </a:blip>
+          <a:stretch>
+            <a:fillRect/>
+          </a:stretch>
+        </p:blipFill>
+        <p:spPr>
+          <a:xfrm>
+            <a:off x="1640600" y="152400"/>
+            <a:ext cx="5862799" cy="4838699"/>
+          </a:xfrm>
+          <a:prstGeom prst="rect">
+            <a:avLst/>
+          </a:prstGeom>
+          <a:noFill/>
+          <a:ln>
+            <a:noFill/>
+          </a:ln>
+        </p:spPr>
+      </p:pic>
+      <p:pic>
+        <p:nvPicPr>
+          <p:cNvPr id="211" name="Google Shape;211;p36"/>
+          <p:cNvPicPr preferRelativeResize="0"/>
+          <p:nvPr/>
+        </p:nvPicPr>
+        <p:blipFill>
+          <a:blip r:embed="rId4">
+            <a:alphaModFix/>
+          </a:blip>
+          <a:stretch>
+            <a:fillRect/>
+          </a:stretch>
+        </p:blipFill>
+        <p:spPr>
+          <a:xfrm>
+            <a:off x="8185025" y="4495184"/>
+            <a:ext cx="958975" cy="648316"/>
+          </a:xfrm>
+          <a:prstGeom prst="rect">
+            <a:avLst/>
+          </a:prstGeom>
+          <a:noFill/>
+          <a:ln>
+            <a:noFill/>
+          </a:ln>
+        </p:spPr>
+      </p:pic>
+    </p:spTree>
+  </p:cSld>
+  <p:clrMapOvr>
+    <a:masterClrMapping/>
+  </p:clrMapOvr>
+</p:sld>
+</file>
+
+<file path=ppt/slides/slide25.xml><?xml version="1.0" encoding="utf-8"?>
+<p:sld xmlns:a="http://schemas.openxmlformats.org/drawingml/2006/main" xmlns:r="http://schemas.openxmlformats.org/officeDocument/2006/relationships" xmlns:mc="http://schemas.openxmlformats.org/markup-compatibility/2006" xmlns:mv="urn:schemas-microsoft-com:mac:vml" xmlns:p="http://schemas.openxmlformats.org/presentationml/2006/main" xmlns:c="http://schemas.openxmlformats.org/drawingml/2006/chart" xmlns:dgm="http://schemas.openxmlformats.org/drawingml/2006/diagram" xmlns:o="urn:schemas-microsoft-com:office:office" xmlns:v="urn:schemas-microsoft-com:vml" xmlns:pvml="urn:schemas-microsoft-com:office:powerpoint" xmlns:com="http://schemas.openxmlformats.org/drawingml/2006/compatibility" xmlns:p14="http://schemas.microsoft.com/office/powerpoint/2010/main" xmlns:p15="http://schemas.microsoft.com/office/powerpoint/2012/main" xmlns:ahyp="http://schemas.microsoft.com/office/drawing/2018/hyperlinkcolor">
+  <p:cSld>
+    <p:bg>
+      <p:bgPr>
+        <a:solidFill>
+          <a:schemeClr val="lt1"/>
+        </a:solidFill>
+      </p:bgPr>
+    </p:bg>
+    <p:spTree>
+      <p:nvGrpSpPr>
+        <p:cNvPr id="215" name="Shape 215"/>
+        <p:cNvGrpSpPr/>
+        <p:nvPr/>
+      </p:nvGrpSpPr>
+      <p:grpSpPr>
+        <a:xfrm>
+          <a:off x="0" y="0"/>
+          <a:ext cx="0" cy="0"/>
+          <a:chOff x="0" y="0"/>
+          <a:chExt cx="0" cy="0"/>
+        </a:xfrm>
+      </p:grpSpPr>
+      <p:pic>
+        <p:nvPicPr>
+          <p:cNvPr id="216" name="Google Shape;216;p37"/>
+          <p:cNvPicPr preferRelativeResize="0"/>
+          <p:nvPr/>
+        </p:nvPicPr>
+        <p:blipFill>
+          <a:blip r:embed="rId3">
+            <a:alphaModFix/>
+          </a:blip>
+          <a:stretch>
+            <a:fillRect/>
+          </a:stretch>
+        </p:blipFill>
+        <p:spPr>
+          <a:xfrm>
+            <a:off x="1994313" y="152400"/>
+            <a:ext cx="5155369" cy="4838700"/>
+          </a:xfrm>
+          <a:prstGeom prst="rect">
+            <a:avLst/>
+          </a:prstGeom>
+          <a:noFill/>
+          <a:ln>
+            <a:noFill/>
+          </a:ln>
+        </p:spPr>
+      </p:pic>
+      <p:pic>
+        <p:nvPicPr>
+          <p:cNvPr id="217" name="Google Shape;217;p37"/>
+          <p:cNvPicPr preferRelativeResize="0"/>
+          <p:nvPr/>
+        </p:nvPicPr>
+        <p:blipFill>
+          <a:blip r:embed="rId4">
+            <a:alphaModFix/>
+          </a:blip>
+          <a:stretch>
+            <a:fillRect/>
+          </a:stretch>
+        </p:blipFill>
+        <p:spPr>
+          <a:xfrm>
+            <a:off x="8185025" y="4495184"/>
+            <a:ext cx="958975" cy="648316"/>
+          </a:xfrm>
+          <a:prstGeom prst="rect">
+            <a:avLst/>
+          </a:prstGeom>
+          <a:noFill/>
+          <a:ln>
+            <a:noFill/>
+          </a:ln>
+        </p:spPr>
+      </p:pic>
+    </p:spTree>
+  </p:cSld>
+  <p:clrMapOvr>
+    <a:masterClrMapping/>
+  </p:clrMapOvr>
+</p:sld>
+</file>
+
+<file path=ppt/slides/slide26.xml><?xml version="1.0" encoding="utf-8"?>
+<p:sld xmlns:a="http://schemas.openxmlformats.org/drawingml/2006/main" xmlns:r="http://schemas.openxmlformats.org/officeDocument/2006/relationships" xmlns:mc="http://schemas.openxmlformats.org/markup-compatibility/2006" xmlns:mv="urn:schemas-microsoft-com:mac:vml" xmlns:p="http://schemas.openxmlformats.org/presentationml/2006/main" xmlns:c="http://schemas.openxmlformats.org/drawingml/2006/chart" xmlns:dgm="http://schemas.openxmlformats.org/drawingml/2006/diagram" xmlns:o="urn:schemas-microsoft-com:office:office" xmlns:v="urn:schemas-microsoft-com:vml" xmlns:pvml="urn:schemas-microsoft-com:office:powerpoint" xmlns:com="http://schemas.openxmlformats.org/drawingml/2006/compatibility" xmlns:p14="http://schemas.microsoft.com/office/powerpoint/2010/main" xmlns:p15="http://schemas.microsoft.com/office/powerpoint/2012/main" xmlns:ahyp="http://schemas.microsoft.com/office/drawing/2018/hyperlinkcolor">
+  <p:cSld>
+    <p:bg>
+      <p:bgPr>
+        <a:solidFill>
+          <a:schemeClr val="lt1"/>
+        </a:solidFill>
+      </p:bgPr>
+    </p:bg>
+    <p:spTree>
+      <p:nvGrpSpPr>
+        <p:cNvPr id="221" name="Shape 221"/>
+        <p:cNvGrpSpPr/>
+        <p:nvPr/>
+      </p:nvGrpSpPr>
+      <p:grpSpPr>
+        <a:xfrm>
+          <a:off x="0" y="0"/>
+          <a:ext cx="0" cy="0"/>
+          <a:chOff x="0" y="0"/>
+          <a:chExt cx="0" cy="0"/>
+        </a:xfrm>
+      </p:grpSpPr>
+      <p:pic>
+        <p:nvPicPr>
+          <p:cNvPr id="222" name="Google Shape;222;p38"/>
+          <p:cNvPicPr preferRelativeResize="0"/>
+          <p:nvPr/>
+        </p:nvPicPr>
+        <p:blipFill>
+          <a:blip r:embed="rId3">
+            <a:alphaModFix/>
+          </a:blip>
+          <a:stretch>
+            <a:fillRect/>
+          </a:stretch>
+        </p:blipFill>
+        <p:spPr>
+          <a:xfrm>
+            <a:off x="1583138" y="152400"/>
+            <a:ext cx="5977721" cy="4838700"/>
+          </a:xfrm>
+          <a:prstGeom prst="rect">
+            <a:avLst/>
+          </a:prstGeom>
+          <a:noFill/>
+          <a:ln>
+            <a:noFill/>
+          </a:ln>
+        </p:spPr>
+      </p:pic>
+      <p:pic>
+        <p:nvPicPr>
+          <p:cNvPr id="223" name="Google Shape;223;p38"/>
+          <p:cNvPicPr preferRelativeResize="0"/>
+          <p:nvPr/>
+        </p:nvPicPr>
+        <p:blipFill>
+          <a:blip r:embed="rId4">
+            <a:alphaModFix/>
+          </a:blip>
+          <a:stretch>
+            <a:fillRect/>
+          </a:stretch>
+        </p:blipFill>
+        <p:spPr>
+          <a:xfrm>
+            <a:off x="8185025" y="4495184"/>
+            <a:ext cx="958975" cy="648316"/>
+          </a:xfrm>
+          <a:prstGeom prst="rect">
+            <a:avLst/>
+          </a:prstGeom>
+          <a:noFill/>
+          <a:ln>
+            <a:noFill/>
+          </a:ln>
+        </p:spPr>
+      </p:pic>
+    </p:spTree>
+  </p:cSld>
+  <p:clrMapOvr>
+    <a:masterClrMapping/>
+  </p:clrMapOvr>
+</p:sld>
+</file>
+
+<file path=ppt/slides/slide27.xml><?xml version="1.0" encoding="utf-8"?>
+<p:sld xmlns:a="http://schemas.openxmlformats.org/drawingml/2006/main" xmlns:r="http://schemas.openxmlformats.org/officeDocument/2006/relationships" xmlns:mc="http://schemas.openxmlformats.org/markup-compatibility/2006" xmlns:mv="urn:schemas-microsoft-com:mac:vml" xmlns:p="http://schemas.openxmlformats.org/presentationml/2006/main" xmlns:c="http://schemas.openxmlformats.org/drawingml/2006/chart" xmlns:dgm="http://schemas.openxmlformats.org/drawingml/2006/diagram" xmlns:o="urn:schemas-microsoft-com:office:office" xmlns:v="urn:schemas-microsoft-com:vml" xmlns:pvml="urn:schemas-microsoft-com:office:powerpoint" xmlns:com="http://schemas.openxmlformats.org/drawingml/2006/compatibility" xmlns:p14="http://schemas.microsoft.com/office/powerpoint/2010/main" xmlns:p15="http://schemas.microsoft.com/office/powerpoint/2012/main" xmlns:ahyp="http://schemas.microsoft.com/office/drawing/2018/hyperlinkcolor">
+  <p:cSld>
+    <p:bg>
+      <p:bgPr>
+        <a:solidFill>
+          <a:schemeClr val="lt1"/>
+        </a:solidFill>
+      </p:bgPr>
+    </p:bg>
+    <p:spTree>
+      <p:nvGrpSpPr>
+        <p:cNvPr id="227" name="Shape 227"/>
+        <p:cNvGrpSpPr/>
+        <p:nvPr/>
+      </p:nvGrpSpPr>
+      <p:grpSpPr>
+        <a:xfrm>
+          <a:off x="0" y="0"/>
+          <a:ext cx="0" cy="0"/>
+          <a:chOff x="0" y="0"/>
+          <a:chExt cx="0" cy="0"/>
+        </a:xfrm>
+      </p:grpSpPr>
+      <p:pic>
+        <p:nvPicPr>
+          <p:cNvPr id="228" name="Google Shape;228;p39"/>
+          <p:cNvPicPr preferRelativeResize="0"/>
+          <p:nvPr/>
+        </p:nvPicPr>
+        <p:blipFill>
+          <a:blip r:embed="rId3">
+            <a:alphaModFix/>
+          </a:blip>
+          <a:stretch>
+            <a:fillRect/>
+          </a:stretch>
+        </p:blipFill>
+        <p:spPr>
+          <a:xfrm>
+            <a:off x="1883475" y="152400"/>
+            <a:ext cx="5377046" cy="4838701"/>
+          </a:xfrm>
+          <a:prstGeom prst="rect">
+            <a:avLst/>
+          </a:prstGeom>
+          <a:noFill/>
+          <a:ln>
+            <a:noFill/>
+          </a:ln>
+        </p:spPr>
+      </p:pic>
+      <p:pic>
+        <p:nvPicPr>
+          <p:cNvPr id="229" name="Google Shape;229;p39"/>
+          <p:cNvPicPr preferRelativeResize="0"/>
+          <p:nvPr/>
+        </p:nvPicPr>
+        <p:blipFill>
+          <a:blip r:embed="rId4">
+            <a:alphaModFix/>
+          </a:blip>
+          <a:stretch>
+            <a:fillRect/>
+          </a:stretch>
+        </p:blipFill>
+        <p:spPr>
+          <a:xfrm>
+            <a:off x="8185025" y="4495184"/>
+            <a:ext cx="958975" cy="648316"/>
+          </a:xfrm>
+          <a:prstGeom prst="rect">
+            <a:avLst/>
+          </a:prstGeom>
+          <a:noFill/>
+          <a:ln>
+            <a:noFill/>
+          </a:ln>
+        </p:spPr>
+      </p:pic>
+      <p:sp>
+        <p:nvSpPr>
+          <p:cNvPr id="230" name="Google Shape;230;p39"/>
+          <p:cNvSpPr/>
+          <p:nvPr/>
+        </p:nvSpPr>
+        <p:spPr>
+          <a:xfrm>
+            <a:off x="3626300" y="417425"/>
+            <a:ext cx="1056575" cy="821775"/>
+          </a:xfrm>
+          <a:custGeom>
+            <a:rect b="b" l="l" r="r" t="t"/>
+            <a:pathLst>
+              <a:path extrusionOk="0" h="32871" w="42263">
+                <a:moveTo>
+                  <a:pt x="42263" y="32871"/>
+                </a:moveTo>
+                <a:cubicBezTo>
+                  <a:pt x="42263" y="25441"/>
+                  <a:pt x="41257" y="16731"/>
+                  <a:pt x="36002" y="11479"/>
+                </a:cubicBezTo>
+                <a:cubicBezTo>
+                  <a:pt x="27093" y="2575"/>
+                  <a:pt x="12596" y="0"/>
+                  <a:pt x="0" y="0"/>
+                </a:cubicBezTo>
+              </a:path>
+            </a:pathLst>
+          </a:custGeom>
+          <a:noFill/>
+          <a:ln cap="flat" cmpd="sng" w="9525">
+            <a:solidFill>
+              <a:schemeClr val="dk2"/>
+            </a:solidFill>
+            <a:prstDash val="solid"/>
+            <a:round/>
+            <a:headEnd len="med" w="med" type="none"/>
+            <a:tailEnd len="med" w="med" type="none"/>
+          </a:ln>
+        </p:spPr>
+      </p:sp>
+      <p:cxnSp>
+        <p:nvCxnSpPr>
+          <p:cNvPr id="231" name="Google Shape;231;p39"/>
+          <p:cNvCxnSpPr/>
+          <p:nvPr/>
+        </p:nvCxnSpPr>
+        <p:spPr>
+          <a:xfrm rot="10800000">
+            <a:off x="3600100" y="430450"/>
+            <a:ext cx="261000" cy="0"/>
+          </a:xfrm>
+          <a:prstGeom prst="straightConnector1">
+            <a:avLst/>
+          </a:prstGeom>
+          <a:noFill/>
+          <a:ln cap="flat" cmpd="sng" w="9525">
+            <a:solidFill>
+              <a:schemeClr val="dk2"/>
+            </a:solidFill>
+            <a:prstDash val="solid"/>
+            <a:round/>
+            <a:headEnd len="med" w="med" type="none"/>
+            <a:tailEnd len="med" w="med" type="triangle"/>
+          </a:ln>
+        </p:spPr>
+      </p:cxnSp>
+    </p:spTree>
+  </p:cSld>
+  <p:clrMapOvr>
+    <a:masterClrMapping/>
+  </p:clrMapOvr>
+</p:sld>
+</file>
+
+<file path=ppt/slides/slide28.xml><?xml version="1.0" encoding="utf-8"?>
+<p:sld xmlns:a="http://schemas.openxmlformats.org/drawingml/2006/main" xmlns:r="http://schemas.openxmlformats.org/officeDocument/2006/relationships" xmlns:mc="http://schemas.openxmlformats.org/markup-compatibility/2006" xmlns:mv="urn:schemas-microsoft-com:mac:vml" xmlns:p="http://schemas.openxmlformats.org/presentationml/2006/main" xmlns:c="http://schemas.openxmlformats.org/drawingml/2006/chart" xmlns:dgm="http://schemas.openxmlformats.org/drawingml/2006/diagram" xmlns:o="urn:schemas-microsoft-com:office:office" xmlns:v="urn:schemas-microsoft-com:vml" xmlns:pvml="urn:schemas-microsoft-com:office:powerpoint" xmlns:com="http://schemas.openxmlformats.org/drawingml/2006/compatibility" xmlns:p14="http://schemas.microsoft.com/office/powerpoint/2010/main" xmlns:p15="http://schemas.microsoft.com/office/powerpoint/2012/main" xmlns:ahyp="http://schemas.microsoft.com/office/drawing/2018/hyperlinkcolor">
+  <p:cSld>
+    <p:bg>
+      <p:bgPr>
+        <a:solidFill>
+          <a:schemeClr val="lt1"/>
+        </a:solidFill>
+      </p:bgPr>
+    </p:bg>
+    <p:spTree>
+      <p:nvGrpSpPr>
+        <p:cNvPr id="235" name="Shape 235"/>
+        <p:cNvGrpSpPr/>
+        <p:nvPr/>
+      </p:nvGrpSpPr>
+      <p:grpSpPr>
+        <a:xfrm>
+          <a:off x="0" y="0"/>
+          <a:ext cx="0" cy="0"/>
+          <a:chOff x="0" y="0"/>
+          <a:chExt cx="0" cy="0"/>
+        </a:xfrm>
+      </p:grpSpPr>
+      <p:pic>
+        <p:nvPicPr>
+          <p:cNvPr id="236" name="Google Shape;236;p40"/>
+          <p:cNvPicPr preferRelativeResize="0"/>
+          <p:nvPr/>
+        </p:nvPicPr>
+        <p:blipFill>
+          <a:blip r:embed="rId3">
+            <a:alphaModFix/>
+          </a:blip>
+          <a:stretch>
+            <a:fillRect/>
+          </a:stretch>
+        </p:blipFill>
+        <p:spPr>
+          <a:xfrm>
+            <a:off x="1396025" y="152400"/>
+            <a:ext cx="6351961" cy="4838700"/>
+          </a:xfrm>
+          <a:prstGeom prst="rect">
+            <a:avLst/>
+          </a:prstGeom>
+          <a:noFill/>
+          <a:ln>
+            <a:noFill/>
+          </a:ln>
+        </p:spPr>
+      </p:pic>
+      <p:pic>
+        <p:nvPicPr>
+          <p:cNvPr id="237" name="Google Shape;237;p40"/>
+          <p:cNvPicPr preferRelativeResize="0"/>
+          <p:nvPr/>
+        </p:nvPicPr>
+        <p:blipFill>
+          <a:blip r:embed="rId4">
+            <a:alphaModFix/>
+          </a:blip>
+          <a:stretch>
+            <a:fillRect/>
+          </a:stretch>
+        </p:blipFill>
+        <p:spPr>
+          <a:xfrm>
+            <a:off x="8185025" y="4495184"/>
+            <a:ext cx="958975" cy="648316"/>
+          </a:xfrm>
+          <a:prstGeom prst="rect">
+            <a:avLst/>
+          </a:prstGeom>
+          <a:noFill/>
+          <a:ln>
+            <a:noFill/>
+          </a:ln>
+        </p:spPr>
+      </p:pic>
+    </p:spTree>
+  </p:cSld>
+  <p:clrMapOvr>
+    <a:masterClrMapping/>
+  </p:clrMapOvr>
+</p:sld>
+</file>
+
+<file path=ppt/slides/slide29.xml><?xml version="1.0" encoding="utf-8"?>
+<p:sld xmlns:a="http://schemas.openxmlformats.org/drawingml/2006/main" xmlns:r="http://schemas.openxmlformats.org/officeDocument/2006/relationships" xmlns:mc="http://schemas.openxmlformats.org/markup-compatibility/2006" xmlns:mv="urn:schemas-microsoft-com:mac:vml" xmlns:p="http://schemas.openxmlformats.org/presentationml/2006/main" xmlns:c="http://schemas.openxmlformats.org/drawingml/2006/chart" xmlns:dgm="http://schemas.openxmlformats.org/drawingml/2006/diagram" xmlns:o="urn:schemas-microsoft-com:office:office" xmlns:v="urn:schemas-microsoft-com:vml" xmlns:pvml="urn:schemas-microsoft-com:office:powerpoint" xmlns:com="http://schemas.openxmlformats.org/drawingml/2006/compatibility" xmlns:p14="http://schemas.microsoft.com/office/powerpoint/2010/main" xmlns:p15="http://schemas.microsoft.com/office/powerpoint/2012/main" xmlns:ahyp="http://schemas.microsoft.com/office/drawing/2018/hyperlinkcolor">
+  <p:cSld>
+    <p:bg>
+      <p:bgPr>
+        <a:solidFill>
+          <a:schemeClr val="lt1"/>
+        </a:solidFill>
+      </p:bgPr>
+    </p:bg>
+    <p:spTree>
+      <p:nvGrpSpPr>
+        <p:cNvPr id="241" name="Shape 241"/>
+        <p:cNvGrpSpPr/>
+        <p:nvPr/>
+      </p:nvGrpSpPr>
+      <p:grpSpPr>
+        <a:xfrm>
+          <a:off x="0" y="0"/>
+          <a:ext cx="0" cy="0"/>
+          <a:chOff x="0" y="0"/>
+          <a:chExt cx="0" cy="0"/>
+        </a:xfrm>
+      </p:grpSpPr>
+      <p:sp>
+        <p:nvSpPr>
+          <p:cNvPr id="242" name="Google Shape;242;p41"/>
+          <p:cNvSpPr txBox="1"/>
+          <p:nvPr>
+            <p:ph idx="1" type="body"/>
+          </p:nvPr>
+        </p:nvSpPr>
+        <p:spPr>
+          <a:xfrm>
+            <a:off x="296750" y="346200"/>
+            <a:ext cx="8535600" cy="1001400"/>
+          </a:xfrm>
+          <a:prstGeom prst="rect">
+            <a:avLst/>
+          </a:prstGeom>
+        </p:spPr>
+        <p:txBody>
+          <a:bodyPr anchorCtr="0" anchor="t" bIns="91425" lIns="91425" spcFirstLastPara="1" rIns="91425" wrap="square" tIns="91425">
+            <a:normAutofit/>
+          </a:bodyPr>
+          <a:lstStyle/>
+          <a:p>
+            <a:pPr indent="0" lvl="0" marL="0" rtl="0" algn="l">
+              <a:spcBef>
+                <a:spcPts val="0"/>
+              </a:spcBef>
+              <a:spcAft>
+                <a:spcPts val="1200"/>
+              </a:spcAft>
+              <a:buNone/>
+            </a:pPr>
+            <a:r>
+              <a:rPr lang="pt-BR" sz="1600">
+                <a:solidFill>
+                  <a:schemeClr val="dk1"/>
+                </a:solidFill>
+              </a:rPr>
+              <a:t>Para terminar, vamos remover os nós cujos elementos são 1 e 5.</a:t>
+            </a:r>
+            <a:endParaRPr sz="1600">
+              <a:solidFill>
+                <a:schemeClr val="dk1"/>
+              </a:solidFill>
+            </a:endParaRPr>
+          </a:p>
+        </p:txBody>
+      </p:sp>
+      <p:pic>
+        <p:nvPicPr>
+          <p:cNvPr id="243" name="Google Shape;243;p41"/>
+          <p:cNvPicPr preferRelativeResize="0"/>
+          <p:nvPr/>
+        </p:nvPicPr>
+        <p:blipFill>
+          <a:blip r:embed="rId3">
+            <a:alphaModFix/>
+          </a:blip>
+          <a:stretch>
+            <a:fillRect/>
+          </a:stretch>
+        </p:blipFill>
+        <p:spPr>
+          <a:xfrm>
+            <a:off x="8185025" y="4495184"/>
+            <a:ext cx="958975" cy="648316"/>
+          </a:xfrm>
+          <a:prstGeom prst="rect">
+            <a:avLst/>
+          </a:prstGeom>
+          <a:noFill/>
+          <a:ln>
+            <a:noFill/>
+          </a:ln>
+        </p:spPr>
+      </p:pic>
+      <p:pic>
+        <p:nvPicPr>
+          <p:cNvPr id="244" name="Google Shape;244;p41"/>
+          <p:cNvPicPr preferRelativeResize="0"/>
+          <p:nvPr/>
+        </p:nvPicPr>
+        <p:blipFill>
+          <a:blip r:embed="rId4">
+            <a:alphaModFix/>
+          </a:blip>
+          <a:stretch>
+            <a:fillRect/>
+          </a:stretch>
+        </p:blipFill>
+        <p:spPr>
+          <a:xfrm>
+            <a:off x="1767450" y="795475"/>
+            <a:ext cx="5594221" cy="4261476"/>
           </a:xfrm>
           <a:prstGeom prst="rect">
             <a:avLst/>
@@ -11154,6 +13178,411 @@
   <p:clrMapOvr>
     <a:masterClrMapping/>
   </p:clrMapOvr>
+</p:sld>
+</file>
+
+<file path=ppt/slides/slide30.xml><?xml version="1.0" encoding="utf-8"?>
+<p:sld xmlns:a="http://schemas.openxmlformats.org/drawingml/2006/main" xmlns:r="http://schemas.openxmlformats.org/officeDocument/2006/relationships" xmlns:mc="http://schemas.openxmlformats.org/markup-compatibility/2006" xmlns:mv="urn:schemas-microsoft-com:mac:vml" xmlns:p="http://schemas.openxmlformats.org/presentationml/2006/main" xmlns:c="http://schemas.openxmlformats.org/drawingml/2006/chart" xmlns:dgm="http://schemas.openxmlformats.org/drawingml/2006/diagram" xmlns:o="urn:schemas-microsoft-com:office:office" xmlns:v="urn:schemas-microsoft-com:vml" xmlns:pvml="urn:schemas-microsoft-com:office:powerpoint" xmlns:com="http://schemas.openxmlformats.org/drawingml/2006/compatibility" xmlns:p14="http://schemas.microsoft.com/office/powerpoint/2010/main" xmlns:p15="http://schemas.microsoft.com/office/powerpoint/2012/main" xmlns:ahyp="http://schemas.microsoft.com/office/drawing/2018/hyperlinkcolor">
+  <p:cSld>
+    <p:bg>
+      <p:bgPr>
+        <a:solidFill>
+          <a:schemeClr val="lt1"/>
+        </a:solidFill>
+      </p:bgPr>
+    </p:bg>
+    <p:spTree>
+      <p:nvGrpSpPr>
+        <p:cNvPr id="248" name="Shape 248"/>
+        <p:cNvGrpSpPr/>
+        <p:nvPr/>
+      </p:nvGrpSpPr>
+      <p:grpSpPr>
+        <a:xfrm>
+          <a:off x="0" y="0"/>
+          <a:ext cx="0" cy="0"/>
+          <a:chOff x="0" y="0"/>
+          <a:chExt cx="0" cy="0"/>
+        </a:xfrm>
+      </p:grpSpPr>
+      <p:pic>
+        <p:nvPicPr>
+          <p:cNvPr id="249" name="Google Shape;249;p42"/>
+          <p:cNvPicPr preferRelativeResize="0"/>
+          <p:nvPr/>
+        </p:nvPicPr>
+        <p:blipFill>
+          <a:blip r:embed="rId3">
+            <a:alphaModFix/>
+          </a:blip>
+          <a:stretch>
+            <a:fillRect/>
+          </a:stretch>
+        </p:blipFill>
+        <p:spPr>
+          <a:xfrm>
+            <a:off x="1860425" y="181288"/>
+            <a:ext cx="5423149" cy="4780925"/>
+          </a:xfrm>
+          <a:prstGeom prst="rect">
+            <a:avLst/>
+          </a:prstGeom>
+          <a:noFill/>
+          <a:ln>
+            <a:noFill/>
+          </a:ln>
+        </p:spPr>
+      </p:pic>
+      <p:pic>
+        <p:nvPicPr>
+          <p:cNvPr id="250" name="Google Shape;250;p42"/>
+          <p:cNvPicPr preferRelativeResize="0"/>
+          <p:nvPr/>
+        </p:nvPicPr>
+        <p:blipFill>
+          <a:blip r:embed="rId4">
+            <a:alphaModFix/>
+          </a:blip>
+          <a:stretch>
+            <a:fillRect/>
+          </a:stretch>
+        </p:blipFill>
+        <p:spPr>
+          <a:xfrm>
+            <a:off x="8185025" y="4495184"/>
+            <a:ext cx="958975" cy="648316"/>
+          </a:xfrm>
+          <a:prstGeom prst="rect">
+            <a:avLst/>
+          </a:prstGeom>
+          <a:noFill/>
+          <a:ln>
+            <a:noFill/>
+          </a:ln>
+        </p:spPr>
+      </p:pic>
+    </p:spTree>
+  </p:cSld>
+  <p:clrMapOvr>
+    <a:masterClrMapping/>
+  </p:clrMapOvr>
+</p:sld>
+</file>
+
+<file path=ppt/slides/slide31.xml><?xml version="1.0" encoding="utf-8"?>
+<p:sld xmlns:a="http://schemas.openxmlformats.org/drawingml/2006/main" xmlns:r="http://schemas.openxmlformats.org/officeDocument/2006/relationships" xmlns:mc="http://schemas.openxmlformats.org/markup-compatibility/2006" xmlns:mv="urn:schemas-microsoft-com:mac:vml" xmlns:p="http://schemas.openxmlformats.org/presentationml/2006/main" xmlns:c="http://schemas.openxmlformats.org/drawingml/2006/chart" xmlns:dgm="http://schemas.openxmlformats.org/drawingml/2006/diagram" xmlns:o="urn:schemas-microsoft-com:office:office" xmlns:v="urn:schemas-microsoft-com:vml" xmlns:pvml="urn:schemas-microsoft-com:office:powerpoint" xmlns:com="http://schemas.openxmlformats.org/drawingml/2006/compatibility" xmlns:p14="http://schemas.microsoft.com/office/powerpoint/2010/main" xmlns:p15="http://schemas.microsoft.com/office/powerpoint/2012/main" xmlns:ahyp="http://schemas.microsoft.com/office/drawing/2018/hyperlinkcolor">
+  <p:cSld>
+    <p:bg>
+      <p:bgPr>
+        <a:solidFill>
+          <a:schemeClr val="lt1"/>
+        </a:solidFill>
+      </p:bgPr>
+    </p:bg>
+    <p:spTree>
+      <p:nvGrpSpPr>
+        <p:cNvPr id="254" name="Shape 254"/>
+        <p:cNvGrpSpPr/>
+        <p:nvPr/>
+      </p:nvGrpSpPr>
+      <p:grpSpPr>
+        <a:xfrm>
+          <a:off x="0" y="0"/>
+          <a:ext cx="0" cy="0"/>
+          <a:chOff x="0" y="0"/>
+          <a:chExt cx="0" cy="0"/>
+        </a:xfrm>
+      </p:grpSpPr>
+      <p:pic>
+        <p:nvPicPr>
+          <p:cNvPr id="255" name="Google Shape;255;p43"/>
+          <p:cNvPicPr preferRelativeResize="0"/>
+          <p:nvPr/>
+        </p:nvPicPr>
+        <p:blipFill>
+          <a:blip r:embed="rId3">
+            <a:alphaModFix/>
+          </a:blip>
+          <a:stretch>
+            <a:fillRect/>
+          </a:stretch>
+        </p:blipFill>
+        <p:spPr>
+          <a:xfrm>
+            <a:off x="8185025" y="4495184"/>
+            <a:ext cx="958975" cy="648316"/>
+          </a:xfrm>
+          <a:prstGeom prst="rect">
+            <a:avLst/>
+          </a:prstGeom>
+          <a:noFill/>
+          <a:ln>
+            <a:noFill/>
+          </a:ln>
+        </p:spPr>
+      </p:pic>
+      <p:sp>
+        <p:nvSpPr>
+          <p:cNvPr id="256" name="Google Shape;256;p43"/>
+          <p:cNvSpPr txBox="1"/>
+          <p:nvPr/>
+        </p:nvSpPr>
+        <p:spPr>
+          <a:xfrm>
+            <a:off x="420375" y="469850"/>
+            <a:ext cx="8089500" cy="492600"/>
+          </a:xfrm>
+          <a:prstGeom prst="rect">
+            <a:avLst/>
+          </a:prstGeom>
+          <a:noFill/>
+          <a:ln>
+            <a:noFill/>
+          </a:ln>
+        </p:spPr>
+        <p:txBody>
+          <a:bodyPr anchorCtr="0" anchor="t" bIns="91425" lIns="91425" spcFirstLastPara="1" rIns="91425" wrap="square" tIns="91425">
+            <a:spAutoFit/>
+          </a:bodyPr>
+          <a:lstStyle/>
+          <a:p>
+            <a:pPr indent="0" lvl="0" marL="0" rtl="0" algn="l">
+              <a:spcBef>
+                <a:spcPts val="0"/>
+              </a:spcBef>
+              <a:spcAft>
+                <a:spcPts val="0"/>
+              </a:spcAft>
+              <a:buNone/>
+            </a:pPr>
+            <a:r>
+              <a:rPr b="1" lang="pt-BR" sz="2000"/>
+              <a:t>Voltando à motivação…</a:t>
+            </a:r>
+            <a:endParaRPr b="1" sz="2000"/>
+          </a:p>
+        </p:txBody>
+      </p:sp>
+      <p:sp>
+        <p:nvSpPr>
+          <p:cNvPr id="257" name="Google Shape;257;p43"/>
+          <p:cNvSpPr txBox="1"/>
+          <p:nvPr/>
+        </p:nvSpPr>
+        <p:spPr>
+          <a:xfrm flipH="1">
+            <a:off x="754200" y="2112050"/>
+            <a:ext cx="7830000" cy="923400"/>
+          </a:xfrm>
+          <a:prstGeom prst="rect">
+            <a:avLst/>
+          </a:prstGeom>
+          <a:noFill/>
+          <a:ln>
+            <a:noFill/>
+          </a:ln>
+        </p:spPr>
+        <p:txBody>
+          <a:bodyPr anchorCtr="0" anchor="t" bIns="91425" lIns="91425" spcFirstLastPara="1" rIns="91425" wrap="square" tIns="91425">
+            <a:spAutoFit/>
+          </a:bodyPr>
+          <a:lstStyle/>
+          <a:p>
+            <a:pPr indent="0" lvl="0" marL="0" rtl="0" algn="l">
+              <a:spcBef>
+                <a:spcPts val="0"/>
+              </a:spcBef>
+              <a:spcAft>
+                <a:spcPts val="0"/>
+              </a:spcAft>
+              <a:buNone/>
+            </a:pPr>
+            <a:r>
+              <a:rPr lang="pt-BR" sz="1600"/>
+              <a:t>Pudemos ver com o exemplo mostrado que, mesmo numa árvore pequena, quando se trata de remoção e inserção, ela tem uma eficiência muito maior por não ser tão rigorosamente balanceada.</a:t>
+            </a:r>
+            <a:endParaRPr sz="1600"/>
+          </a:p>
+        </p:txBody>
+      </p:sp>
+    </p:spTree>
+  </p:cSld>
+  <p:clrMapOvr>
+    <a:masterClrMapping/>
+  </p:clrMapOvr>
+</p:sld>
+</file>
+
+<file path=ppt/slides/slide32.xml><?xml version="1.0" encoding="utf-8"?>
+<p:sld xmlns:a="http://schemas.openxmlformats.org/drawingml/2006/main" xmlns:r="http://schemas.openxmlformats.org/officeDocument/2006/relationships" xmlns:mc="http://schemas.openxmlformats.org/markup-compatibility/2006" xmlns:mv="urn:schemas-microsoft-com:mac:vml" xmlns:p="http://schemas.openxmlformats.org/presentationml/2006/main" xmlns:c="http://schemas.openxmlformats.org/drawingml/2006/chart" xmlns:dgm="http://schemas.openxmlformats.org/drawingml/2006/diagram" xmlns:o="urn:schemas-microsoft-com:office:office" xmlns:v="urn:schemas-microsoft-com:vml" xmlns:pvml="urn:schemas-microsoft-com:office:powerpoint" xmlns:com="http://schemas.openxmlformats.org/drawingml/2006/compatibility" xmlns:p14="http://schemas.microsoft.com/office/powerpoint/2010/main" xmlns:p15="http://schemas.microsoft.com/office/powerpoint/2012/main" xmlns:ahyp="http://schemas.microsoft.com/office/drawing/2018/hyperlinkcolor">
+  <p:cSld>
+    <p:bg>
+      <p:bgPr>
+        <a:solidFill>
+          <a:schemeClr val="lt1"/>
+        </a:solidFill>
+      </p:bgPr>
+    </p:bg>
+    <p:spTree>
+      <p:nvGrpSpPr>
+        <p:cNvPr id="261" name="Shape 261"/>
+        <p:cNvGrpSpPr/>
+        <p:nvPr/>
+      </p:nvGrpSpPr>
+      <p:grpSpPr>
+        <a:xfrm>
+          <a:off x="0" y="0"/>
+          <a:ext cx="0" cy="0"/>
+          <a:chOff x="0" y="0"/>
+          <a:chExt cx="0" cy="0"/>
+        </a:xfrm>
+      </p:grpSpPr>
+      <p:pic>
+        <p:nvPicPr>
+          <p:cNvPr id="262" name="Google Shape;262;p44"/>
+          <p:cNvPicPr preferRelativeResize="0"/>
+          <p:nvPr/>
+        </p:nvPicPr>
+        <p:blipFill>
+          <a:blip r:embed="rId3">
+            <a:alphaModFix/>
+          </a:blip>
+          <a:stretch>
+            <a:fillRect/>
+          </a:stretch>
+        </p:blipFill>
+        <p:spPr>
+          <a:xfrm>
+            <a:off x="8185025" y="4495184"/>
+            <a:ext cx="958975" cy="648316"/>
+          </a:xfrm>
+          <a:prstGeom prst="rect">
+            <a:avLst/>
+          </a:prstGeom>
+          <a:noFill/>
+          <a:ln>
+            <a:noFill/>
+          </a:ln>
+        </p:spPr>
+      </p:pic>
+      <p:pic>
+        <p:nvPicPr>
+          <p:cNvPr id="263" name="Google Shape;263;p44" title="videoplayback.mp4">
+            <a:hlinkClick r:id="rId4"/>
+          </p:cNvPr>
+          <p:cNvPicPr preferRelativeResize="0"/>
+          <p:nvPr/>
+        </p:nvPicPr>
+        <p:blipFill>
+          <a:blip r:embed="rId5">
+            <a:alphaModFix/>
+          </a:blip>
+          <a:stretch>
+            <a:fillRect/>
+          </a:stretch>
+        </p:blipFill>
+        <p:spPr>
+          <a:xfrm>
+            <a:off x="1619113" y="357088"/>
+            <a:ext cx="5905775" cy="4429325"/>
+          </a:xfrm>
+          <a:prstGeom prst="rect">
+            <a:avLst/>
+          </a:prstGeom>
+          <a:noFill/>
+          <a:ln>
+            <a:noFill/>
+          </a:ln>
+        </p:spPr>
+      </p:pic>
+    </p:spTree>
+  </p:cSld>
+  <p:clrMapOvr>
+    <a:masterClrMapping/>
+  </p:clrMapOvr>
+  <p:timing>
+    <p:tnLst>
+      <p:par>
+        <p:cTn dur="indefinite" nodeType="tmRoot" restart="never">
+          <p:childTnLst>
+            <p:seq concurrent="1" nextAc="seek">
+              <p:cTn dur="indefinite" id="2" nodeType="mainSeq">
+                <p:childTnLst>
+                  <p:par>
+                    <p:cTn fill="hold">
+                      <p:stCondLst>
+                        <p:cond delay="indefinite"/>
+                      </p:stCondLst>
+                      <p:childTnLst>
+                        <p:par>
+                          <p:cTn fill="hold">
+                            <p:stCondLst>
+                              <p:cond delay="0"/>
+                            </p:stCondLst>
+                            <p:childTnLst>
+                              <p:par>
+                                <p:cTn fill="hold" nodeType="clickEffect" presetClass="entr" presetID="10" presetSubtype="0">
+                                  <p:stCondLst>
+                                    <p:cond delay="0"/>
+                                  </p:stCondLst>
+                                  <p:childTnLst>
+                                    <p:set>
+                                      <p:cBhvr>
+                                        <p:cTn dur="1" fill="hold">
+                                          <p:stCondLst>
+                                            <p:cond delay="0"/>
+                                          </p:stCondLst>
+                                        </p:cTn>
+                                        <p:tgtEl>
+                                          <p:spTgt spid="263"/>
+                                        </p:tgtEl>
+                                        <p:attrNameLst>
+                                          <p:attrName>style.visibility</p:attrName>
+                                        </p:attrNameLst>
+                                      </p:cBhvr>
+                                      <p:to>
+                                        <p:strVal val="visible"/>
+                                      </p:to>
+                                    </p:set>
+                                    <p:animEffect filter="fade" transition="in">
+                                      <p:cBhvr>
+                                        <p:cTn dur="1000"/>
+                                        <p:tgtEl>
+                                          <p:spTgt spid="263"/>
+                                        </p:tgtEl>
+                                      </p:cBhvr>
+                                    </p:animEffect>
+                                  </p:childTnLst>
+                                </p:cTn>
+                              </p:par>
+                            </p:childTnLst>
+                          </p:cTn>
+                        </p:par>
+                      </p:childTnLst>
+                    </p:cTn>
+                  </p:par>
+                </p:childTnLst>
+              </p:cTn>
+              <p:prevCondLst>
+                <p:cond evt="onPrev">
+                  <p:tgtEl>
+                    <p:sldTgt/>
+                  </p:tgtEl>
+                </p:cond>
+              </p:prevCondLst>
+              <p:nextCondLst>
+                <p:cond evt="onNext">
+                  <p:tgtEl>
+                    <p:sldTgt/>
+                  </p:tgtEl>
+                </p:cond>
+              </p:nextCondLst>
+            </p:seq>
+          </p:childTnLst>
+        </p:cTn>
+      </p:par>
+    </p:tnLst>
+  </p:timing>
 </p:sld>
 </file>
 
@@ -11626,54 +14055,13 @@
           <p:cNvPr id="106" name="Google Shape;106;p21"/>
           <p:cNvSpPr txBox="1"/>
           <p:nvPr>
-            <p:ph type="title"/>
-          </p:nvPr>
-        </p:nvSpPr>
-        <p:spPr>
-          <a:xfrm>
-            <a:off x="311700" y="445025"/>
-            <a:ext cx="8520600" cy="572700"/>
-          </a:xfrm>
-          <a:prstGeom prst="rect">
-            <a:avLst/>
-          </a:prstGeom>
-        </p:spPr>
-        <p:txBody>
-          <a:bodyPr anchorCtr="0" anchor="t" bIns="91425" lIns="91425" spcFirstLastPara="1" rIns="91425" wrap="square" tIns="91425">
-            <a:noAutofit/>
-          </a:bodyPr>
-          <a:lstStyle/>
-          <a:p>
-            <a:pPr indent="0" lvl="0" marL="0" rtl="0" algn="l">
-              <a:spcBef>
-                <a:spcPts val="0"/>
-              </a:spcBef>
-              <a:spcAft>
-                <a:spcPts val="0"/>
-              </a:spcAft>
-              <a:buSzPts val="990"/>
-              <a:buNone/>
-            </a:pPr>
-            <a:r>
-              <a:rPr b="1" lang="pt-BR" sz="2000"/>
-              <a:t>Motivação:</a:t>
-            </a:r>
-            <a:endParaRPr b="1" sz="2000"/>
-          </a:p>
-        </p:txBody>
-      </p:sp>
-      <p:sp>
-        <p:nvSpPr>
-          <p:cNvPr id="107" name="Google Shape;107;p21"/>
-          <p:cNvSpPr txBox="1"/>
-          <p:nvPr>
             <p:ph idx="1" type="body"/>
           </p:nvPr>
         </p:nvSpPr>
         <p:spPr>
           <a:xfrm>
-            <a:off x="311700" y="1152475"/>
-            <a:ext cx="8520600" cy="3416400"/>
+            <a:off x="296750" y="346200"/>
+            <a:ext cx="8535600" cy="1001400"/>
           </a:xfrm>
           <a:prstGeom prst="rect">
             <a:avLst/>
@@ -11685,110 +14073,24 @@
           </a:bodyPr>
           <a:lstStyle/>
           <a:p>
-            <a:pPr indent="-330200" lvl="0" marL="457200" rtl="0" algn="l">
-              <a:spcBef>
-                <a:spcPts val="0"/>
-              </a:spcBef>
-              <a:spcAft>
-                <a:spcPts val="0"/>
-              </a:spcAft>
-              <a:buClr>
-                <a:schemeClr val="dk1"/>
-              </a:buClr>
-              <a:buSzPts val="1600"/>
-              <a:buChar char="●"/>
+            <a:pPr indent="0" lvl="0" marL="0" rtl="0" algn="l">
+              <a:spcBef>
+                <a:spcPts val="0"/>
+              </a:spcBef>
+              <a:spcAft>
+                <a:spcPts val="1200"/>
+              </a:spcAft>
+              <a:buNone/>
             </a:pPr>
             <a:r>
-              <a:rPr b="1" lang="pt-BR" sz="1600">
+              <a:rPr lang="pt-BR" sz="1600">
                 <a:solidFill>
                   <a:schemeClr val="dk1"/>
                 </a:solidFill>
               </a:rPr>
-              <a:t>Encontrar uma estrutura que seja mais eficiente na </a:t>
+              <a:t>Para terminar, vamos remover os nós cujos elementos são 1 e 5.</a:t>
             </a:r>
-            <a:r>
-              <a:rPr b="1" lang="pt-BR" sz="1600">
-                <a:solidFill>
-                  <a:schemeClr val="dk1"/>
-                </a:solidFill>
-              </a:rPr>
-              <a:t>inserção</a:t>
-            </a:r>
-            <a:r>
-              <a:rPr b="1" lang="pt-BR" sz="1600">
-                <a:solidFill>
-                  <a:schemeClr val="dk1"/>
-                </a:solidFill>
-              </a:rPr>
-              <a:t> e remoção.</a:t>
-            </a:r>
-            <a:endParaRPr b="1" sz="1600">
-              <a:solidFill>
-                <a:schemeClr val="dk1"/>
-              </a:solidFill>
-            </a:endParaRPr>
-          </a:p>
-          <a:p>
-            <a:pPr indent="0" lvl="0" marL="457200" rtl="0" algn="l">
-              <a:spcBef>
-                <a:spcPts val="1200"/>
-              </a:spcBef>
-              <a:spcAft>
-                <a:spcPts val="0"/>
-              </a:spcAft>
-              <a:buNone/>
-            </a:pPr>
-            <a:r>
-              <a:t/>
-            </a:r>
-            <a:endParaRPr b="1" sz="1600">
-              <a:solidFill>
-                <a:schemeClr val="dk1"/>
-              </a:solidFill>
-            </a:endParaRPr>
-          </a:p>
-          <a:p>
-            <a:pPr indent="-330200" lvl="0" marL="457200" rtl="0" algn="l">
-              <a:spcBef>
-                <a:spcPts val="1200"/>
-              </a:spcBef>
-              <a:spcAft>
-                <a:spcPts val="0"/>
-              </a:spcAft>
-              <a:buClr>
-                <a:schemeClr val="dk1"/>
-              </a:buClr>
-              <a:buSzPts val="1600"/>
-              <a:buChar char="●"/>
-            </a:pPr>
-            <a:r>
-              <a:rPr b="1" lang="pt-BR" sz="1600">
-                <a:solidFill>
-                  <a:schemeClr val="dk1"/>
-                </a:solidFill>
-              </a:rPr>
-              <a:t>Demonstrar, exemplificando, que essa estrutura é mais eficiente </a:t>
-            </a:r>
-            <a:endParaRPr b="1" sz="1600">
-              <a:solidFill>
-                <a:schemeClr val="dk1"/>
-              </a:solidFill>
-            </a:endParaRPr>
-          </a:p>
-          <a:p>
-            <a:pPr indent="0" lvl="0" marL="914400" rtl="0" algn="l">
-              <a:spcBef>
-                <a:spcPts val="1200"/>
-              </a:spcBef>
-              <a:spcAft>
-                <a:spcPts val="1200"/>
-              </a:spcAft>
-              <a:buNone/>
-            </a:pPr>
-            <a:r>
-              <a:t/>
-            </a:r>
-            <a:endParaRPr b="1" sz="1600">
+            <a:endParaRPr sz="1600">
               <a:solidFill>
                 <a:schemeClr val="dk1"/>
               </a:solidFill>
@@ -11796,6 +14098,62 @@
           </a:p>
         </p:txBody>
       </p:sp>
+      <p:pic>
+        <p:nvPicPr>
+          <p:cNvPr id="107" name="Google Shape;107;p21"/>
+          <p:cNvPicPr preferRelativeResize="0"/>
+          <p:nvPr/>
+        </p:nvPicPr>
+        <p:blipFill>
+          <a:blip r:embed="rId3">
+            <a:alphaModFix/>
+          </a:blip>
+          <a:stretch>
+            <a:fillRect/>
+          </a:stretch>
+        </p:blipFill>
+        <p:spPr>
+          <a:xfrm>
+            <a:off x="8185025" y="4495184"/>
+            <a:ext cx="958975" cy="648316"/>
+          </a:xfrm>
+          <a:prstGeom prst="rect">
+            <a:avLst/>
+          </a:prstGeom>
+          <a:noFill/>
+          <a:ln>
+            <a:noFill/>
+          </a:ln>
+        </p:spPr>
+      </p:pic>
+      <p:pic>
+        <p:nvPicPr>
+          <p:cNvPr id="108" name="Google Shape;108;p21"/>
+          <p:cNvPicPr preferRelativeResize="0"/>
+          <p:nvPr/>
+        </p:nvPicPr>
+        <p:blipFill>
+          <a:blip r:embed="rId4">
+            <a:alphaModFix/>
+          </a:blip>
+          <a:stretch>
+            <a:fillRect/>
+          </a:stretch>
+        </p:blipFill>
+        <p:spPr>
+          <a:xfrm>
+            <a:off x="1781175" y="832063"/>
+            <a:ext cx="5581650" cy="4048125"/>
+          </a:xfrm>
+          <a:prstGeom prst="rect">
+            <a:avLst/>
+          </a:prstGeom>
+          <a:noFill/>
+          <a:ln>
+            <a:noFill/>
+          </a:ln>
+        </p:spPr>
+      </p:pic>
     </p:spTree>
   </p:cSld>
   <p:clrMapOvr>
